--- a/docs/CheatSheet.pptx
+++ b/docs/CheatSheet.pptx
@@ -5,11 +5,12 @@
     <p:sldMasterId id="2147483648" r:id="rId1"/>
   </p:sldMasterIdLst>
   <p:notesMasterIdLst>
-    <p:notesMasterId r:id="rId4"/>
+    <p:notesMasterId r:id="rId5"/>
   </p:notesMasterIdLst>
   <p:sldIdLst>
     <p:sldId id="256" r:id="rId2"/>
     <p:sldId id="257" r:id="rId3"/>
+    <p:sldId id="258" r:id="rId4"/>
   </p:sldIdLst>
   <p:sldSz cx="12192000" cy="6858000"/>
   <p:notesSz cx="6858000" cy="9144000"/>
@@ -108,6 +109,11 @@
       </a:defRPr>
     </a:lvl9pPr>
   </p:defaultTextStyle>
+  <p:extLst>
+    <p:ext uri="{EFAFB233-063F-42B5-8137-9DF3F51BA10A}">
+      <p15:sldGuideLst xmlns:p15="http://schemas.microsoft.com/office/powerpoint/2012/main"/>
+    </p:ext>
+  </p:extLst>
 </p:presentation>
 </file>
 
@@ -193,7 +199,7 @@
           <a:p>
             <a:fld id="{A426CAC6-4C26-DA42-B260-CA966EDEB8DE}" type="datetimeFigureOut">
               <a:rPr lang="en-US" smtClean="0"/>
-              <a:t>6/29/25</a:t>
+              <a:t>7/1/25</a:t>
             </a:fld>
             <a:endParaRPr lang="en-US" dirty="0"/>
           </a:p>
@@ -628,6 +634,90 @@
 </p:notes>
 </file>
 
+<file path=ppt/notesSlides/notesSlide3.xml><?xml version="1.0" encoding="utf-8"?>
+<p:notes xmlns:a="http://schemas.openxmlformats.org/drawingml/2006/main" xmlns:r="http://schemas.openxmlformats.org/officeDocument/2006/relationships" xmlns:p="http://schemas.openxmlformats.org/presentationml/2006/main">
+  <p:cSld>
+    <p:spTree>
+      <p:nvGrpSpPr>
+        <p:cNvPr id="1" name=""/>
+        <p:cNvGrpSpPr/>
+        <p:nvPr/>
+      </p:nvGrpSpPr>
+      <p:grpSpPr>
+        <a:xfrm>
+          <a:off x="0" y="0"/>
+          <a:ext cx="0" cy="0"/>
+          <a:chOff x="0" y="0"/>
+          <a:chExt cx="0" cy="0"/>
+        </a:xfrm>
+      </p:grpSpPr>
+      <p:sp>
+        <p:nvSpPr>
+          <p:cNvPr id="2" name="Slide Image Placeholder 1"/>
+          <p:cNvSpPr>
+            <a:spLocks noGrp="1" noRot="1" noChangeAspect="1"/>
+          </p:cNvSpPr>
+          <p:nvPr>
+            <p:ph type="sldImg"/>
+          </p:nvPr>
+        </p:nvSpPr>
+        <p:spPr/>
+      </p:sp>
+      <p:sp>
+        <p:nvSpPr>
+          <p:cNvPr id="3" name="Notes Placeholder 2"/>
+          <p:cNvSpPr>
+            <a:spLocks noGrp="1"/>
+          </p:cNvSpPr>
+          <p:nvPr>
+            <p:ph type="body" idx="1"/>
+          </p:nvPr>
+        </p:nvSpPr>
+        <p:spPr/>
+        <p:txBody>
+          <a:bodyPr/>
+          <a:lstStyle/>
+          <a:p>
+            <a:endParaRPr lang="en-US" dirty="0"/>
+          </a:p>
+        </p:txBody>
+      </p:sp>
+      <p:sp>
+        <p:nvSpPr>
+          <p:cNvPr id="4" name="Slide Number Placeholder 3"/>
+          <p:cNvSpPr>
+            <a:spLocks noGrp="1"/>
+          </p:cNvSpPr>
+          <p:nvPr>
+            <p:ph type="sldNum" sz="quarter" idx="5"/>
+          </p:nvPr>
+        </p:nvSpPr>
+        <p:spPr/>
+        <p:txBody>
+          <a:bodyPr/>
+          <a:lstStyle/>
+          <a:p>
+            <a:fld id="{AEBE7E39-97EC-054A-A7FE-150C490B1305}" type="slidenum">
+              <a:rPr lang="en-US" smtClean="0"/>
+              <a:t>3</a:t>
+            </a:fld>
+            <a:endParaRPr lang="en-US" dirty="0"/>
+          </a:p>
+        </p:txBody>
+      </p:sp>
+    </p:spTree>
+    <p:extLst>
+      <p:ext uri="{BB962C8B-B14F-4D97-AF65-F5344CB8AC3E}">
+        <p14:creationId xmlns:p14="http://schemas.microsoft.com/office/powerpoint/2010/main" val="271815874"/>
+      </p:ext>
+    </p:extLst>
+  </p:cSld>
+  <p:clrMapOvr>
+    <a:masterClrMapping/>
+  </p:clrMapOvr>
+</p:notes>
+</file>
+
 <file path=ppt/slideLayouts/slideLayout1.xml><?xml version="1.0" encoding="utf-8"?>
 <p:sldLayout xmlns:a="http://schemas.openxmlformats.org/drawingml/2006/main" xmlns:r="http://schemas.openxmlformats.org/officeDocument/2006/relationships" xmlns:p="http://schemas.openxmlformats.org/presentationml/2006/main" type="title" preserve="1">
   <p:cSld name="Title Slide">
@@ -775,7 +865,7 @@
           <a:p>
             <a:fld id="{D996798F-AFF2-4140-87AD-54D8021B772D}" type="datetimeFigureOut">
               <a:rPr lang="en-US" smtClean="0"/>
-              <a:t>6/28/25</a:t>
+              <a:t>7/1/25</a:t>
             </a:fld>
             <a:endParaRPr lang="en-US" dirty="0"/>
           </a:p>
@@ -973,7 +1063,7 @@
           <a:p>
             <a:fld id="{D996798F-AFF2-4140-87AD-54D8021B772D}" type="datetimeFigureOut">
               <a:rPr lang="en-US" smtClean="0"/>
-              <a:t>6/28/25</a:t>
+              <a:t>7/1/25</a:t>
             </a:fld>
             <a:endParaRPr lang="en-US" dirty="0"/>
           </a:p>
@@ -1181,7 +1271,7 @@
           <a:p>
             <a:fld id="{D996798F-AFF2-4140-87AD-54D8021B772D}" type="datetimeFigureOut">
               <a:rPr lang="en-US" smtClean="0"/>
-              <a:t>6/28/25</a:t>
+              <a:t>7/1/25</a:t>
             </a:fld>
             <a:endParaRPr lang="en-US" dirty="0"/>
           </a:p>
@@ -1379,7 +1469,7 @@
           <a:p>
             <a:fld id="{D996798F-AFF2-4140-87AD-54D8021B772D}" type="datetimeFigureOut">
               <a:rPr lang="en-US" smtClean="0"/>
-              <a:t>6/28/25</a:t>
+              <a:t>7/1/25</a:t>
             </a:fld>
             <a:endParaRPr lang="en-US" dirty="0"/>
           </a:p>
@@ -1654,7 +1744,7 @@
           <a:p>
             <a:fld id="{D996798F-AFF2-4140-87AD-54D8021B772D}" type="datetimeFigureOut">
               <a:rPr lang="en-US" smtClean="0"/>
-              <a:t>6/28/25</a:t>
+              <a:t>7/1/25</a:t>
             </a:fld>
             <a:endParaRPr lang="en-US" dirty="0"/>
           </a:p>
@@ -1919,7 +2009,7 @@
           <a:p>
             <a:fld id="{D996798F-AFF2-4140-87AD-54D8021B772D}" type="datetimeFigureOut">
               <a:rPr lang="en-US" smtClean="0"/>
-              <a:t>6/28/25</a:t>
+              <a:t>7/1/25</a:t>
             </a:fld>
             <a:endParaRPr lang="en-US" dirty="0"/>
           </a:p>
@@ -2331,7 +2421,7 @@
           <a:p>
             <a:fld id="{D996798F-AFF2-4140-87AD-54D8021B772D}" type="datetimeFigureOut">
               <a:rPr lang="en-US" smtClean="0"/>
-              <a:t>6/28/25</a:t>
+              <a:t>7/1/25</a:t>
             </a:fld>
             <a:endParaRPr lang="en-US" dirty="0"/>
           </a:p>
@@ -2472,7 +2562,7 @@
           <a:p>
             <a:fld id="{D996798F-AFF2-4140-87AD-54D8021B772D}" type="datetimeFigureOut">
               <a:rPr lang="en-US" smtClean="0"/>
-              <a:t>6/28/25</a:t>
+              <a:t>7/1/25</a:t>
             </a:fld>
             <a:endParaRPr lang="en-US" dirty="0"/>
           </a:p>
@@ -2585,7 +2675,7 @@
           <a:p>
             <a:fld id="{D996798F-AFF2-4140-87AD-54D8021B772D}" type="datetimeFigureOut">
               <a:rPr lang="en-US" smtClean="0"/>
-              <a:t>6/28/25</a:t>
+              <a:t>7/1/25</a:t>
             </a:fld>
             <a:endParaRPr lang="en-US" dirty="0"/>
           </a:p>
@@ -2896,7 +2986,7 @@
           <a:p>
             <a:fld id="{D996798F-AFF2-4140-87AD-54D8021B772D}" type="datetimeFigureOut">
               <a:rPr lang="en-US" smtClean="0"/>
-              <a:t>6/28/25</a:t>
+              <a:t>7/1/25</a:t>
             </a:fld>
             <a:endParaRPr lang="en-US" dirty="0"/>
           </a:p>
@@ -3184,7 +3274,7 @@
           <a:p>
             <a:fld id="{D996798F-AFF2-4140-87AD-54D8021B772D}" type="datetimeFigureOut">
               <a:rPr lang="en-US" smtClean="0"/>
-              <a:t>6/28/25</a:t>
+              <a:t>7/1/25</a:t>
             </a:fld>
             <a:endParaRPr lang="en-US" dirty="0"/>
           </a:p>
@@ -3425,7 +3515,7 @@
           <a:p>
             <a:fld id="{D996798F-AFF2-4140-87AD-54D8021B772D}" type="datetimeFigureOut">
               <a:rPr lang="en-US" smtClean="0"/>
-              <a:t>6/28/25</a:t>
+              <a:t>7/1/25</a:t>
             </a:fld>
             <a:endParaRPr lang="en-US" dirty="0"/>
           </a:p>
@@ -3982,7 +4072,7 @@
             <a:lstStyle/>
             <a:p>
               <a:r>
-                <a:rPr lang="en-US" sz="1200" dirty="0">
+                <a:rPr lang="en-US" sz="1200" b="1" dirty="0">
                   <a:solidFill>
                     <a:schemeClr val="tx1"/>
                   </a:solidFill>
@@ -3994,7 +4084,7 @@
             </a:p>
             <a:p>
               <a:r>
-                <a:rPr lang="en-US" sz="1200" dirty="0">
+                <a:rPr lang="en-US" sz="1200" b="1" dirty="0">
                   <a:solidFill>
                     <a:schemeClr val="tx1"/>
                   </a:solidFill>
@@ -4005,7 +4095,7 @@
               </a:r>
             </a:p>
             <a:p>
-              <a:endParaRPr lang="en-US" sz="1200" dirty="0">
+              <a:endParaRPr lang="en-US" sz="1200" b="1" dirty="0">
                 <a:solidFill>
                   <a:schemeClr val="tx1"/>
                 </a:solidFill>
@@ -4015,7 +4105,7 @@
             </a:p>
             <a:p>
               <a:r>
-                <a:rPr lang="en-US" sz="1200" dirty="0">
+                <a:rPr lang="en-US" sz="1200" b="1" dirty="0">
                   <a:solidFill>
                     <a:schemeClr val="tx1"/>
                   </a:solidFill>
@@ -4025,7 +4115,7 @@
                 <a:t>df.</a:t>
               </a:r>
               <a:r>
-                <a:rPr lang="en-US" sz="1200" dirty="0">
+                <a:rPr lang="en-US" sz="1200" b="1" dirty="0">
                   <a:solidFill>
                     <a:schemeClr val="tx1"/>
                   </a:solidFill>
@@ -4035,7 +4125,7 @@
                 </a:rPr>
                 <a:t>load_index(…);</a:t>
               </a:r>
-              <a:endParaRPr lang="en-US" sz="1200" dirty="0">
+              <a:endParaRPr lang="en-US" sz="1200" b="1" dirty="0">
                 <a:solidFill>
                   <a:schemeClr val="tx1"/>
                 </a:solidFill>
@@ -4045,7 +4135,7 @@
             </a:p>
             <a:p>
               <a:r>
-                <a:rPr lang="en-US" sz="1200" dirty="0">
+                <a:rPr lang="en-US" sz="1200" b="1" dirty="0">
                   <a:solidFill>
                     <a:schemeClr val="tx1"/>
                   </a:solidFill>
@@ -4055,7 +4145,7 @@
                 <a:t>df.</a:t>
               </a:r>
               <a:r>
-                <a:rPr lang="en-US" sz="1200" dirty="0">
+                <a:rPr lang="en-US" sz="1200" b="1" dirty="0">
                   <a:solidFill>
                     <a:schemeClr val="tx1"/>
                   </a:solidFill>
@@ -4065,7 +4155,7 @@
                 </a:rPr>
                 <a:t>load_column(...);</a:t>
               </a:r>
-              <a:endParaRPr lang="en-US" sz="1200" dirty="0">
+              <a:endParaRPr lang="en-US" sz="1200" b="1" dirty="0">
                 <a:solidFill>
                   <a:schemeClr val="tx1"/>
                 </a:solidFill>
@@ -4075,7 +4165,7 @@
             </a:p>
             <a:p>
               <a:r>
-                <a:rPr lang="en-US" sz="1200" dirty="0">
+                <a:rPr lang="en-US" sz="1200" b="1" dirty="0">
                   <a:solidFill>
                     <a:schemeClr val="tx1"/>
                   </a:solidFill>
@@ -4085,7 +4175,7 @@
                 <a:t>df.</a:t>
               </a:r>
               <a:r>
-                <a:rPr lang="en-US" sz="1200" dirty="0">
+                <a:rPr lang="en-US" sz="1200" b="1" dirty="0">
                   <a:solidFill>
                     <a:schemeClr val="tx1"/>
                   </a:solidFill>
@@ -4095,7 +4185,7 @@
                 </a:rPr>
                 <a:t>load_data(…);</a:t>
               </a:r>
-              <a:endParaRPr lang="en-US" sz="1200" dirty="0">
+              <a:endParaRPr lang="en-US" sz="1200" b="1" dirty="0">
                 <a:solidFill>
                   <a:schemeClr val="tx1"/>
                 </a:solidFill>
@@ -4105,7 +4195,7 @@
             </a:p>
             <a:p>
               <a:r>
-                <a:rPr lang="en-US" sz="1200" dirty="0">
+                <a:rPr lang="en-US" sz="1200" b="1" dirty="0">
                   <a:solidFill>
                     <a:schemeClr val="tx1"/>
                   </a:solidFill>
@@ -4115,7 +4205,7 @@
                 <a:t>df.</a:t>
               </a:r>
               <a:r>
-                <a:rPr lang="en-US" sz="1200" dirty="0">
+                <a:rPr lang="en-US" sz="1200" b="1" dirty="0">
                   <a:solidFill>
                     <a:schemeClr val="tx1"/>
                   </a:solidFill>
@@ -4125,7 +4215,7 @@
                 </a:rPr>
                 <a:t>read&lt;…&gt;(…);</a:t>
               </a:r>
-              <a:endParaRPr lang="en-US" sz="1200" dirty="0">
+              <a:endParaRPr lang="en-US" sz="1200" b="1" dirty="0">
                 <a:solidFill>
                   <a:schemeClr val="tx1"/>
                 </a:solidFill>
@@ -4276,7 +4366,7 @@
             <a:lstStyle/>
             <a:p>
               <a:r>
-                <a:rPr lang="en-US" sz="1200" dirty="0">
+                <a:rPr lang="en-US" sz="1200" b="1" dirty="0">
                   <a:solidFill>
                     <a:schemeClr val="tx1"/>
                   </a:solidFill>
@@ -4286,7 +4376,7 @@
                 <a:t>df.</a:t>
               </a:r>
               <a:r>
-                <a:rPr lang="en-US" sz="1200" dirty="0">
+                <a:rPr lang="en-US" sz="1200" b="1" dirty="0">
                   <a:solidFill>
                     <a:schemeClr val="tx1"/>
                   </a:solidFill>
@@ -4296,7 +4386,7 @@
                 </a:rPr>
                 <a:t>bucketize&lt;…&gt;(…);</a:t>
               </a:r>
-              <a:endParaRPr lang="en-US" sz="1200" dirty="0">
+              <a:endParaRPr lang="en-US" sz="1200" b="1" dirty="0">
                 <a:solidFill>
                   <a:schemeClr val="tx1"/>
                 </a:solidFill>
@@ -4306,7 +4396,7 @@
             </a:p>
             <a:p>
               <a:r>
-                <a:rPr lang="en-US" sz="1200" dirty="0">
+                <a:rPr lang="en-US" sz="1200" b="1" dirty="0">
                   <a:solidFill>
                     <a:schemeClr val="tx1"/>
                   </a:solidFill>
@@ -4316,7 +4406,7 @@
                 <a:t>df.</a:t>
               </a:r>
               <a:r>
-                <a:rPr lang="en-US" sz="1200" dirty="0">
+                <a:rPr lang="en-US" sz="1200" b="1" dirty="0">
                   <a:solidFill>
                     <a:schemeClr val="tx1"/>
                   </a:solidFill>
@@ -4327,7 +4417,7 @@
                 <a:t>groupby&lt;...&gt;(...)</a:t>
               </a:r>
               <a:r>
-                <a:rPr lang="en-US" sz="1200" dirty="0">
+                <a:rPr lang="en-US" sz="1200" b="1" dirty="0">
                   <a:solidFill>
                     <a:schemeClr val="tx1"/>
                   </a:solidFill>
@@ -4339,7 +4429,7 @@
             </a:p>
             <a:p>
               <a:r>
-                <a:rPr lang="en-US" sz="1200" dirty="0">
+                <a:rPr lang="en-US" sz="1200" b="1" dirty="0">
                   <a:solidFill>
                     <a:schemeClr val="tx1"/>
                   </a:solidFill>
@@ -4349,7 +4439,7 @@
                 <a:t>df.</a:t>
               </a:r>
               <a:r>
-                <a:rPr lang="en-US" sz="1200" dirty="0">
+                <a:rPr lang="en-US" sz="1200" b="1" dirty="0">
                   <a:solidFill>
                     <a:schemeClr val="tx1"/>
                   </a:solidFill>
@@ -4360,7 +4450,7 @@
                 <a:t>concat&lt;...&gt;(...)</a:t>
               </a:r>
               <a:r>
-                <a:rPr lang="en-US" sz="1200" dirty="0">
+                <a:rPr lang="en-US" sz="1200" b="1" dirty="0">
                   <a:solidFill>
                     <a:schemeClr val="tx1"/>
                   </a:solidFill>
@@ -4372,7 +4462,7 @@
             </a:p>
             <a:p>
               <a:r>
-                <a:rPr lang="en-US" sz="1200" dirty="0">
+                <a:rPr lang="en-US" sz="1200" b="1" dirty="0">
                   <a:solidFill>
                     <a:schemeClr val="tx1"/>
                   </a:solidFill>
@@ -4382,7 +4472,7 @@
                 <a:t>df.</a:t>
               </a:r>
               <a:r>
-                <a:rPr lang="en-US" sz="1200" dirty="0">
+                <a:rPr lang="en-US" sz="1200" b="1" dirty="0">
                   <a:solidFill>
                     <a:schemeClr val="tx1"/>
                   </a:solidFill>
@@ -4393,7 +4483,7 @@
                 <a:t>combine&lt;...&gt;(...)</a:t>
               </a:r>
               <a:r>
-                <a:rPr lang="en-US" sz="1200" dirty="0">
+                <a:rPr lang="en-US" sz="1200" b="1" dirty="0">
                   <a:solidFill>
                     <a:schemeClr val="tx1"/>
                   </a:solidFill>
@@ -4405,7 +4495,7 @@
             </a:p>
             <a:p>
               <a:r>
-                <a:rPr lang="en-US" sz="1200" dirty="0">
+                <a:rPr lang="en-US" sz="1200" b="1" dirty="0">
                   <a:solidFill>
                     <a:schemeClr val="tx1"/>
                   </a:solidFill>
@@ -4415,7 +4505,7 @@
                 <a:t>df.</a:t>
               </a:r>
               <a:r>
-                <a:rPr lang="en-US" sz="1200" dirty="0">
+                <a:rPr lang="en-US" sz="1200" b="1" dirty="0">
                   <a:solidFill>
                     <a:schemeClr val="tx1"/>
                   </a:solidFill>
@@ -4426,7 +4516,7 @@
                 <a:t>consolidate&lt;...&gt;(...)</a:t>
               </a:r>
               <a:r>
-                <a:rPr lang="en-US" sz="1200" dirty="0">
+                <a:rPr lang="en-US" sz="1200" b="1" dirty="0">
                   <a:solidFill>
                     <a:schemeClr val="tx1"/>
                   </a:solidFill>
@@ -4438,7 +4528,7 @@
             </a:p>
             <a:p>
               <a:r>
-                <a:rPr lang="en-US" sz="1200" dirty="0">
+                <a:rPr lang="en-US" sz="1200" b="1" dirty="0">
                   <a:solidFill>
                     <a:schemeClr val="tx1"/>
                   </a:solidFill>
@@ -4448,7 +4538,7 @@
                 <a:t>df.</a:t>
               </a:r>
               <a:r>
-                <a:rPr lang="en-US" sz="1200" dirty="0">
+                <a:rPr lang="en-US" sz="1200" b="1" dirty="0">
                   <a:solidFill>
                     <a:schemeClr val="tx1"/>
                   </a:solidFill>
@@ -4459,7 +4549,7 @@
                 <a:t>join&lt;...&gt;(...)</a:t>
               </a:r>
               <a:r>
-                <a:rPr lang="en-US" sz="1200" dirty="0">
+                <a:rPr lang="en-US" sz="1200" b="1" dirty="0">
                   <a:solidFill>
                     <a:schemeClr val="tx1"/>
                   </a:solidFill>
@@ -4471,7 +4561,7 @@
             </a:p>
             <a:p>
               <a:r>
-                <a:rPr lang="en-US" sz="1200" dirty="0">
+                <a:rPr lang="en-US" sz="1200" b="1" dirty="0">
                   <a:solidFill>
                     <a:schemeClr val="tx1"/>
                   </a:solidFill>
@@ -4481,7 +4571,7 @@
                 <a:t>df.</a:t>
               </a:r>
               <a:r>
-                <a:rPr lang="en-US" sz="1200" dirty="0">
+                <a:rPr lang="en-US" sz="1200" b="1" dirty="0">
                   <a:solidFill>
                     <a:schemeClr val="tx1"/>
                   </a:solidFill>
@@ -4491,7 +4581,7 @@
                 </a:rPr>
                 <a:t>sort&lt;...&gt;(...)</a:t>
               </a:r>
-              <a:endParaRPr lang="en-US" sz="1200" dirty="0">
+              <a:endParaRPr lang="en-US" sz="1200" b="1" dirty="0">
                 <a:solidFill>
                   <a:schemeClr val="tx1"/>
                 </a:solidFill>
@@ -4501,7 +4591,7 @@
             </a:p>
             <a:p>
               <a:r>
-                <a:rPr lang="en-US" sz="1200" dirty="0">
+                <a:rPr lang="en-US" sz="1200" b="1" dirty="0">
                   <a:solidFill>
                     <a:schemeClr val="tx1"/>
                   </a:solidFill>
@@ -4674,7 +4764,7 @@
               <a:p>
                 <a:pPr algn="ctr"/>
                 <a:r>
-                  <a:rPr lang="en-US" sz="1400" dirty="0"/>
+                  <a:rPr lang="en-US" sz="1400" b="1" dirty="0"/>
                   <a:t>Var1</a:t>
                 </a:r>
               </a:p>
@@ -4728,7 +4818,7 @@
               <a:p>
                 <a:pPr algn="ctr"/>
                 <a:r>
-                  <a:rPr lang="en-US" sz="1400" dirty="0"/>
+                  <a:rPr lang="en-US" sz="1400" b="1" dirty="0"/>
                   <a:t>Var2</a:t>
                 </a:r>
               </a:p>
@@ -4782,7 +4872,7 @@
               <a:p>
                 <a:pPr algn="ctr"/>
                 <a:r>
-                  <a:rPr lang="en-US" sz="1400" dirty="0"/>
+                  <a:rPr lang="en-US" sz="1400" b="1" dirty="0"/>
                   <a:t>Var3</a:t>
                 </a:r>
               </a:p>
@@ -5649,7 +5739,7 @@
               <a:p>
                 <a:pPr algn="ctr"/>
                 <a:r>
-                  <a:rPr lang="en-US" sz="1400" dirty="0"/>
+                  <a:rPr lang="en-US" sz="1400" b="1" dirty="0"/>
                   <a:t>Index</a:t>
                 </a:r>
               </a:p>
@@ -6005,7 +6095,7 @@
             <a:lstStyle/>
             <a:p>
               <a:r>
-                <a:rPr lang="en-US" sz="1200" dirty="0">
+                <a:rPr lang="en-US" sz="1200" b="1" dirty="0">
                   <a:solidFill>
                     <a:schemeClr val="tx1"/>
                   </a:solidFill>
@@ -6015,7 +6105,7 @@
                 <a:t>df.</a:t>
               </a:r>
               <a:r>
-                <a:rPr lang="en-US" sz="1200" dirty="0">
+                <a:rPr lang="en-US" sz="1200" b="1" dirty="0">
                   <a:solidFill>
                     <a:schemeClr val="tx1"/>
                   </a:solidFill>
@@ -6026,7 +6116,7 @@
                 <a:t>get_index()</a:t>
               </a:r>
               <a:r>
-                <a:rPr lang="en-US" sz="1200" dirty="0">
+                <a:rPr lang="en-US" sz="1200" b="1" dirty="0">
                   <a:solidFill>
                     <a:schemeClr val="tx1"/>
                   </a:solidFill>
@@ -6038,7 +6128,7 @@
             </a:p>
             <a:p>
               <a:r>
-                <a:rPr lang="en-US" sz="1200" dirty="0">
+                <a:rPr lang="en-US" sz="1200" b="1" dirty="0">
                   <a:solidFill>
                     <a:schemeClr val="tx1"/>
                   </a:solidFill>
@@ -6048,7 +6138,7 @@
                 <a:t>df.</a:t>
               </a:r>
               <a:r>
-                <a:rPr lang="en-US" sz="1200" dirty="0">
+                <a:rPr lang="en-US" sz="1200" b="1" dirty="0">
                   <a:solidFill>
                     <a:schemeClr val="tx1"/>
                   </a:solidFill>
@@ -6059,7 +6149,7 @@
                 <a:t>get_column&lt;...&gt;(...)</a:t>
               </a:r>
               <a:r>
-                <a:rPr lang="en-US" sz="1200" dirty="0">
+                <a:rPr lang="en-US" sz="1200" b="1" dirty="0">
                   <a:solidFill>
                     <a:schemeClr val="tx1"/>
                   </a:solidFill>
@@ -6071,7 +6161,7 @@
             </a:p>
             <a:p>
               <a:r>
-                <a:rPr lang="en-US" sz="1200" dirty="0">
+                <a:rPr lang="en-US" sz="1200" b="1" dirty="0">
                   <a:solidFill>
                     <a:schemeClr val="tx1"/>
                   </a:solidFill>
@@ -6081,7 +6171,7 @@
                 <a:t>df.</a:t>
               </a:r>
               <a:r>
-                <a:rPr lang="en-US" sz="1200" dirty="0">
+                <a:rPr lang="en-US" sz="1200" b="1" dirty="0">
                   <a:solidFill>
                     <a:schemeClr val="tx1"/>
                   </a:solidFill>
@@ -6092,7 +6182,7 @@
                 <a:t>get_row&lt;...&gt;(...)</a:t>
               </a:r>
               <a:r>
-                <a:rPr lang="en-US" sz="1200" dirty="0">
+                <a:rPr lang="en-US" sz="1200" b="1" dirty="0">
                   <a:solidFill>
                     <a:schemeClr val="tx1"/>
                   </a:solidFill>
@@ -6120,7 +6210,7 @@
         <p:grpSpPr>
           <a:xfrm>
             <a:off x="4028291" y="3083203"/>
-            <a:ext cx="2743196" cy="3527664"/>
+            <a:ext cx="3051778" cy="3527664"/>
             <a:chOff x="8995718" y="2317079"/>
             <a:chExt cx="2296550" cy="3527664"/>
           </a:xfrm>
@@ -6250,7 +6340,7 @@
             <a:lstStyle/>
             <a:p>
               <a:r>
-                <a:rPr lang="en-US" sz="1200" dirty="0">
+                <a:rPr lang="en-US" sz="1200" b="1" dirty="0">
                   <a:solidFill>
                     <a:schemeClr val="tx1"/>
                   </a:solidFill>
@@ -6260,7 +6350,7 @@
                 <a:t>df.</a:t>
               </a:r>
               <a:r>
-                <a:rPr lang="en-US" sz="1200" u="sng" dirty="0">
+                <a:rPr lang="en-US" sz="1200" b="1" u="sng" dirty="0">
                   <a:solidFill>
                     <a:srgbClr val="467886"/>
                   </a:solidFill>
@@ -6277,7 +6367,7 @@
                 <a:t>canon_corr</a:t>
               </a:r>
               <a:r>
-                <a:rPr lang="en-US" sz="1200" u="sng" dirty="0">
+                <a:rPr lang="en-US" sz="1200" b="1" u="sng" dirty="0">
                   <a:solidFill>
                     <a:schemeClr val="tx1"/>
                   </a:solidFill>
@@ -6294,7 +6384,7 @@
                 <a:t>&lt;...&gt;(...)</a:t>
               </a:r>
               <a:r>
-                <a:rPr lang="en-US" sz="1200" dirty="0">
+                <a:rPr lang="en-US" sz="1200" b="1" dirty="0">
                   <a:solidFill>
                     <a:schemeClr val="tx1"/>
                   </a:solidFill>
@@ -6306,7 +6396,7 @@
             </a:p>
             <a:p>
               <a:r>
-                <a:rPr lang="en-US" sz="1200" dirty="0">
+                <a:rPr lang="en-US" sz="1200" b="1" dirty="0">
                   <a:solidFill>
                     <a:schemeClr val="tx1"/>
                   </a:solidFill>
@@ -6316,7 +6406,7 @@
                 <a:t>df.</a:t>
               </a:r>
               <a:r>
-                <a:rPr lang="en-US" sz="1200" u="sng" dirty="0">
+                <a:rPr lang="en-US" sz="1200" b="1" u="sng" dirty="0">
                   <a:solidFill>
                     <a:srgbClr val="467886"/>
                   </a:solidFill>
@@ -6333,7 +6423,7 @@
                 <a:t>compact_svd</a:t>
               </a:r>
               <a:r>
-                <a:rPr lang="en-US" sz="1200" u="sng" dirty="0">
+                <a:rPr lang="en-US" sz="1200" b="1" u="sng" dirty="0">
                   <a:solidFill>
                     <a:schemeClr val="tx1"/>
                   </a:solidFill>
@@ -6350,7 +6440,7 @@
                 <a:t>&lt;…&gt;(…)</a:t>
               </a:r>
               <a:r>
-                <a:rPr lang="en-US" sz="1200" dirty="0">
+                <a:rPr lang="en-US" sz="1200" b="1" dirty="0">
                   <a:solidFill>
                     <a:schemeClr val="tx1"/>
                   </a:solidFill>
@@ -6362,7 +6452,7 @@
             </a:p>
             <a:p>
               <a:r>
-                <a:rPr lang="en-US" sz="1200" dirty="0">
+                <a:rPr lang="en-US" sz="1200" b="1" dirty="0">
                   <a:solidFill>
                     <a:schemeClr val="tx1"/>
                   </a:solidFill>
@@ -6372,7 +6462,7 @@
                 <a:t>df.</a:t>
               </a:r>
               <a:r>
-                <a:rPr lang="en-US" sz="1200" u="sng" dirty="0">
+                <a:rPr lang="en-US" sz="1200" b="1" u="sng" dirty="0">
                   <a:solidFill>
                     <a:srgbClr val="467886"/>
                   </a:solidFill>
@@ -6389,7 +6479,7 @@
                 <a:t>covariance_matrix</a:t>
               </a:r>
               <a:r>
-                <a:rPr lang="en-US" sz="1200" u="sng" dirty="0">
+                <a:rPr lang="en-US" sz="1200" b="1" u="sng" dirty="0">
                   <a:solidFill>
                     <a:schemeClr val="tx1"/>
                   </a:solidFill>
@@ -6406,7 +6496,7 @@
                 <a:t>&lt;...&gt;(...)</a:t>
               </a:r>
               <a:r>
-                <a:rPr lang="en-US" sz="1200" dirty="0">
+                <a:rPr lang="en-US" sz="1200" b="1" dirty="0">
                   <a:solidFill>
                     <a:schemeClr val="tx1"/>
                   </a:solidFill>
@@ -6418,7 +6508,7 @@
             </a:p>
             <a:p>
               <a:r>
-                <a:rPr lang="en-US" sz="1200" dirty="0">
+                <a:rPr lang="en-US" sz="1200" b="1" dirty="0">
                   <a:solidFill>
                     <a:schemeClr val="tx1"/>
                   </a:solidFill>
@@ -6428,7 +6518,7 @@
                 <a:t>df.</a:t>
               </a:r>
               <a:r>
-                <a:rPr lang="en-US" sz="1200" u="sng" dirty="0">
+                <a:rPr lang="en-US" sz="1200" b="1" u="sng" dirty="0">
                   <a:solidFill>
                     <a:srgbClr val="467886"/>
                   </a:solidFill>
@@ -6445,7 +6535,7 @@
                 <a:t>difference</a:t>
               </a:r>
               <a:r>
-                <a:rPr lang="en-US" sz="1200" u="sng" dirty="0">
+                <a:rPr lang="en-US" sz="1200" b="1" u="sng" dirty="0">
                   <a:solidFill>
                     <a:schemeClr val="tx1"/>
                   </a:solidFill>
@@ -6462,7 +6552,7 @@
                 <a:t>&lt;...&gt;(...)</a:t>
               </a:r>
               <a:r>
-                <a:rPr lang="en-US" sz="1200" dirty="0">
+                <a:rPr lang="en-US" sz="1200" b="1" dirty="0">
                   <a:solidFill>
                     <a:schemeClr val="tx1"/>
                   </a:solidFill>
@@ -6474,7 +6564,7 @@
             </a:p>
             <a:p>
               <a:r>
-                <a:rPr lang="en-US" sz="1200" dirty="0">
+                <a:rPr lang="en-US" sz="1200" b="1" dirty="0">
                   <a:solidFill>
                     <a:schemeClr val="tx1"/>
                   </a:solidFill>
@@ -6484,7 +6574,7 @@
                 <a:t>df.</a:t>
               </a:r>
               <a:r>
-                <a:rPr lang="en-US" sz="1200" u="sng" dirty="0">
+                <a:rPr lang="en-US" sz="1200" b="1" u="sng" dirty="0">
                   <a:solidFill>
                     <a:srgbClr val="467886"/>
                   </a:solidFill>
@@ -6501,7 +6591,7 @@
                 <a:t>fast_ica</a:t>
               </a:r>
               <a:r>
-                <a:rPr lang="en-US" sz="1200" u="sng" dirty="0">
+                <a:rPr lang="en-US" sz="1200" b="1" u="sng" dirty="0">
                   <a:solidFill>
                     <a:schemeClr val="tx1"/>
                   </a:solidFill>
@@ -6518,7 +6608,7 @@
                 <a:t>&lt;...&gt;(...)</a:t>
               </a:r>
               <a:r>
-                <a:rPr lang="en-US" sz="1200" dirty="0">
+                <a:rPr lang="en-US" sz="1200" b="1" dirty="0">
                   <a:solidFill>
                     <a:schemeClr val="tx1"/>
                   </a:solidFill>
@@ -6530,7 +6620,7 @@
             </a:p>
             <a:p>
               <a:r>
-                <a:rPr lang="en-US" sz="1200" dirty="0">
+                <a:rPr lang="en-US" sz="1200" b="1" dirty="0">
                   <a:solidFill>
                     <a:schemeClr val="tx1"/>
                   </a:solidFill>
@@ -6540,7 +6630,7 @@
                 <a:t>df.</a:t>
               </a:r>
               <a:r>
-                <a:rPr lang="en-US" sz="1200" u="sng" dirty="0">
+                <a:rPr lang="en-US" sz="1200" b="1" u="sng" dirty="0">
                   <a:solidFill>
                     <a:srgbClr val="467886"/>
                   </a:solidFill>
@@ -6557,7 +6647,7 @@
                 <a:t>load_indicators</a:t>
               </a:r>
               <a:r>
-                <a:rPr lang="en-US" sz="1200" u="sng" dirty="0">
+                <a:rPr lang="en-US" sz="1200" b="1" u="sng" dirty="0">
                   <a:solidFill>
                     <a:schemeClr val="tx1"/>
                   </a:solidFill>
@@ -6574,7 +6664,7 @@
                 <a:t>&lt;...&gt;(...)</a:t>
               </a:r>
               <a:r>
-                <a:rPr lang="en-US" sz="1200" dirty="0">
+                <a:rPr lang="en-US" sz="1200" b="1" dirty="0">
                   <a:solidFill>
                     <a:schemeClr val="tx1"/>
                   </a:solidFill>
@@ -6586,7 +6676,7 @@
             </a:p>
             <a:p>
               <a:r>
-                <a:rPr lang="en-US" sz="1200" dirty="0">
+                <a:rPr lang="en-US" sz="1200" b="1" dirty="0">
                   <a:solidFill>
                     <a:schemeClr val="tx1"/>
                   </a:solidFill>
@@ -6596,7 +6686,7 @@
                 <a:t>df.</a:t>
               </a:r>
               <a:r>
-                <a:rPr lang="en-US" sz="1200" u="sng" dirty="0">
+                <a:rPr lang="en-US" sz="1200" b="1" u="sng" dirty="0">
                   <a:solidFill>
                     <a:srgbClr val="467886"/>
                   </a:solidFill>
@@ -6613,7 +6703,7 @@
                 <a:t>get_col_unique_values</a:t>
               </a:r>
               <a:r>
-                <a:rPr lang="en-US" sz="1200" u="sng" dirty="0">
+                <a:rPr lang="en-US" sz="1200" b="1" u="sng" dirty="0">
                   <a:solidFill>
                     <a:schemeClr val="tx1"/>
                   </a:solidFill>
@@ -6630,7 +6720,7 @@
                 <a:t>&lt;...&gt;(...)</a:t>
               </a:r>
               <a:r>
-                <a:rPr lang="en-US" sz="1200" dirty="0">
+                <a:rPr lang="en-US" sz="1200" b="1" dirty="0">
                   <a:solidFill>
                     <a:schemeClr val="tx1"/>
                   </a:solidFill>
@@ -6642,7 +6732,7 @@
             </a:p>
             <a:p>
               <a:r>
-                <a:rPr lang="en-US" sz="1200" dirty="0">
+                <a:rPr lang="en-US" sz="1200" b="1" dirty="0">
                   <a:solidFill>
                     <a:schemeClr val="tx1"/>
                   </a:solidFill>
@@ -6652,7 +6742,7 @@
                 <a:t>df.</a:t>
               </a:r>
               <a:r>
-                <a:rPr lang="en-US" sz="1200" u="sng" dirty="0">
+                <a:rPr lang="en-US" sz="1200" b="1" u="sng" dirty="0">
                   <a:solidFill>
                     <a:srgbClr val="467886"/>
                   </a:solidFill>
@@ -6669,7 +6759,7 @@
                 <a:t>inversion_count</a:t>
               </a:r>
               <a:r>
-                <a:rPr lang="en-US" sz="1200" u="sng" dirty="0">
+                <a:rPr lang="en-US" sz="1200" b="1" u="sng" dirty="0">
                   <a:solidFill>
                     <a:schemeClr val="tx1"/>
                   </a:solidFill>
@@ -6686,7 +6776,7 @@
                 <a:t>&lt;...&gt;(...)</a:t>
               </a:r>
               <a:r>
-                <a:rPr lang="en-US" sz="1200" dirty="0">
+                <a:rPr lang="en-US" sz="1200" b="1" dirty="0">
                   <a:solidFill>
                     <a:schemeClr val="tx1"/>
                   </a:solidFill>
@@ -6698,7 +6788,7 @@
             </a:p>
             <a:p>
               <a:r>
-                <a:rPr lang="en-US" sz="1200" dirty="0">
+                <a:rPr lang="en-US" sz="1200" b="1" dirty="0">
                   <a:solidFill>
                     <a:schemeClr val="tx1"/>
                   </a:solidFill>
@@ -6708,7 +6798,7 @@
                 <a:t>df.</a:t>
               </a:r>
               <a:r>
-                <a:rPr lang="en-US" sz="1200" u="sng" dirty="0">
+                <a:rPr lang="en-US" sz="1200" b="1" u="sng" dirty="0">
                   <a:solidFill>
                     <a:srgbClr val="467886"/>
                   </a:solidFill>
@@ -6725,7 +6815,7 @@
                 <a:t>knn</a:t>
               </a:r>
               <a:r>
-                <a:rPr lang="en-US" sz="1200" u="sng" dirty="0">
+                <a:rPr lang="en-US" sz="1200" b="1" u="sng" dirty="0">
                   <a:solidFill>
                     <a:schemeClr val="tx1"/>
                   </a:solidFill>
@@ -6742,7 +6832,7 @@
                 <a:t>&lt;...&gt;(...)</a:t>
               </a:r>
               <a:r>
-                <a:rPr lang="en-US" sz="1200" dirty="0">
+                <a:rPr lang="en-US" sz="1200" b="1" dirty="0">
                   <a:solidFill>
                     <a:schemeClr val="tx1"/>
                   </a:solidFill>
@@ -6754,7 +6844,7 @@
             </a:p>
             <a:p>
               <a:r>
-                <a:rPr lang="en-US" sz="1200" dirty="0">
+                <a:rPr lang="en-US" sz="1200" b="1" dirty="0">
                   <a:solidFill>
                     <a:schemeClr val="tx1"/>
                   </a:solidFill>
@@ -6764,7 +6854,7 @@
                 <a:t>df.</a:t>
               </a:r>
               <a:r>
-                <a:rPr lang="en-US" sz="1200" u="sng" dirty="0">
+                <a:rPr lang="en-US" sz="1200" b="1" u="sng" dirty="0">
                   <a:solidFill>
                     <a:srgbClr val="467886"/>
                   </a:solidFill>
@@ -6781,7 +6871,7 @@
                 <a:t>mask</a:t>
               </a:r>
               <a:r>
-                <a:rPr lang="en-US" sz="1200" u="sng" dirty="0">
+                <a:rPr lang="en-US" sz="1200" b="1" u="sng" dirty="0">
                   <a:solidFill>
                     <a:schemeClr val="tx1"/>
                   </a:solidFill>
@@ -6798,7 +6888,7 @@
                 <a:t>&lt;...&gt;(...)</a:t>
               </a:r>
               <a:r>
-                <a:rPr lang="en-US" sz="1200" dirty="0">
+                <a:rPr lang="en-US" sz="1200" b="1" dirty="0">
                   <a:solidFill>
                     <a:schemeClr val="tx1"/>
                   </a:solidFill>
@@ -6810,7 +6900,7 @@
             </a:p>
             <a:p>
               <a:r>
-                <a:rPr lang="en-US" sz="1200" dirty="0">
+                <a:rPr lang="en-US" sz="1200" b="1" dirty="0">
                   <a:solidFill>
                     <a:schemeClr val="tx1"/>
                   </a:solidFill>
@@ -6820,7 +6910,7 @@
                 <a:t>df.</a:t>
               </a:r>
               <a:r>
-                <a:rPr lang="en-US" sz="1200" u="sng" dirty="0">
+                <a:rPr lang="en-US" sz="1200" b="1" u="sng" dirty="0">
                   <a:solidFill>
                     <a:srgbClr val="467886"/>
                   </a:solidFill>
@@ -6837,7 +6927,7 @@
                 <a:t>MC_station_dist</a:t>
               </a:r>
               <a:r>
-                <a:rPr lang="en-US" sz="1200" u="sng" dirty="0">
+                <a:rPr lang="en-US" sz="1200" b="1" u="sng" dirty="0">
                   <a:solidFill>
                     <a:schemeClr val="tx1"/>
                   </a:solidFill>
@@ -6854,7 +6944,7 @@
                 <a:t>&lt;...&gt;(...)</a:t>
               </a:r>
               <a:r>
-                <a:rPr lang="en-US" sz="1200" dirty="0">
+                <a:rPr lang="en-US" sz="1200" b="1" dirty="0">
                   <a:solidFill>
                     <a:schemeClr val="tx1"/>
                   </a:solidFill>
@@ -6866,7 +6956,7 @@
             </a:p>
             <a:p>
               <a:r>
-                <a:rPr lang="en-US" sz="1200" dirty="0">
+                <a:rPr lang="en-US" sz="1200" b="1" dirty="0">
                   <a:solidFill>
                     <a:schemeClr val="tx1"/>
                   </a:solidFill>
@@ -6876,7 +6966,7 @@
                 <a:t>df.</a:t>
               </a:r>
               <a:r>
-                <a:rPr lang="en-US" sz="1200" u="sng" dirty="0">
+                <a:rPr lang="en-US" sz="1200" b="1" u="sng" dirty="0">
                   <a:solidFill>
                     <a:srgbClr val="467886"/>
                   </a:solidFill>
@@ -6893,7 +6983,7 @@
                 <a:t>pattern_match</a:t>
               </a:r>
               <a:r>
-                <a:rPr lang="en-US" sz="1200" u="sng" dirty="0">
+                <a:rPr lang="en-US" sz="1200" b="1" u="sng" dirty="0">
                   <a:solidFill>
                     <a:schemeClr val="tx1"/>
                   </a:solidFill>
@@ -6910,7 +7000,7 @@
                 <a:t>&lt;...&gt;(...)</a:t>
               </a:r>
               <a:r>
-                <a:rPr lang="en-US" sz="1200" dirty="0">
+                <a:rPr lang="en-US" sz="1200" b="1" dirty="0">
                   <a:solidFill>
                     <a:schemeClr val="tx1"/>
                   </a:solidFill>
@@ -6922,7 +7012,7 @@
             </a:p>
             <a:p>
               <a:r>
-                <a:rPr lang="en-US" sz="1200" dirty="0">
+                <a:rPr lang="en-US" sz="1200" b="1" dirty="0">
                   <a:solidFill>
                     <a:schemeClr val="tx1"/>
                   </a:solidFill>
@@ -6932,7 +7022,7 @@
                 <a:t>df.</a:t>
               </a:r>
               <a:r>
-                <a:rPr lang="en-US" sz="1200" u="sng" dirty="0">
+                <a:rPr lang="en-US" sz="1200" b="1" u="sng" dirty="0">
                   <a:solidFill>
                     <a:srgbClr val="467886"/>
                   </a:solidFill>
@@ -6949,7 +7039,7 @@
                 <a:t>pca_by_eigen</a:t>
               </a:r>
               <a:r>
-                <a:rPr lang="en-US" sz="1200" u="sng" dirty="0">
+                <a:rPr lang="en-US" sz="1200" b="1" u="sng" dirty="0">
                   <a:solidFill>
                     <a:schemeClr val="tx1"/>
                   </a:solidFill>
@@ -6966,7 +7056,7 @@
                 <a:t>&lt;...&gt;(...)</a:t>
               </a:r>
               <a:r>
-                <a:rPr lang="en-US" sz="1200" dirty="0">
+                <a:rPr lang="en-US" sz="1200" b="1" dirty="0">
                   <a:solidFill>
                     <a:schemeClr val="tx1"/>
                   </a:solidFill>
@@ -6978,7 +7068,7 @@
             </a:p>
             <a:p>
               <a:r>
-                <a:rPr lang="en-US" sz="1200" dirty="0">
+                <a:rPr lang="en-US" sz="1200" b="1" dirty="0">
                   <a:solidFill>
                     <a:schemeClr val="tx1"/>
                   </a:solidFill>
@@ -6988,7 +7078,7 @@
                 <a:t>df.</a:t>
               </a:r>
               <a:r>
-                <a:rPr lang="en-US" sz="1200" u="sng" dirty="0">
+                <a:rPr lang="en-US" sz="1200" b="1" u="sng" dirty="0">
                   <a:solidFill>
                     <a:srgbClr val="467886"/>
                   </a:solidFill>
@@ -7005,7 +7095,7 @@
                 <a:t>peaks</a:t>
               </a:r>
               <a:r>
-                <a:rPr lang="en-US" sz="1200" u="sng" dirty="0">
+                <a:rPr lang="en-US" sz="1200" b="1" u="sng" dirty="0">
                   <a:solidFill>
                     <a:schemeClr val="tx1"/>
                   </a:solidFill>
@@ -7022,7 +7112,7 @@
                 <a:t>&lt;...&gt;(...)</a:t>
               </a:r>
               <a:r>
-                <a:rPr lang="en-US" sz="1200" dirty="0">
+                <a:rPr lang="en-US" sz="1200" b="1" dirty="0">
                   <a:solidFill>
                     <a:schemeClr val="tx1"/>
                   </a:solidFill>
@@ -7034,7 +7124,7 @@
             </a:p>
             <a:p>
               <a:r>
-                <a:rPr lang="en-US" sz="1200" dirty="0">
+                <a:rPr lang="en-US" sz="1200" b="1" dirty="0">
                   <a:solidFill>
                     <a:schemeClr val="tx1"/>
                   </a:solidFill>
@@ -7044,7 +7134,7 @@
                 <a:t>… more</a:t>
               </a:r>
               <a:r>
-                <a:rPr lang="en-US" sz="1200" dirty="0">
+                <a:rPr lang="en-US" sz="1200" b="1" dirty="0">
                   <a:solidFill>
                     <a:schemeClr val="tx1"/>
                   </a:solidFill>
@@ -7054,7 +7144,7 @@
                 </a:rPr>
                 <a:t> </a:t>
               </a:r>
-              <a:endParaRPr lang="en-US" sz="1200" dirty="0">
+              <a:endParaRPr lang="en-US" sz="1200" b="1" dirty="0">
                 <a:solidFill>
                   <a:schemeClr val="tx1"/>
                 </a:solidFill>
@@ -7210,7 +7300,7 @@
             <a:lstStyle/>
             <a:p>
               <a:r>
-                <a:rPr lang="en-US" sz="1200" dirty="0">
+                <a:rPr lang="en-US" sz="1200" b="1" dirty="0">
                   <a:solidFill>
                     <a:schemeClr val="tx1"/>
                   </a:solidFill>
@@ -7220,7 +7310,7 @@
                 <a:t>df.</a:t>
               </a:r>
               <a:r>
-                <a:rPr lang="en-US" sz="1200" u="sng" dirty="0">
+                <a:rPr lang="en-US" sz="1200" b="1" u="sng" dirty="0">
                   <a:solidFill>
                     <a:srgbClr val="467886"/>
                   </a:solidFill>
@@ -7237,7 +7327,7 @@
                 <a:t>get_above_quantile_data</a:t>
               </a:r>
               <a:r>
-                <a:rPr lang="en-US" sz="1200" u="sng" dirty="0">
+                <a:rPr lang="en-US" sz="1200" b="1" u="sng" dirty="0">
                   <a:solidFill>
                     <a:schemeClr val="tx1"/>
                   </a:solidFill>
@@ -7254,7 +7344,7 @@
                 <a:t>&lt;...&gt;(...)</a:t>
               </a:r>
               <a:r>
-                <a:rPr lang="en-US" sz="1200" dirty="0">
+                <a:rPr lang="en-US" sz="1200" b="1" dirty="0">
                   <a:solidFill>
                     <a:schemeClr val="tx1"/>
                   </a:solidFill>
@@ -7266,7 +7356,7 @@
             </a:p>
             <a:p>
               <a:r>
-                <a:rPr lang="en-US" sz="1200" dirty="0">
+                <a:rPr lang="en-US" sz="1200" b="1" dirty="0">
                   <a:solidFill>
                     <a:schemeClr val="tx1"/>
                   </a:solidFill>
@@ -7276,7 +7366,7 @@
                 <a:t>df.</a:t>
               </a:r>
               <a:r>
-                <a:rPr lang="en-US" sz="1200" u="sng" dirty="0">
+                <a:rPr lang="en-US" sz="1200" b="1" u="sng" dirty="0">
                   <a:solidFill>
                     <a:srgbClr val="467886"/>
                   </a:solidFill>
@@ -7293,7 +7383,7 @@
                 <a:t>get_top_n_data</a:t>
               </a:r>
               <a:r>
-                <a:rPr lang="en-US" sz="1200" u="sng" dirty="0">
+                <a:rPr lang="en-US" sz="1200" b="1" u="sng" dirty="0">
                   <a:solidFill>
                     <a:schemeClr val="tx1"/>
                   </a:solidFill>
@@ -7310,7 +7400,7 @@
                 <a:t>&lt;...&gt;(...)</a:t>
               </a:r>
               <a:r>
-                <a:rPr lang="en-US" sz="1200" dirty="0">
+                <a:rPr lang="en-US" sz="1200" b="1" dirty="0">
                   <a:solidFill>
                     <a:schemeClr val="tx1"/>
                   </a:solidFill>
@@ -7322,7 +7412,7 @@
             </a:p>
             <a:p>
               <a:r>
-                <a:rPr lang="en-US" sz="1200" dirty="0">
+                <a:rPr lang="en-US" sz="1200" b="1" dirty="0">
                   <a:solidFill>
                     <a:schemeClr val="tx1"/>
                   </a:solidFill>
@@ -7332,7 +7422,7 @@
                 <a:t>df.</a:t>
               </a:r>
               <a:r>
-                <a:rPr lang="en-US" sz="1200" u="sng" dirty="0">
+                <a:rPr lang="en-US" sz="1200" b="1" u="sng" dirty="0">
                   <a:solidFill>
                     <a:srgbClr val="467886"/>
                   </a:solidFill>
@@ -7349,7 +7439,7 @@
                 <a:t>get_data_before_times</a:t>
               </a:r>
               <a:r>
-                <a:rPr lang="en-US" sz="1200" u="sng" dirty="0">
+                <a:rPr lang="en-US" sz="1200" b="1" u="sng" dirty="0">
                   <a:solidFill>
                     <a:schemeClr val="tx1"/>
                   </a:solidFill>
@@ -7366,7 +7456,7 @@
                 <a:t>&lt;...&gt;(...)</a:t>
               </a:r>
               <a:r>
-                <a:rPr lang="en-US" sz="1200" dirty="0">
+                <a:rPr lang="en-US" sz="1200" b="1" dirty="0">
                   <a:solidFill>
                     <a:schemeClr val="tx1"/>
                   </a:solidFill>
@@ -7378,7 +7468,7 @@
             </a:p>
             <a:p>
               <a:r>
-                <a:rPr lang="en-US" sz="1200" dirty="0">
+                <a:rPr lang="en-US" sz="1200" b="1" dirty="0">
                   <a:solidFill>
                     <a:schemeClr val="tx1"/>
                   </a:solidFill>
@@ -7388,7 +7478,7 @@
                 <a:t>df.</a:t>
               </a:r>
               <a:r>
-                <a:rPr lang="en-US" sz="1200" u="sng" dirty="0">
+                <a:rPr lang="en-US" sz="1200" b="1" u="sng" dirty="0">
                   <a:solidFill>
                     <a:srgbClr val="467886"/>
                   </a:solidFill>
@@ -7405,7 +7495,7 @@
                 <a:t>get_data_by_affin</a:t>
               </a:r>
               <a:r>
-                <a:rPr lang="en-US" sz="1200" u="sng" dirty="0">
+                <a:rPr lang="en-US" sz="1200" b="1" u="sng" dirty="0">
                   <a:solidFill>
                     <a:schemeClr val="tx1"/>
                   </a:solidFill>
@@ -7422,7 +7512,7 @@
                 <a:t>&lt;...&gt;(...)</a:t>
               </a:r>
               <a:r>
-                <a:rPr lang="en-US" sz="1200" dirty="0">
+                <a:rPr lang="en-US" sz="1200" b="1" dirty="0">
                   <a:solidFill>
                     <a:schemeClr val="tx1"/>
                   </a:solidFill>
@@ -7434,7 +7524,7 @@
             </a:p>
             <a:p>
               <a:r>
-                <a:rPr lang="en-US" sz="1200" dirty="0">
+                <a:rPr lang="en-US" sz="1200" b="1" dirty="0">
                   <a:solidFill>
                     <a:schemeClr val="tx1"/>
                   </a:solidFill>
@@ -7444,7 +7534,7 @@
                 <a:t>df.</a:t>
               </a:r>
               <a:r>
-                <a:rPr lang="en-US" sz="1200" u="sng" dirty="0">
+                <a:rPr lang="en-US" sz="1200" b="1" u="sng" dirty="0">
                   <a:solidFill>
                     <a:srgbClr val="467886"/>
                   </a:solidFill>
@@ -7461,7 +7551,7 @@
                 <a:t>get_data_by_dbscan</a:t>
               </a:r>
               <a:r>
-                <a:rPr lang="en-US" sz="1200" u="sng" dirty="0">
+                <a:rPr lang="en-US" sz="1200" b="1" u="sng" dirty="0">
                   <a:solidFill>
                     <a:schemeClr val="tx1"/>
                   </a:solidFill>
@@ -7478,7 +7568,7 @@
                 <a:t>&lt;...&gt;(...)</a:t>
               </a:r>
               <a:r>
-                <a:rPr lang="en-US" sz="1200" dirty="0">
+                <a:rPr lang="en-US" sz="1200" b="1" dirty="0">
                   <a:solidFill>
                     <a:schemeClr val="tx1"/>
                   </a:solidFill>
@@ -7490,7 +7580,7 @@
             </a:p>
             <a:p>
               <a:r>
-                <a:rPr lang="en-US" sz="1200" dirty="0">
+                <a:rPr lang="en-US" sz="1200" b="1" dirty="0">
                   <a:solidFill>
                     <a:schemeClr val="tx1"/>
                   </a:solidFill>
@@ -7500,7 +7590,7 @@
                 <a:t>df.</a:t>
               </a:r>
               <a:r>
-                <a:rPr lang="en-US" sz="1200" u="sng" dirty="0">
+                <a:rPr lang="en-US" sz="1200" b="1" u="sng" dirty="0">
                   <a:solidFill>
                     <a:srgbClr val="467886"/>
                   </a:solidFill>
@@ -7517,7 +7607,7 @@
                 <a:t>get_data_by_kmeans</a:t>
               </a:r>
               <a:r>
-                <a:rPr lang="en-US" sz="1200" u="sng" dirty="0">
+                <a:rPr lang="en-US" sz="1200" b="1" u="sng" dirty="0">
                   <a:solidFill>
                     <a:schemeClr val="tx1"/>
                   </a:solidFill>
@@ -7534,7 +7624,7 @@
                 <a:t>&lt;...&gt;(...)</a:t>
               </a:r>
               <a:r>
-                <a:rPr lang="en-US" sz="1200" dirty="0">
+                <a:rPr lang="en-US" sz="1200" b="1" dirty="0">
                   <a:solidFill>
                     <a:schemeClr val="tx1"/>
                   </a:solidFill>
@@ -7546,7 +7636,7 @@
             </a:p>
             <a:p>
               <a:r>
-                <a:rPr lang="en-US" sz="1200" dirty="0">
+                <a:rPr lang="en-US" sz="1200" b="1" dirty="0">
                   <a:solidFill>
                     <a:schemeClr val="tx1"/>
                   </a:solidFill>
@@ -7556,7 +7646,7 @@
                 <a:t>df.</a:t>
               </a:r>
               <a:r>
-                <a:rPr lang="en-US" sz="1200" u="sng" dirty="0">
+                <a:rPr lang="en-US" sz="1200" b="1" u="sng" dirty="0">
                   <a:solidFill>
                     <a:srgbClr val="467886"/>
                   </a:solidFill>
@@ -7573,7 +7663,7 @@
                 <a:t>get_data_by_like</a:t>
               </a:r>
               <a:r>
-                <a:rPr lang="en-US" sz="1200" u="sng" dirty="0">
+                <a:rPr lang="en-US" sz="1200" b="1" u="sng" dirty="0">
                   <a:solidFill>
                     <a:schemeClr val="tx1"/>
                   </a:solidFill>
@@ -7590,7 +7680,7 @@
                 <a:t>&lt;...&gt;(...)</a:t>
               </a:r>
               <a:r>
-                <a:rPr lang="en-US" sz="1200" dirty="0">
+                <a:rPr lang="en-US" sz="1200" b="1" dirty="0">
                   <a:solidFill>
                     <a:schemeClr val="tx1"/>
                   </a:solidFill>
@@ -7602,7 +7692,7 @@
             </a:p>
             <a:p>
               <a:r>
-                <a:rPr lang="en-US" sz="1200" dirty="0">
+                <a:rPr lang="en-US" sz="1200" b="1" dirty="0">
                   <a:solidFill>
                     <a:schemeClr val="tx1"/>
                   </a:solidFill>
@@ -7612,7 +7702,7 @@
                 <a:t>df.</a:t>
               </a:r>
               <a:r>
-                <a:rPr lang="en-US" sz="1200" u="sng" dirty="0">
+                <a:rPr lang="en-US" sz="1200" b="1" u="sng" dirty="0">
                   <a:solidFill>
                     <a:srgbClr val="467886"/>
                   </a:solidFill>
@@ -7629,7 +7719,7 @@
                 <a:t>get_data_by_loc</a:t>
               </a:r>
               <a:r>
-                <a:rPr lang="en-US" sz="1200" u="sng" dirty="0">
+                <a:rPr lang="en-US" sz="1200" b="1" u="sng" dirty="0">
                   <a:solidFill>
                     <a:schemeClr val="tx1"/>
                   </a:solidFill>
@@ -7646,7 +7736,7 @@
                 <a:t>&lt;...&gt;(...)</a:t>
               </a:r>
               <a:r>
-                <a:rPr lang="en-US" sz="1200" dirty="0">
+                <a:rPr lang="en-US" sz="1200" b="1" dirty="0">
                   <a:solidFill>
                     <a:schemeClr val="tx1"/>
                   </a:solidFill>
@@ -7658,7 +7748,7 @@
             </a:p>
             <a:p>
               <a:r>
-                <a:rPr lang="en-US" sz="1200" dirty="0">
+                <a:rPr lang="en-US" sz="1200" b="1" dirty="0">
                   <a:solidFill>
                     <a:schemeClr val="tx1"/>
                   </a:solidFill>
@@ -7668,7 +7758,7 @@
                 <a:t>df.</a:t>
               </a:r>
               <a:r>
-                <a:rPr lang="en-US" sz="1200" u="sng" dirty="0">
+                <a:rPr lang="en-US" sz="1200" b="1" u="sng" dirty="0">
                   <a:solidFill>
                     <a:srgbClr val="467886"/>
                   </a:solidFill>
@@ -7685,7 +7775,7 @@
                 <a:t>get_data_by_mshift</a:t>
               </a:r>
               <a:r>
-                <a:rPr lang="en-US" sz="1200" u="sng" dirty="0">
+                <a:rPr lang="en-US" sz="1200" b="1" u="sng" dirty="0">
                   <a:solidFill>
                     <a:schemeClr val="tx1"/>
                   </a:solidFill>
@@ -7702,7 +7792,7 @@
                 <a:t>&lt;...&gt;(...)</a:t>
               </a:r>
               <a:r>
-                <a:rPr lang="en-US" sz="1200" dirty="0">
+                <a:rPr lang="en-US" sz="1200" b="1" dirty="0">
                   <a:solidFill>
                     <a:schemeClr val="tx1"/>
                   </a:solidFill>
@@ -7714,7 +7804,7 @@
             </a:p>
             <a:p>
               <a:r>
-                <a:rPr lang="en-US" sz="1200" dirty="0">
+                <a:rPr lang="en-US" sz="1200" b="1" dirty="0">
                   <a:solidFill>
                     <a:schemeClr val="tx1"/>
                   </a:solidFill>
@@ -7724,7 +7814,7 @@
                 <a:t>df.</a:t>
               </a:r>
               <a:r>
-                <a:rPr lang="en-US" sz="1200" u="sng" dirty="0">
+                <a:rPr lang="en-US" sz="1200" b="1" u="sng" dirty="0">
                   <a:solidFill>
                     <a:srgbClr val="467886"/>
                   </a:solidFill>
@@ -7741,7 +7831,7 @@
                 <a:t>get_data_by_rand</a:t>
               </a:r>
               <a:r>
-                <a:rPr lang="en-US" sz="1200" u="sng" dirty="0">
+                <a:rPr lang="en-US" sz="1200" b="1" u="sng" dirty="0">
                   <a:solidFill>
                     <a:schemeClr val="tx1"/>
                   </a:solidFill>
@@ -7758,7 +7848,7 @@
                 <a:t>&lt;...&gt;(...)</a:t>
               </a:r>
               <a:r>
-                <a:rPr lang="en-US" sz="1200" dirty="0">
+                <a:rPr lang="en-US" sz="1200" b="1" dirty="0">
                   <a:solidFill>
                     <a:schemeClr val="tx1"/>
                   </a:solidFill>
@@ -7770,7 +7860,7 @@
             </a:p>
             <a:p>
               <a:r>
-                <a:rPr lang="en-US" sz="1200" dirty="0">
+                <a:rPr lang="en-US" sz="1200" b="1" dirty="0">
                   <a:solidFill>
                     <a:schemeClr val="tx1"/>
                   </a:solidFill>
@@ -7780,7 +7870,7 @@
                 <a:t>df.</a:t>
               </a:r>
               <a:r>
-                <a:rPr lang="en-US" sz="1200" u="sng" dirty="0">
+                <a:rPr lang="en-US" sz="1200" b="1" u="sng" dirty="0">
                   <a:solidFill>
                     <a:srgbClr val="467886"/>
                   </a:solidFill>
@@ -7797,7 +7887,7 @@
                 <a:t>get_data_by_sel</a:t>
               </a:r>
               <a:r>
-                <a:rPr lang="en-US" sz="1200" u="sng" dirty="0">
+                <a:rPr lang="en-US" sz="1200" b="1" u="sng" dirty="0">
                   <a:solidFill>
                     <a:schemeClr val="tx1"/>
                   </a:solidFill>
@@ -7814,7 +7904,7 @@
                 <a:t>&lt;...&gt;(...)</a:t>
               </a:r>
               <a:r>
-                <a:rPr lang="en-US" sz="1200" dirty="0">
+                <a:rPr lang="en-US" sz="1200" b="1" dirty="0">
                   <a:solidFill>
                     <a:schemeClr val="tx1"/>
                   </a:solidFill>
@@ -7826,7 +7916,7 @@
             </a:p>
             <a:p>
               <a:r>
-                <a:rPr lang="en-US" sz="1200" dirty="0">
+                <a:rPr lang="en-US" sz="1200" b="1" dirty="0">
                   <a:solidFill>
                     <a:schemeClr val="tx1"/>
                   </a:solidFill>
@@ -7836,7 +7926,7 @@
                 <a:t>df.</a:t>
               </a:r>
               <a:r>
-                <a:rPr lang="en-US" sz="1200" u="sng" dirty="0">
+                <a:rPr lang="en-US" sz="1200" b="1" u="sng" dirty="0">
                   <a:solidFill>
                     <a:srgbClr val="467886"/>
                   </a:solidFill>
@@ -7853,7 +7943,7 @@
                 <a:t>get_data_by_spectral</a:t>
               </a:r>
               <a:r>
-                <a:rPr lang="en-US" sz="1200" u="sng" dirty="0">
+                <a:rPr lang="en-US" sz="1200" b="1" u="sng" dirty="0">
                   <a:solidFill>
                     <a:schemeClr val="tx1"/>
                   </a:solidFill>
@@ -7870,7 +7960,7 @@
                 <a:t>&lt;...&gt;(...)</a:t>
               </a:r>
               <a:r>
-                <a:rPr lang="en-US" sz="1200" dirty="0">
+                <a:rPr lang="en-US" sz="1200" b="1" dirty="0">
                   <a:solidFill>
                     <a:schemeClr val="tx1"/>
                   </a:solidFill>
@@ -7882,7 +7972,7 @@
             </a:p>
             <a:p>
               <a:r>
-                <a:rPr lang="en-US" sz="1200" dirty="0">
+                <a:rPr lang="en-US" sz="1200" b="1" dirty="0">
                   <a:solidFill>
                     <a:schemeClr val="tx1"/>
                   </a:solidFill>
@@ -7892,7 +7982,7 @@
                 <a:t>df.</a:t>
               </a:r>
               <a:r>
-                <a:rPr lang="en-US" sz="1200" u="sng" dirty="0">
+                <a:rPr lang="en-US" sz="1200" b="1" u="sng" dirty="0">
                   <a:solidFill>
                     <a:srgbClr val="467886"/>
                   </a:solidFill>
@@ -7909,7 +7999,7 @@
                 <a:t>get_data_by_stdev</a:t>
               </a:r>
               <a:r>
-                <a:rPr lang="en-US" sz="1200" u="sng" dirty="0">
+                <a:rPr lang="en-US" sz="1200" b="1" u="sng" dirty="0">
                   <a:solidFill>
                     <a:schemeClr val="tx1"/>
                   </a:solidFill>
@@ -7926,7 +8016,7 @@
                 <a:t>&lt;...&gt;(...)</a:t>
               </a:r>
               <a:r>
-                <a:rPr lang="en-US" sz="1200" dirty="0">
+                <a:rPr lang="en-US" sz="1200" b="1" dirty="0">
                   <a:solidFill>
                     <a:schemeClr val="tx1"/>
                   </a:solidFill>
@@ -7938,7 +8028,7 @@
             </a:p>
             <a:p>
               <a:r>
-                <a:rPr lang="en-US" sz="1200" dirty="0">
+                <a:rPr lang="en-US" sz="1200" b="1" dirty="0">
                   <a:solidFill>
                     <a:schemeClr val="tx1"/>
                   </a:solidFill>
@@ -7948,7 +8038,7 @@
                 <a:t>df.</a:t>
               </a:r>
               <a:r>
-                <a:rPr lang="en-US" sz="1200" u="sng" dirty="0">
+                <a:rPr lang="en-US" sz="1200" b="1" u="sng" dirty="0">
                   <a:solidFill>
                     <a:srgbClr val="467886"/>
                   </a:solidFill>
@@ -7965,7 +8055,7 @@
                 <a:t>get_top_n_data</a:t>
               </a:r>
               <a:r>
-                <a:rPr lang="en-US" sz="1200" u="sng" dirty="0">
+                <a:rPr lang="en-US" sz="1200" b="1" u="sng" dirty="0">
                   <a:solidFill>
                     <a:schemeClr val="tx1"/>
                   </a:solidFill>
@@ -7982,7 +8072,7 @@
                 <a:t>&lt;...&gt;(...)</a:t>
               </a:r>
               <a:r>
-                <a:rPr lang="en-US" sz="1200" dirty="0">
+                <a:rPr lang="en-US" sz="1200" b="1" dirty="0">
                   <a:solidFill>
                     <a:schemeClr val="tx1"/>
                   </a:solidFill>
@@ -7994,7 +8084,7 @@
             </a:p>
             <a:p>
               <a:r>
-                <a:rPr lang="en-US" sz="1200" dirty="0">
+                <a:rPr lang="en-US" sz="1200" b="1" dirty="0">
                   <a:solidFill>
                     <a:schemeClr val="tx1"/>
                   </a:solidFill>
@@ -8004,7 +8094,7 @@
                 <a:t>… more</a:t>
               </a:r>
               <a:r>
-                <a:rPr lang="en-US" sz="1200" dirty="0">
+                <a:rPr lang="en-US" sz="1200" b="1" dirty="0">
                   <a:solidFill>
                     <a:schemeClr val="tx1"/>
                   </a:solidFill>
@@ -8014,7 +8104,7 @@
                 </a:rPr>
                 <a:t> </a:t>
               </a:r>
-              <a:endParaRPr lang="en-US" sz="1200" dirty="0">
+              <a:endParaRPr lang="en-US" sz="1200" b="1" dirty="0">
                 <a:solidFill>
                   <a:schemeClr val="tx1"/>
                 </a:solidFill>
@@ -8069,8 +8159,8 @@
         </p:nvGrpSpPr>
         <p:grpSpPr>
           <a:xfrm>
-            <a:off x="148270" y="138166"/>
-            <a:ext cx="4411370" cy="5422375"/>
+            <a:off x="148269" y="138166"/>
+            <a:ext cx="4637031" cy="5422375"/>
             <a:chOff x="148270" y="138166"/>
             <a:chExt cx="4411370" cy="5422375"/>
           </a:xfrm>
@@ -8195,7 +8285,7 @@
             <a:lstStyle/>
             <a:p>
               <a:r>
-                <a:rPr lang="en-US" sz="1200" dirty="0">
+                <a:rPr lang="en-US" sz="1200" b="1" dirty="0">
                   <a:solidFill>
                     <a:schemeClr val="tx1"/>
                   </a:solidFill>
@@ -8205,7 +8295,7 @@
                 <a:t>df.</a:t>
               </a:r>
               <a:r>
-                <a:rPr lang="en-US" sz="1200" u="sng" dirty="0">
+                <a:rPr lang="en-US" sz="1200" b="1" u="sng" dirty="0">
                   <a:solidFill>
                     <a:srgbClr val="467886"/>
                   </a:solidFill>
@@ -8222,7 +8312,7 @@
                 <a:t>change_freq</a:t>
               </a:r>
               <a:r>
-                <a:rPr lang="en-US" sz="1200" u="sng" dirty="0">
+                <a:rPr lang="en-US" sz="1200" b="1" u="sng" dirty="0">
                   <a:solidFill>
                     <a:schemeClr val="tx1"/>
                   </a:solidFill>
@@ -8239,7 +8329,7 @@
                 <a:t>&lt;...&gt;(...)</a:t>
               </a:r>
               <a:r>
-                <a:rPr lang="en-US" sz="1200" dirty="0">
+                <a:rPr lang="en-US" sz="1200" b="1" dirty="0">
                   <a:solidFill>
                     <a:schemeClr val="tx1"/>
                   </a:solidFill>
@@ -8251,7 +8341,7 @@
             </a:p>
             <a:p>
               <a:r>
-                <a:rPr lang="en-US" sz="1200" dirty="0">
+                <a:rPr lang="en-US" sz="1200" b="1" dirty="0">
                   <a:solidFill>
                     <a:schemeClr val="tx1"/>
                   </a:solidFill>
@@ -8261,7 +8351,7 @@
                 <a:t>df.</a:t>
               </a:r>
               <a:r>
-                <a:rPr lang="en-US" sz="1200" u="sng" dirty="0">
+                <a:rPr lang="en-US" sz="1200" b="1" u="sng" dirty="0">
                   <a:solidFill>
                     <a:srgbClr val="467886"/>
                   </a:solidFill>
@@ -8278,7 +8368,7 @@
                 <a:t>detect_and_change</a:t>
               </a:r>
               <a:r>
-                <a:rPr lang="en-US" sz="1200" u="sng" dirty="0">
+                <a:rPr lang="en-US" sz="1200" b="1" u="sng" dirty="0">
                   <a:solidFill>
                     <a:schemeClr val="tx1"/>
                   </a:solidFill>
@@ -8295,7 +8385,7 @@
                 <a:t>&lt;...&gt;(...)</a:t>
               </a:r>
               <a:r>
-                <a:rPr lang="en-US" sz="1200" dirty="0">
+                <a:rPr lang="en-US" sz="1200" b="1" dirty="0">
                   <a:solidFill>
                     <a:schemeClr val="tx1"/>
                   </a:solidFill>
@@ -8307,7 +8397,7 @@
             </a:p>
             <a:p>
               <a:r>
-                <a:rPr lang="en-US" sz="1200" dirty="0">
+                <a:rPr lang="en-US" sz="1200" b="1" dirty="0">
                   <a:solidFill>
                     <a:schemeClr val="tx1"/>
                   </a:solidFill>
@@ -8317,7 +8407,7 @@
                 <a:t>df.</a:t>
               </a:r>
               <a:r>
-                <a:rPr lang="en-US" sz="1200" u="sng" dirty="0">
+                <a:rPr lang="en-US" sz="1200" b="1" u="sng" dirty="0">
                   <a:solidFill>
                     <a:srgbClr val="467886"/>
                   </a:solidFill>
@@ -8334,7 +8424,7 @@
                 <a:t>drop_missing</a:t>
               </a:r>
               <a:r>
-                <a:rPr lang="en-US" sz="1200" u="sng" dirty="0">
+                <a:rPr lang="en-US" sz="1200" b="1" u="sng" dirty="0">
                   <a:solidFill>
                     <a:schemeClr val="tx1"/>
                   </a:solidFill>
@@ -8351,7 +8441,7 @@
                 <a:t>&lt;...&gt;(...)</a:t>
               </a:r>
               <a:r>
-                <a:rPr lang="en-US" sz="1200" dirty="0">
+                <a:rPr lang="en-US" sz="1200" b="1" dirty="0">
                   <a:solidFill>
                     <a:schemeClr val="tx1"/>
                   </a:solidFill>
@@ -8363,7 +8453,7 @@
             </a:p>
             <a:p>
               <a:r>
-                <a:rPr lang="en-US" sz="1200" dirty="0">
+                <a:rPr lang="en-US" sz="1200" b="1" dirty="0">
                   <a:solidFill>
                     <a:schemeClr val="tx1"/>
                   </a:solidFill>
@@ -8373,7 +8463,7 @@
                 <a:t>df.</a:t>
               </a:r>
               <a:r>
-                <a:rPr lang="en-US" sz="1200" u="sng" dirty="0">
+                <a:rPr lang="en-US" sz="1200" b="1" u="sng" dirty="0">
                   <a:solidFill>
                     <a:srgbClr val="467886"/>
                   </a:solidFill>
@@ -8390,7 +8480,7 @@
                 <a:t>fill_missing</a:t>
               </a:r>
               <a:r>
-                <a:rPr lang="en-US" sz="1200" u="sng" dirty="0">
+                <a:rPr lang="en-US" sz="1200" b="1" u="sng" dirty="0">
                   <a:solidFill>
                     <a:schemeClr val="tx1"/>
                   </a:solidFill>
@@ -8407,7 +8497,7 @@
                 <a:t>&lt;...&gt;(...)</a:t>
               </a:r>
               <a:r>
-                <a:rPr lang="en-US" sz="1200" dirty="0">
+                <a:rPr lang="en-US" sz="1200" b="1" dirty="0">
                   <a:solidFill>
                     <a:schemeClr val="tx1"/>
                   </a:solidFill>
@@ -8419,7 +8509,7 @@
             </a:p>
             <a:p>
               <a:r>
-                <a:rPr lang="en-US" sz="1200" dirty="0">
+                <a:rPr lang="en-US" sz="1200" b="1" dirty="0">
                   <a:solidFill>
                     <a:schemeClr val="tx1"/>
                   </a:solidFill>
@@ -8429,7 +8519,7 @@
                 <a:t>df.</a:t>
               </a:r>
               <a:r>
-                <a:rPr lang="en-US" sz="1200" u="sng" dirty="0">
+                <a:rPr lang="en-US" sz="1200" b="1" u="sng" dirty="0">
                   <a:solidFill>
                     <a:srgbClr val="467886"/>
                   </a:solidFill>
@@ -8446,7 +8536,7 @@
                 <a:t>make_stationary</a:t>
               </a:r>
               <a:r>
-                <a:rPr lang="en-US" sz="1200" u="sng" dirty="0">
+                <a:rPr lang="en-US" sz="1200" b="1" u="sng" dirty="0">
                   <a:solidFill>
                     <a:schemeClr val="tx1"/>
                   </a:solidFill>
@@ -8463,7 +8553,7 @@
                 <a:t>&lt;...&gt;(...)</a:t>
               </a:r>
               <a:r>
-                <a:rPr lang="en-US" sz="1200" dirty="0">
+                <a:rPr lang="en-US" sz="1200" b="1" dirty="0">
                   <a:solidFill>
                     <a:schemeClr val="tx1"/>
                   </a:solidFill>
@@ -8475,7 +8565,7 @@
             </a:p>
             <a:p>
               <a:r>
-                <a:rPr lang="en-US" sz="1200" dirty="0">
+                <a:rPr lang="en-US" sz="1200" b="1" dirty="0">
                   <a:solidFill>
                     <a:schemeClr val="tx1"/>
                   </a:solidFill>
@@ -8485,7 +8575,7 @@
                 <a:t>df.</a:t>
               </a:r>
               <a:r>
-                <a:rPr lang="en-US" sz="1200" u="sng" dirty="0">
+                <a:rPr lang="en-US" sz="1200" b="1" u="sng" dirty="0">
                   <a:solidFill>
                     <a:srgbClr val="467886"/>
                   </a:solidFill>
@@ -8502,7 +8592,7 @@
                 <a:t>remove_above_quantile_data</a:t>
               </a:r>
               <a:r>
-                <a:rPr lang="en-US" sz="1200" u="sng" dirty="0">
+                <a:rPr lang="en-US" sz="1200" b="1" u="sng" dirty="0">
                   <a:solidFill>
                     <a:schemeClr val="tx1"/>
                   </a:solidFill>
@@ -8519,7 +8609,7 @@
                 <a:t>&lt;...&gt;(...)</a:t>
               </a:r>
               <a:r>
-                <a:rPr lang="en-US" sz="1200" dirty="0">
+                <a:rPr lang="en-US" sz="1200" b="1" dirty="0">
                   <a:solidFill>
                     <a:schemeClr val="tx1"/>
                   </a:solidFill>
@@ -8531,7 +8621,7 @@
             </a:p>
             <a:p>
               <a:r>
-                <a:rPr lang="en-US" sz="1200" dirty="0">
+                <a:rPr lang="en-US" sz="1200" b="1" dirty="0">
                   <a:solidFill>
                     <a:schemeClr val="tx1"/>
                   </a:solidFill>
@@ -8541,7 +8631,7 @@
                 <a:t>df.</a:t>
               </a:r>
               <a:r>
-                <a:rPr lang="en-US" sz="1200" u="sng" dirty="0">
+                <a:rPr lang="en-US" sz="1200" b="1" u="sng" dirty="0">
                   <a:solidFill>
                     <a:srgbClr val="467886"/>
                   </a:solidFill>
@@ -8558,7 +8648,7 @@
                 <a:t>remove_bottom_n_data</a:t>
               </a:r>
               <a:r>
-                <a:rPr lang="en-US" sz="1200" u="sng" dirty="0">
+                <a:rPr lang="en-US" sz="1200" b="1" u="sng" dirty="0">
                   <a:solidFill>
                     <a:schemeClr val="tx1"/>
                   </a:solidFill>
@@ -8575,7 +8665,7 @@
                 <a:t>&lt;...&gt;(...)</a:t>
               </a:r>
               <a:r>
-                <a:rPr lang="en-US" sz="1200" dirty="0">
+                <a:rPr lang="en-US" sz="1200" b="1" dirty="0">
                   <a:solidFill>
                     <a:schemeClr val="tx1"/>
                   </a:solidFill>
@@ -8587,7 +8677,7 @@
             </a:p>
             <a:p>
               <a:r>
-                <a:rPr lang="en-US" sz="1200" dirty="0">
+                <a:rPr lang="en-US" sz="1200" b="1" dirty="0">
                   <a:solidFill>
                     <a:schemeClr val="tx1"/>
                   </a:solidFill>
@@ -8597,7 +8687,7 @@
                 <a:t>df.</a:t>
               </a:r>
               <a:r>
-                <a:rPr lang="en-US" sz="1200" u="sng" dirty="0">
+                <a:rPr lang="en-US" sz="1200" b="1" u="sng" dirty="0">
                   <a:solidFill>
                     <a:srgbClr val="467886"/>
                   </a:solidFill>
@@ -8614,7 +8704,7 @@
                 <a:t>remove_column</a:t>
               </a:r>
               <a:r>
-                <a:rPr lang="en-US" sz="1200" u="sng" dirty="0">
+                <a:rPr lang="en-US" sz="1200" b="1" u="sng" dirty="0">
                   <a:solidFill>
                     <a:schemeClr val="tx1"/>
                   </a:solidFill>
@@ -8631,7 +8721,7 @@
                 <a:t>&lt;...&gt;(...)</a:t>
               </a:r>
               <a:r>
-                <a:rPr lang="en-US" sz="1200" dirty="0">
+                <a:rPr lang="en-US" sz="1200" b="1" dirty="0">
                   <a:solidFill>
                     <a:schemeClr val="tx1"/>
                   </a:solidFill>
@@ -8643,7 +8733,7 @@
             </a:p>
             <a:p>
               <a:r>
-                <a:rPr lang="en-US" sz="1200" dirty="0">
+                <a:rPr lang="en-US" sz="1200" b="1" dirty="0">
                   <a:solidFill>
                     <a:schemeClr val="tx1"/>
                   </a:solidFill>
@@ -8653,7 +8743,7 @@
                 <a:t>df.</a:t>
               </a:r>
               <a:r>
-                <a:rPr lang="en-US" sz="1200" u="sng" dirty="0">
+                <a:rPr lang="en-US" sz="1200" b="1" u="sng" dirty="0">
                   <a:solidFill>
                     <a:srgbClr val="467886"/>
                   </a:solidFill>
@@ -8670,7 +8760,7 @@
                 <a:t>remove_data_by_fft</a:t>
               </a:r>
               <a:r>
-                <a:rPr lang="en-US" sz="1200" u="sng" dirty="0">
+                <a:rPr lang="en-US" sz="1200" b="1" u="sng" dirty="0">
                   <a:solidFill>
                     <a:schemeClr val="tx1"/>
                   </a:solidFill>
@@ -8687,7 +8777,7 @@
                 <a:t>&lt;...&gt;(...)</a:t>
               </a:r>
               <a:r>
-                <a:rPr lang="en-US" sz="1200" dirty="0">
+                <a:rPr lang="en-US" sz="1200" b="1" dirty="0">
                   <a:solidFill>
                     <a:schemeClr val="tx1"/>
                   </a:solidFill>
@@ -8699,7 +8789,7 @@
             </a:p>
             <a:p>
               <a:r>
-                <a:rPr lang="en-US" sz="1200" dirty="0">
+                <a:rPr lang="en-US" sz="1200" b="1" dirty="0">
                   <a:solidFill>
                     <a:schemeClr val="tx1"/>
                   </a:solidFill>
@@ -8709,7 +8799,7 @@
                 <a:t>df.</a:t>
               </a:r>
               <a:r>
-                <a:rPr lang="en-US" sz="1200" u="sng" dirty="0">
+                <a:rPr lang="en-US" sz="1200" b="1" u="sng" dirty="0">
                   <a:solidFill>
                     <a:srgbClr val="467886"/>
                   </a:solidFill>
@@ -8726,7 +8816,7 @@
                 <a:t>remove_data_by_iqr</a:t>
               </a:r>
               <a:r>
-                <a:rPr lang="en-US" sz="1200" u="sng" dirty="0">
+                <a:rPr lang="en-US" sz="1200" b="1" u="sng" dirty="0">
                   <a:solidFill>
                     <a:schemeClr val="tx1"/>
                   </a:solidFill>
@@ -8743,7 +8833,7 @@
                 <a:t>&lt;...&gt;(...)</a:t>
               </a:r>
               <a:r>
-                <a:rPr lang="en-US" sz="1200" dirty="0">
+                <a:rPr lang="en-US" sz="1200" b="1" dirty="0">
                   <a:solidFill>
                     <a:schemeClr val="tx1"/>
                   </a:solidFill>
@@ -8755,7 +8845,7 @@
             </a:p>
             <a:p>
               <a:r>
-                <a:rPr lang="en-US" sz="1200" dirty="0">
+                <a:rPr lang="en-US" sz="1200" b="1" dirty="0">
                   <a:solidFill>
                     <a:schemeClr val="tx1"/>
                   </a:solidFill>
@@ -8765,7 +8855,7 @@
                 <a:t>df.</a:t>
               </a:r>
               <a:r>
-                <a:rPr lang="en-US" sz="1200" u="sng" dirty="0">
+                <a:rPr lang="en-US" sz="1200" b="1" u="sng" dirty="0">
                   <a:solidFill>
                     <a:srgbClr val="467886"/>
                   </a:solidFill>
@@ -8782,7 +8872,7 @@
                 <a:t>remove_data_by_hampel</a:t>
               </a:r>
               <a:r>
-                <a:rPr lang="en-US" sz="1200" u="sng" dirty="0">
+                <a:rPr lang="en-US" sz="1200" b="1" u="sng" dirty="0">
                   <a:solidFill>
                     <a:schemeClr val="tx1"/>
                   </a:solidFill>
@@ -8799,7 +8889,7 @@
                 <a:t>&lt;...&gt;(...)</a:t>
               </a:r>
               <a:r>
-                <a:rPr lang="en-US" sz="1200" dirty="0">
+                <a:rPr lang="en-US" sz="1200" b="1" dirty="0">
                   <a:solidFill>
                     <a:schemeClr val="tx1"/>
                   </a:solidFill>
@@ -8811,7 +8901,7 @@
             </a:p>
             <a:p>
               <a:r>
-                <a:rPr lang="en-US" sz="1200" dirty="0">
+                <a:rPr lang="en-US" sz="1200" b="1" dirty="0">
                   <a:solidFill>
                     <a:schemeClr val="tx1"/>
                   </a:solidFill>
@@ -8821,7 +8911,7 @@
                 <a:t>df.</a:t>
               </a:r>
               <a:r>
-                <a:rPr lang="en-US" sz="1200" u="sng" dirty="0">
+                <a:rPr lang="en-US" sz="1200" b="1" u="sng" dirty="0">
                   <a:solidFill>
                     <a:srgbClr val="467886"/>
                   </a:solidFill>
@@ -8838,7 +8928,7 @@
                 <a:t>remove_data_by_like</a:t>
               </a:r>
               <a:r>
-                <a:rPr lang="en-US" sz="1200" u="sng" dirty="0">
+                <a:rPr lang="en-US" sz="1200" b="1" u="sng" dirty="0">
                   <a:solidFill>
                     <a:schemeClr val="tx1"/>
                   </a:solidFill>
@@ -8855,7 +8945,7 @@
                 <a:t>&lt;...&gt;(...)</a:t>
               </a:r>
               <a:r>
-                <a:rPr lang="en-US" sz="1200" dirty="0">
+                <a:rPr lang="en-US" sz="1200" b="1" dirty="0">
                   <a:solidFill>
                     <a:schemeClr val="tx1"/>
                   </a:solidFill>
@@ -8867,7 +8957,7 @@
             </a:p>
             <a:p>
               <a:r>
-                <a:rPr lang="en-US" sz="1200" dirty="0">
+                <a:rPr lang="en-US" sz="1200" b="1" dirty="0">
                   <a:solidFill>
                     <a:schemeClr val="tx1"/>
                   </a:solidFill>
@@ -8877,7 +8967,7 @@
                 <a:t>df.</a:t>
               </a:r>
               <a:r>
-                <a:rPr lang="en-US" sz="1200" u="sng" dirty="0">
+                <a:rPr lang="en-US" sz="1200" b="1" u="sng" dirty="0">
                   <a:solidFill>
                     <a:srgbClr val="467886"/>
                   </a:solidFill>
@@ -8894,7 +8984,7 @@
                 <a:t>remove_data_by_loc</a:t>
               </a:r>
               <a:r>
-                <a:rPr lang="en-US" sz="1200" u="sng" dirty="0">
+                <a:rPr lang="en-US" sz="1200" b="1" u="sng" dirty="0">
                   <a:solidFill>
                     <a:schemeClr val="tx1"/>
                   </a:solidFill>
@@ -8911,7 +9001,7 @@
                 <a:t>&lt;...&gt;(...)</a:t>
               </a:r>
               <a:r>
-                <a:rPr lang="en-US" sz="1200" dirty="0">
+                <a:rPr lang="en-US" sz="1200" b="1" dirty="0">
                   <a:solidFill>
                     <a:schemeClr val="tx1"/>
                   </a:solidFill>
@@ -8923,7 +9013,7 @@
             </a:p>
             <a:p>
               <a:r>
-                <a:rPr lang="en-US" sz="1200" dirty="0">
+                <a:rPr lang="en-US" sz="1200" b="1" dirty="0">
                   <a:solidFill>
                     <a:schemeClr val="tx1"/>
                   </a:solidFill>
@@ -8933,7 +9023,7 @@
                 <a:t>df.</a:t>
               </a:r>
               <a:r>
-                <a:rPr lang="en-US" sz="1200" u="sng" dirty="0">
+                <a:rPr lang="en-US" sz="1200" b="1" u="sng" dirty="0">
                   <a:solidFill>
                     <a:srgbClr val="467886"/>
                   </a:solidFill>
@@ -8950,7 +9040,7 @@
                 <a:t>remove_data_by_sel</a:t>
               </a:r>
               <a:r>
-                <a:rPr lang="en-US" sz="1200" u="sng" dirty="0">
+                <a:rPr lang="en-US" sz="1200" b="1" u="sng" dirty="0">
                   <a:solidFill>
                     <a:schemeClr val="tx1"/>
                   </a:solidFill>
@@ -8967,7 +9057,7 @@
                 <a:t>&lt;...&gt;(...)</a:t>
               </a:r>
               <a:r>
-                <a:rPr lang="en-US" sz="1200" dirty="0">
+                <a:rPr lang="en-US" sz="1200" b="1" dirty="0">
                   <a:solidFill>
                     <a:schemeClr val="tx1"/>
                   </a:solidFill>
@@ -8979,7 +9069,7 @@
             </a:p>
             <a:p>
               <a:r>
-                <a:rPr lang="en-US" sz="1200" dirty="0">
+                <a:rPr lang="en-US" sz="1200" b="1" dirty="0">
                   <a:solidFill>
                     <a:schemeClr val="tx1"/>
                   </a:solidFill>
@@ -8989,7 +9079,7 @@
                 <a:t>df.</a:t>
               </a:r>
               <a:r>
-                <a:rPr lang="en-US" sz="1200" u="sng" dirty="0">
+                <a:rPr lang="en-US" sz="1200" b="1" u="sng" dirty="0">
                   <a:solidFill>
                     <a:srgbClr val="467886"/>
                   </a:solidFill>
@@ -9006,7 +9096,7 @@
                 <a:t>remove_duplicates</a:t>
               </a:r>
               <a:r>
-                <a:rPr lang="en-US" sz="1200" u="sng" dirty="0">
+                <a:rPr lang="en-US" sz="1200" b="1" u="sng" dirty="0">
                   <a:solidFill>
                     <a:schemeClr val="tx1"/>
                   </a:solidFill>
@@ -9023,7 +9113,7 @@
                 <a:t>&lt;...&gt;(...)</a:t>
               </a:r>
               <a:r>
-                <a:rPr lang="en-US" sz="1200" dirty="0">
+                <a:rPr lang="en-US" sz="1200" b="1" dirty="0">
                   <a:solidFill>
                     <a:schemeClr val="tx1"/>
                   </a:solidFill>
@@ -9035,7 +9125,7 @@
             </a:p>
             <a:p>
               <a:r>
-                <a:rPr lang="en-US" sz="1200" dirty="0">
+                <a:rPr lang="en-US" sz="1200" b="1" dirty="0">
                   <a:solidFill>
                     <a:schemeClr val="tx1"/>
                   </a:solidFill>
@@ -9045,7 +9135,7 @@
                 <a:t>df.</a:t>
               </a:r>
               <a:r>
-                <a:rPr lang="en-US" sz="1200" u="sng" dirty="0">
+                <a:rPr lang="en-US" sz="1200" b="1" u="sng" dirty="0">
                   <a:solidFill>
                     <a:srgbClr val="467886"/>
                   </a:solidFill>
@@ -9062,7 +9152,7 @@
                 <a:t>replace</a:t>
               </a:r>
               <a:r>
-                <a:rPr lang="en-US" sz="1200" u="sng" dirty="0">
+                <a:rPr lang="en-US" sz="1200" b="1" u="sng" dirty="0">
                   <a:solidFill>
                     <a:schemeClr val="tx1"/>
                   </a:solidFill>
@@ -9079,7 +9169,7 @@
                 <a:t>&lt;...&gt;(...)</a:t>
               </a:r>
               <a:r>
-                <a:rPr lang="en-US" sz="1200" dirty="0">
+                <a:rPr lang="en-US" sz="1200" b="1" dirty="0">
                   <a:solidFill>
                     <a:schemeClr val="tx1"/>
                   </a:solidFill>
@@ -9091,7 +9181,7 @@
             </a:p>
             <a:p>
               <a:r>
-                <a:rPr lang="en-US" sz="1200" dirty="0">
+                <a:rPr lang="en-US" sz="1200" b="1" dirty="0">
                   <a:solidFill>
                     <a:schemeClr val="tx1"/>
                   </a:solidFill>
@@ -9101,7 +9191,7 @@
                 <a:t>df.</a:t>
               </a:r>
               <a:r>
-                <a:rPr lang="en-US" sz="1200" u="sng" dirty="0">
+                <a:rPr lang="en-US" sz="1200" b="1" u="sng" dirty="0">
                   <a:solidFill>
                     <a:srgbClr val="467886"/>
                   </a:solidFill>
@@ -9118,7 +9208,7 @@
                 <a:t>shuffle</a:t>
               </a:r>
               <a:r>
-                <a:rPr lang="en-US" sz="1200" u="sng" dirty="0">
+                <a:rPr lang="en-US" sz="1200" b="1" u="sng" dirty="0">
                   <a:solidFill>
                     <a:schemeClr val="tx1"/>
                   </a:solidFill>
@@ -9135,7 +9225,7 @@
                 <a:t>&lt;...&gt;(...)</a:t>
               </a:r>
               <a:r>
-                <a:rPr lang="en-US" sz="1200" dirty="0">
+                <a:rPr lang="en-US" sz="1200" b="1" dirty="0">
                   <a:solidFill>
                     <a:schemeClr val="tx1"/>
                   </a:solidFill>
@@ -9147,7 +9237,7 @@
             </a:p>
             <a:p>
               <a:r>
-                <a:rPr lang="en-US" sz="1200" dirty="0">
+                <a:rPr lang="en-US" sz="1200" b="1" dirty="0">
                   <a:solidFill>
                     <a:schemeClr val="tx1"/>
                   </a:solidFill>
@@ -9157,7 +9247,7 @@
                 <a:t>… more</a:t>
               </a:r>
               <a:r>
-                <a:rPr lang="en-US" sz="1200" dirty="0">
+                <a:rPr lang="en-US" sz="1200" b="1" dirty="0">
                   <a:solidFill>
                     <a:schemeClr val="tx1"/>
                   </a:solidFill>
@@ -9167,7 +9257,7 @@
                 </a:rPr>
                 <a:t> </a:t>
               </a:r>
-              <a:endParaRPr lang="en-US" sz="1200" dirty="0">
+              <a:endParaRPr lang="en-US" sz="1200" b="1" dirty="0">
                 <a:solidFill>
                   <a:schemeClr val="tx1"/>
                 </a:solidFill>
@@ -9323,7 +9413,7 @@
             <a:lstStyle/>
             <a:p>
               <a:r>
-                <a:rPr lang="en-US" sz="1200" dirty="0">
+                <a:rPr lang="en-US" sz="1200" b="1" dirty="0">
                   <a:solidFill>
                     <a:schemeClr val="tx1"/>
                   </a:solidFill>
@@ -9333,7 +9423,7 @@
                 <a:t>df.</a:t>
               </a:r>
               <a:r>
-                <a:rPr lang="en-US" sz="1200" u="sng" dirty="0">
+                <a:rPr lang="en-US" sz="1200" b="1" u="sng" dirty="0">
                   <a:solidFill>
                     <a:srgbClr val="467886"/>
                   </a:solidFill>
@@ -9350,7 +9440,7 @@
                 <a:t>deserialize</a:t>
               </a:r>
               <a:r>
-                <a:rPr lang="en-US" sz="1200" u="sng" dirty="0">
+                <a:rPr lang="en-US" sz="1200" b="1" u="sng" dirty="0">
                   <a:solidFill>
                     <a:schemeClr val="tx1"/>
                   </a:solidFill>
@@ -9367,7 +9457,7 @@
                 <a:t>(...)</a:t>
               </a:r>
               <a:r>
-                <a:rPr lang="en-US" sz="1200" dirty="0">
+                <a:rPr lang="en-US" sz="1200" b="1" dirty="0">
                   <a:solidFill>
                     <a:schemeClr val="tx1"/>
                   </a:solidFill>
@@ -9379,7 +9469,7 @@
             </a:p>
             <a:p>
               <a:r>
-                <a:rPr lang="en-US" sz="1200" dirty="0">
+                <a:rPr lang="en-US" sz="1200" b="1" dirty="0">
                   <a:solidFill>
                     <a:schemeClr val="tx1"/>
                   </a:solidFill>
@@ -9389,7 +9479,7 @@
                 <a:t>df.</a:t>
               </a:r>
               <a:r>
-                <a:rPr lang="en-US" sz="1200" u="sng" dirty="0">
+                <a:rPr lang="en-US" sz="1200" b="1" u="sng" dirty="0">
                   <a:solidFill>
                     <a:srgbClr val="467886"/>
                   </a:solidFill>
@@ -9406,7 +9496,7 @@
                 <a:t>from_string</a:t>
               </a:r>
               <a:r>
-                <a:rPr lang="en-US" sz="1200" u="sng" dirty="0">
+                <a:rPr lang="en-US" sz="1200" b="1" u="sng" dirty="0">
                   <a:solidFill>
                     <a:schemeClr val="tx1"/>
                   </a:solidFill>
@@ -9423,7 +9513,7 @@
                 <a:t>(...)</a:t>
               </a:r>
               <a:r>
-                <a:rPr lang="en-US" sz="1200" dirty="0">
+                <a:rPr lang="en-US" sz="1200" b="1" dirty="0">
                   <a:solidFill>
                     <a:schemeClr val="tx1"/>
                   </a:solidFill>
@@ -9435,7 +9525,7 @@
             </a:p>
             <a:p>
               <a:r>
-                <a:rPr lang="en-US" sz="1200" dirty="0">
+                <a:rPr lang="en-US" sz="1200" b="1" dirty="0">
                   <a:solidFill>
                     <a:schemeClr val="tx1"/>
                   </a:solidFill>
@@ -9445,7 +9535,7 @@
                 <a:t>df.</a:t>
               </a:r>
               <a:r>
-                <a:rPr lang="en-US" sz="1200" u="sng" dirty="0">
+                <a:rPr lang="en-US" sz="1200" b="1" u="sng" dirty="0">
                   <a:solidFill>
                     <a:schemeClr val="tx1"/>
                   </a:solidFill>
@@ -9462,7 +9552,7 @@
                 <a:t>read(...)</a:t>
               </a:r>
               <a:r>
-                <a:rPr lang="en-US" sz="1200" dirty="0">
+                <a:rPr lang="en-US" sz="1200" b="1" dirty="0">
                   <a:solidFill>
                     <a:schemeClr val="tx1"/>
                   </a:solidFill>
@@ -9474,7 +9564,7 @@
             </a:p>
             <a:p>
               <a:r>
-                <a:rPr lang="en-US" sz="1200" dirty="0">
+                <a:rPr lang="en-US" sz="1200" b="1" dirty="0">
                   <a:solidFill>
                     <a:schemeClr val="tx1"/>
                   </a:solidFill>
@@ -9484,7 +9574,7 @@
                 <a:t>df.</a:t>
               </a:r>
               <a:r>
-                <a:rPr lang="en-US" sz="1200" u="sng" dirty="0">
+                <a:rPr lang="en-US" sz="1200" b="1" u="sng" dirty="0">
                   <a:solidFill>
                     <a:srgbClr val="467886"/>
                   </a:solidFill>
@@ -9501,7 +9591,7 @@
                 <a:t>serialize</a:t>
               </a:r>
               <a:r>
-                <a:rPr lang="en-US" sz="1200" u="sng" dirty="0">
+                <a:rPr lang="en-US" sz="1200" b="1" u="sng" dirty="0">
                   <a:solidFill>
                     <a:schemeClr val="tx1"/>
                   </a:solidFill>
@@ -9518,7 +9608,7 @@
                 <a:t>&lt;...&gt;(...)</a:t>
               </a:r>
               <a:r>
-                <a:rPr lang="en-US" sz="1200" dirty="0">
+                <a:rPr lang="en-US" sz="1200" b="1" dirty="0">
                   <a:solidFill>
                     <a:schemeClr val="tx1"/>
                   </a:solidFill>
@@ -9530,7 +9620,7 @@
             </a:p>
             <a:p>
               <a:r>
-                <a:rPr lang="en-US" sz="1200" dirty="0">
+                <a:rPr lang="en-US" sz="1200" b="1" dirty="0">
                   <a:solidFill>
                     <a:schemeClr val="tx1"/>
                   </a:solidFill>
@@ -9540,7 +9630,7 @@
                 <a:t>df.</a:t>
               </a:r>
               <a:r>
-                <a:rPr lang="en-US" sz="1200" u="sng" dirty="0">
+                <a:rPr lang="en-US" sz="1200" b="1" u="sng" dirty="0">
                   <a:solidFill>
                     <a:srgbClr val="467886"/>
                   </a:solidFill>
@@ -9557,7 +9647,7 @@
                 <a:t>to_string</a:t>
               </a:r>
               <a:r>
-                <a:rPr lang="en-US" sz="1200" u="sng" dirty="0">
+                <a:rPr lang="en-US" sz="1200" b="1" u="sng" dirty="0">
                   <a:solidFill>
                     <a:schemeClr val="tx1"/>
                   </a:solidFill>
@@ -9574,7 +9664,7 @@
                 <a:t>&lt;...&gt;(...)</a:t>
               </a:r>
               <a:r>
-                <a:rPr lang="en-US" sz="1200" dirty="0">
+                <a:rPr lang="en-US" sz="1200" b="1" dirty="0">
                   <a:solidFill>
                     <a:schemeClr val="tx1"/>
                   </a:solidFill>
@@ -9586,7 +9676,7 @@
             </a:p>
             <a:p>
               <a:r>
-                <a:rPr lang="en-US" sz="1200" dirty="0">
+                <a:rPr lang="en-US" sz="1200" b="1" dirty="0">
                   <a:solidFill>
                     <a:schemeClr val="tx1"/>
                   </a:solidFill>
@@ -9596,7 +9686,7 @@
                 <a:t>df.</a:t>
               </a:r>
               <a:r>
-                <a:rPr lang="en-US" sz="1200" u="sng" dirty="0">
+                <a:rPr lang="en-US" sz="1200" b="1" u="sng" dirty="0">
                   <a:solidFill>
                     <a:srgbClr val="467886"/>
                   </a:solidFill>
@@ -9613,7 +9703,7 @@
                 <a:t>write</a:t>
               </a:r>
               <a:r>
-                <a:rPr lang="en-US" sz="1200" u="sng" dirty="0">
+                <a:rPr lang="en-US" sz="1200" b="1" u="sng" dirty="0">
                   <a:solidFill>
                     <a:schemeClr val="tx1"/>
                   </a:solidFill>
@@ -9630,7 +9720,7 @@
                 <a:t>&lt;...&gt;(...)</a:t>
               </a:r>
               <a:r>
-                <a:rPr lang="en-US" sz="1200" dirty="0">
+                <a:rPr lang="en-US" sz="1200" b="1" dirty="0">
                   <a:solidFill>
                     <a:schemeClr val="tx1"/>
                   </a:solidFill>
@@ -9640,7 +9730,7 @@
                 <a:t>;</a:t>
               </a:r>
               <a:r>
-                <a:rPr lang="en-US" sz="1200" dirty="0">
+                <a:rPr lang="en-US" sz="1200" b="1" dirty="0">
                   <a:solidFill>
                     <a:schemeClr val="tx1"/>
                   </a:solidFill>
@@ -9650,7 +9740,7 @@
                 </a:rPr>
                 <a:t> </a:t>
               </a:r>
-              <a:endParaRPr lang="en-US" sz="1200" dirty="0">
+              <a:endParaRPr lang="en-US" sz="1200" b="1" dirty="0">
                 <a:solidFill>
                   <a:schemeClr val="tx1"/>
                 </a:solidFill>
@@ -9675,10 +9765,10 @@
         </p:nvGrpSpPr>
         <p:grpSpPr>
           <a:xfrm>
-            <a:off x="9024618" y="134044"/>
-            <a:ext cx="2498860" cy="2918288"/>
+            <a:off x="8798011" y="134044"/>
+            <a:ext cx="2725467" cy="2905225"/>
             <a:chOff x="9024618" y="134044"/>
-            <a:chExt cx="2498860" cy="2918288"/>
+            <a:chExt cx="2498860" cy="2905225"/>
           </a:xfrm>
         </p:grpSpPr>
         <p:sp>
@@ -9760,7 +9850,7 @@
           </p:nvSpPr>
           <p:spPr>
             <a:xfrm>
-              <a:off x="9024618" y="557141"/>
+              <a:off x="9024618" y="544078"/>
               <a:ext cx="2498860" cy="2495191"/>
             </a:xfrm>
             <a:custGeom>
@@ -10131,14 +10221,14 @@
             <a:p>
               <a:pPr lvl="1"/>
               <a:r>
-                <a:rPr lang="en-US" sz="1200" dirty="0">
+                <a:rPr lang="en-US" sz="1200" b="1" dirty="0">
                   <a:latin typeface="Aptos Serif" panose="02020604070405020304" pitchFamily="18" charset="0"/>
                   <a:cs typeface="Aptos Serif" panose="02020604070405020304" pitchFamily="18" charset="0"/>
                 </a:rPr>
                 <a:t>df.</a:t>
               </a:r>
               <a:r>
-                <a:rPr lang="en-US" sz="1200" u="sng" dirty="0">
+                <a:rPr lang="en-US" sz="1200" b="1" u="sng" dirty="0">
                   <a:latin typeface="Aptos Serif" panose="02020604070405020304" pitchFamily="18" charset="0"/>
                   <a:cs typeface="Aptos Serif" panose="02020604070405020304" pitchFamily="18" charset="0"/>
                   <a:hlinkClick r:id="rId23"/>
@@ -10146,7 +10236,7 @@
                 <a:t>apply&lt;...&gt;(...)</a:t>
               </a:r>
               <a:r>
-                <a:rPr lang="en-US" sz="1200" dirty="0">
+                <a:rPr lang="en-US" sz="1200" b="1" dirty="0">
                   <a:latin typeface="Aptos Serif" panose="02020604070405020304" pitchFamily="18" charset="0"/>
                   <a:cs typeface="Aptos Serif" panose="02020604070405020304" pitchFamily="18" charset="0"/>
                 </a:rPr>
@@ -10156,14 +10246,14 @@
             <a:p>
               <a:pPr lvl="1"/>
               <a:r>
-                <a:rPr lang="en-US" sz="1200" dirty="0">
+                <a:rPr lang="en-US" sz="1200" b="1" dirty="0">
                   <a:latin typeface="Aptos Serif" panose="02020604070405020304" pitchFamily="18" charset="0"/>
                   <a:cs typeface="Aptos Serif" panose="02020604070405020304" pitchFamily="18" charset="0"/>
                 </a:rPr>
                 <a:t>df.</a:t>
               </a:r>
               <a:r>
-                <a:rPr lang="en-US" sz="1200" u="sng" dirty="0">
+                <a:rPr lang="en-US" sz="1200" b="1" u="sng" dirty="0">
                   <a:latin typeface="Aptos Serif" panose="02020604070405020304" pitchFamily="18" charset="0"/>
                   <a:cs typeface="Aptos Serif" panose="02020604070405020304" pitchFamily="18" charset="0"/>
                   <a:hlinkClick r:id="rId24"/>
@@ -10171,7 +10261,7 @@
                 <a:t>set_lock(...)</a:t>
               </a:r>
               <a:r>
-                <a:rPr lang="en-US" sz="1200" dirty="0">
+                <a:rPr lang="en-US" sz="1200" b="1" dirty="0">
                   <a:latin typeface="Aptos Serif" panose="02020604070405020304" pitchFamily="18" charset="0"/>
                   <a:cs typeface="Aptos Serif" panose="02020604070405020304" pitchFamily="18" charset="0"/>
                 </a:rPr>
@@ -10181,14 +10271,14 @@
             <a:p>
               <a:pPr lvl="1"/>
               <a:r>
-                <a:rPr lang="en-US" sz="1200" dirty="0">
+                <a:rPr lang="en-US" sz="1200" b="1" dirty="0">
                   <a:latin typeface="Aptos Serif" panose="02020604070405020304" pitchFamily="18" charset="0"/>
                   <a:cs typeface="Aptos Serif" panose="02020604070405020304" pitchFamily="18" charset="0"/>
                 </a:rPr>
                 <a:t>df.</a:t>
               </a:r>
               <a:r>
-                <a:rPr lang="en-US" sz="1200" u="sng" dirty="0">
+                <a:rPr lang="en-US" sz="1200" b="1" u="sng" dirty="0">
                   <a:latin typeface="Aptos Serif" panose="02020604070405020304" pitchFamily="18" charset="0"/>
                   <a:cs typeface="Aptos Serif" panose="02020604070405020304" pitchFamily="18" charset="0"/>
                   <a:hlinkClick r:id="rId25"/>
@@ -10196,7 +10286,7 @@
                 <a:t>single_act_visit&lt;...&gt;(...)</a:t>
               </a:r>
               <a:r>
-                <a:rPr lang="en-US" sz="1200" dirty="0">
+                <a:rPr lang="en-US" sz="1200" b="1" dirty="0">
                   <a:latin typeface="Aptos Serif" panose="02020604070405020304" pitchFamily="18" charset="0"/>
                   <a:cs typeface="Aptos Serif" panose="02020604070405020304" pitchFamily="18" charset="0"/>
                 </a:rPr>
@@ -10206,14 +10296,14 @@
             <a:p>
               <a:pPr lvl="1"/>
               <a:r>
-                <a:rPr lang="en-US" sz="1200" dirty="0">
+                <a:rPr lang="en-US" sz="1200" b="1" dirty="0">
                   <a:latin typeface="Aptos Serif" panose="02020604070405020304" pitchFamily="18" charset="0"/>
                   <a:cs typeface="Aptos Serif" panose="02020604070405020304" pitchFamily="18" charset="0"/>
                 </a:rPr>
                 <a:t>df.</a:t>
               </a:r>
               <a:r>
-                <a:rPr lang="en-US" sz="1200" u="sng" dirty="0">
+                <a:rPr lang="en-US" sz="1200" b="1" u="sng" dirty="0">
                   <a:latin typeface="Aptos Serif" panose="02020604070405020304" pitchFamily="18" charset="0"/>
                   <a:cs typeface="Aptos Serif" panose="02020604070405020304" pitchFamily="18" charset="0"/>
                   <a:hlinkClick r:id="rId26"/>
@@ -10221,7 +10311,7 @@
                 <a:t>visit&lt;...&gt;(...)</a:t>
               </a:r>
               <a:r>
-                <a:rPr lang="en-US" sz="1200" dirty="0">
+                <a:rPr lang="en-US" sz="1200" b="1" dirty="0">
                   <a:latin typeface="Aptos Serif" panose="02020604070405020304" pitchFamily="18" charset="0"/>
                   <a:cs typeface="Aptos Serif" panose="02020604070405020304" pitchFamily="18" charset="0"/>
                 </a:rPr>
@@ -10231,21 +10321,21 @@
             <a:p>
               <a:pPr lvl="1"/>
               <a:r>
-                <a:rPr lang="en-US" sz="1200" dirty="0">
+                <a:rPr lang="en-US" sz="1200" b="1" dirty="0">
                   <a:latin typeface="Aptos Serif" panose="02020604070405020304" pitchFamily="18" charset="0"/>
                   <a:cs typeface="Aptos Serif" panose="02020604070405020304" pitchFamily="18" charset="0"/>
                 </a:rPr>
                 <a:t>… more</a:t>
               </a:r>
               <a:r>
-                <a:rPr lang="en-US" sz="1200" dirty="0">
+                <a:rPr lang="en-US" sz="1200" b="1" dirty="0">
                   <a:effectLst/>
                   <a:latin typeface="Aptos Serif" panose="02020604070405020304" pitchFamily="18" charset="0"/>
                   <a:cs typeface="Aptos Serif" panose="02020604070405020304" pitchFamily="18" charset="0"/>
                 </a:rPr>
                 <a:t> </a:t>
               </a:r>
-              <a:endParaRPr lang="en-US" sz="1200" dirty="0">
+              <a:endParaRPr lang="en-US" sz="1200" b="1" dirty="0">
                 <a:latin typeface="Aptos Serif" panose="02020604070405020304" pitchFamily="18" charset="0"/>
                 <a:cs typeface="Aptos Serif" panose="02020604070405020304" pitchFamily="18" charset="0"/>
               </a:endParaRPr>
@@ -10253,77 +10343,12 @@
           </p:txBody>
         </p:sp>
       </p:grpSp>
-      <p:sp>
-        <p:nvSpPr>
-          <p:cNvPr id="25" name="Rectangle 24">
+      <p:grpSp>
+        <p:nvGrpSpPr>
+          <p:cNvPr id="2" name="Group 1">
             <a:extLst>
               <a:ext uri="{FF2B5EF4-FFF2-40B4-BE49-F238E27FC236}">
-                <a16:creationId xmlns:a16="http://schemas.microsoft.com/office/drawing/2014/main" id="{722A1DB0-6C81-1E61-408A-388977A8EC3D}"/>
-              </a:ext>
-            </a:extLst>
-          </p:cNvPr>
-          <p:cNvSpPr/>
-          <p:nvPr/>
-        </p:nvSpPr>
-        <p:spPr>
-          <a:xfrm>
-            <a:off x="6499039" y="3322094"/>
-            <a:ext cx="3443802" cy="372577"/>
-          </a:xfrm>
-          <a:prstGeom prst="rect">
-            <a:avLst/>
-          </a:prstGeom>
-          <a:solidFill>
-            <a:schemeClr val="accent1">
-              <a:lumMod val="40000"/>
-              <a:lumOff val="60000"/>
-            </a:schemeClr>
-          </a:solidFill>
-          <a:ln>
-            <a:noFill/>
-          </a:ln>
-          <a:scene3d>
-            <a:camera prst="orthographicFront"/>
-            <a:lightRig rig="threePt" dir="t"/>
-          </a:scene3d>
-          <a:sp3d>
-            <a:bevelT/>
-          </a:sp3d>
-        </p:spPr>
-        <p:style>
-          <a:lnRef idx="2">
-            <a:schemeClr val="accent1">
-              <a:shade val="15000"/>
-            </a:schemeClr>
-          </a:lnRef>
-          <a:fillRef idx="1">
-            <a:schemeClr val="accent1"/>
-          </a:fillRef>
-          <a:effectRef idx="0">
-            <a:schemeClr val="accent1"/>
-          </a:effectRef>
-          <a:fontRef idx="minor">
-            <a:schemeClr val="lt1"/>
-          </a:fontRef>
-        </p:style>
-        <p:txBody>
-          <a:bodyPr rtlCol="0" anchor="ctr"/>
-          <a:lstStyle/>
-          <a:p>
-            <a:pPr algn="ctr"/>
-            <a:r>
-              <a:rPr lang="en-US" sz="1400" b="1" dirty="0"/>
-              <a:t>Simple Statistical Analysis on Columns</a:t>
-            </a:r>
-          </a:p>
-        </p:txBody>
-      </p:sp>
-      <p:grpSp>
-        <p:nvGrpSpPr>
-          <p:cNvPr id="30" name="Group 29">
-            <a:extLst>
-              <a:ext uri="{FF2B5EF4-FFF2-40B4-BE49-F238E27FC236}">
-                <a16:creationId xmlns:a16="http://schemas.microsoft.com/office/drawing/2014/main" id="{96375120-5CC6-8F95-6124-EDB7BB068A3F}"/>
+                <a16:creationId xmlns:a16="http://schemas.microsoft.com/office/drawing/2014/main" id="{95F90521-E178-00B4-5F78-CE17358A83A6}"/>
               </a:ext>
             </a:extLst>
           </p:cNvPr>
@@ -10332,18 +10357,18 @@
         </p:nvGrpSpPr>
         <p:grpSpPr>
           <a:xfrm>
-            <a:off x="4464670" y="3734873"/>
-            <a:ext cx="2464161" cy="2880573"/>
-            <a:chOff x="4928312" y="3734873"/>
-            <a:chExt cx="2464161" cy="2880573"/>
+            <a:off x="4615481" y="3322094"/>
+            <a:ext cx="7337034" cy="3293352"/>
+            <a:chOff x="4615481" y="3322094"/>
+            <a:chExt cx="7337034" cy="3293352"/>
           </a:xfrm>
         </p:grpSpPr>
         <p:sp>
           <p:nvSpPr>
-            <p:cNvPr id="27" name="Rectangle 26">
+            <p:cNvPr id="25" name="Rectangle 24">
               <a:extLst>
                 <a:ext uri="{FF2B5EF4-FFF2-40B4-BE49-F238E27FC236}">
-                  <a16:creationId xmlns:a16="http://schemas.microsoft.com/office/drawing/2014/main" id="{12646675-D06A-9579-483D-E6275D17D87D}"/>
+                  <a16:creationId xmlns:a16="http://schemas.microsoft.com/office/drawing/2014/main" id="{722A1DB0-6C81-1E61-408A-388977A8EC3D}"/>
                 </a:ext>
               </a:extLst>
             </p:cNvPr>
@@ -10352,29 +10377,27 @@
           </p:nvSpPr>
           <p:spPr>
             <a:xfrm>
-              <a:off x="4932608" y="3734873"/>
-              <a:ext cx="2459865" cy="953036"/>
+              <a:off x="6263902" y="3322094"/>
+              <a:ext cx="3915627" cy="372577"/>
             </a:xfrm>
             <a:prstGeom prst="rect">
               <a:avLst/>
             </a:prstGeom>
             <a:solidFill>
-              <a:schemeClr val="tx2">
-                <a:lumMod val="10000"/>
-                <a:lumOff val="90000"/>
+              <a:schemeClr val="accent1">
+                <a:lumMod val="40000"/>
+                <a:lumOff val="60000"/>
               </a:schemeClr>
             </a:solidFill>
             <a:ln>
-              <a:solidFill>
-                <a:schemeClr val="tx1"/>
-              </a:solidFill>
+              <a:noFill/>
             </a:ln>
             <a:scene3d>
               <a:camera prst="orthographicFront"/>
               <a:lightRig rig="threePt" dir="t"/>
             </a:scene3d>
             <a:sp3d>
-              <a:bevelT w="152400" h="50800" prst="softRound"/>
+              <a:bevelT/>
             </a:sp3d>
           </p:spPr>
           <p:style>
@@ -10394,72 +10417,866 @@
             </a:fontRef>
           </p:style>
           <p:txBody>
-            <a:bodyPr numCol="1" spcCol="0" rtlCol="0" anchor="ctr"/>
+            <a:bodyPr rtlCol="0" anchor="ctr"/>
             <a:lstStyle/>
             <a:p>
-              <a:r>
-                <a:rPr lang="en-US" sz="1200" dirty="0">
-                  <a:solidFill>
-                    <a:schemeClr val="tx1"/>
-                  </a:solidFill>
-                  <a:latin typeface="Aptos Serif" panose="02020604070405020304" pitchFamily="18" charset="0"/>
-                  <a:cs typeface="Aptos Serif" panose="02020604070405020304" pitchFamily="18" charset="0"/>
-                  <a:hlinkClick r:id="rId27"/>
-                </a:rPr>
-                <a:t>MeanVisitor&lt;…&gt;</a:t>
-              </a:r>
-              <a:r>
-                <a:rPr lang="en-US" sz="1200" dirty="0">
-                  <a:solidFill>
-                    <a:schemeClr val="tx1"/>
-                  </a:solidFill>
-                  <a:latin typeface="Aptos Serif" panose="02020604070405020304" pitchFamily="18" charset="0"/>
-                  <a:cs typeface="Aptos Serif" panose="02020604070405020304" pitchFamily="18" charset="0"/>
-                </a:rPr>
-                <a:t>   mvisitor;</a:t>
+              <a:pPr algn="ctr"/>
+              <a:r>
+                <a:rPr lang="en-US" sz="1400" b="1" dirty="0"/>
+                <a:t>Some of Statistical Analysis done on Columns</a:t>
               </a:r>
             </a:p>
-            <a:p>
-              <a:endParaRPr lang="en-US" sz="1200" dirty="0">
+          </p:txBody>
+        </p:sp>
+        <p:grpSp>
+          <p:nvGrpSpPr>
+            <p:cNvPr id="30" name="Group 29">
+              <a:extLst>
+                <a:ext uri="{FF2B5EF4-FFF2-40B4-BE49-F238E27FC236}">
+                  <a16:creationId xmlns:a16="http://schemas.microsoft.com/office/drawing/2014/main" id="{96375120-5CC6-8F95-6124-EDB7BB068A3F}"/>
+                </a:ext>
+              </a:extLst>
+            </p:cNvPr>
+            <p:cNvGrpSpPr/>
+            <p:nvPr/>
+          </p:nvGrpSpPr>
+          <p:grpSpPr>
+            <a:xfrm>
+              <a:off x="4615481" y="3734873"/>
+              <a:ext cx="2830409" cy="2880573"/>
+              <a:chOff x="4928312" y="3734873"/>
+              <a:chExt cx="2464161" cy="2880573"/>
+            </a:xfrm>
+          </p:grpSpPr>
+          <p:sp>
+            <p:nvSpPr>
+              <p:cNvPr id="27" name="Rectangle 26">
+                <a:extLst>
+                  <a:ext uri="{FF2B5EF4-FFF2-40B4-BE49-F238E27FC236}">
+                    <a16:creationId xmlns:a16="http://schemas.microsoft.com/office/drawing/2014/main" id="{12646675-D06A-9579-483D-E6275D17D87D}"/>
+                  </a:ext>
+                </a:extLst>
+              </p:cNvPr>
+              <p:cNvSpPr/>
+              <p:nvPr/>
+            </p:nvSpPr>
+            <p:spPr>
+              <a:xfrm>
+                <a:off x="4932608" y="3734873"/>
+                <a:ext cx="2459865" cy="953036"/>
+              </a:xfrm>
+              <a:prstGeom prst="rect">
+                <a:avLst/>
+              </a:prstGeom>
+              <a:solidFill>
+                <a:schemeClr val="tx2">
+                  <a:lumMod val="10000"/>
+                  <a:lumOff val="90000"/>
+                </a:schemeClr>
+              </a:solidFill>
+              <a:ln>
                 <a:solidFill>
                   <a:schemeClr val="tx1"/>
                 </a:solidFill>
-                <a:latin typeface="Aptos Serif" panose="02020604070405020304" pitchFamily="18" charset="0"/>
-                <a:cs typeface="Aptos Serif" panose="02020604070405020304" pitchFamily="18" charset="0"/>
-              </a:endParaRPr>
-            </a:p>
-            <a:p>
-              <a:r>
-                <a:rPr lang="en-US" sz="1200" dirty="0">
-                  <a:solidFill>
-                    <a:schemeClr val="tx1"/>
-                  </a:solidFill>
-                  <a:latin typeface="Aptos Serif" panose="02020604070405020304" pitchFamily="18" charset="0"/>
-                  <a:cs typeface="Aptos Serif" panose="02020604070405020304" pitchFamily="18" charset="0"/>
-                </a:rPr>
-                <a:t>df.single_act_visit&lt;…&gt;(…);</a:t>
-              </a:r>
-            </a:p>
-            <a:p>
-              <a:r>
-                <a:rPr lang="en-US" sz="1200" dirty="0">
-                  <a:solidFill>
-                    <a:schemeClr val="tx1"/>
-                  </a:solidFill>
-                  <a:latin typeface="Aptos Serif" panose="02020604070405020304" pitchFamily="18" charset="0"/>
-                  <a:cs typeface="Aptos Serif" panose="02020604070405020304" pitchFamily="18" charset="0"/>
-                </a:rPr>
-                <a:t>std::cout &lt;&lt; mvisitor.get_result();</a:t>
-              </a:r>
-            </a:p>
-          </p:txBody>
-        </p:sp>
+              </a:ln>
+              <a:scene3d>
+                <a:camera prst="orthographicFront"/>
+                <a:lightRig rig="threePt" dir="t"/>
+              </a:scene3d>
+              <a:sp3d>
+                <a:bevelT w="152400" h="50800" prst="softRound"/>
+              </a:sp3d>
+            </p:spPr>
+            <p:style>
+              <a:lnRef idx="2">
+                <a:schemeClr val="accent1">
+                  <a:shade val="15000"/>
+                </a:schemeClr>
+              </a:lnRef>
+              <a:fillRef idx="1">
+                <a:schemeClr val="accent1"/>
+              </a:fillRef>
+              <a:effectRef idx="0">
+                <a:schemeClr val="accent1"/>
+              </a:effectRef>
+              <a:fontRef idx="minor">
+                <a:schemeClr val="lt1"/>
+              </a:fontRef>
+            </p:style>
+            <p:txBody>
+              <a:bodyPr numCol="1" spcCol="0" rtlCol="0" anchor="ctr"/>
+              <a:lstStyle/>
+              <a:p>
+                <a:r>
+                  <a:rPr lang="en-US" sz="1200" b="1" dirty="0">
+                    <a:solidFill>
+                      <a:schemeClr val="tx1"/>
+                    </a:solidFill>
+                    <a:latin typeface="Aptos Serif" panose="02020604070405020304" pitchFamily="18" charset="0"/>
+                    <a:cs typeface="Aptos Serif" panose="02020604070405020304" pitchFamily="18" charset="0"/>
+                    <a:hlinkClick r:id="rId27"/>
+                  </a:rPr>
+                  <a:t>MeanVisitor&lt;…&gt;</a:t>
+                </a:r>
+                <a:r>
+                  <a:rPr lang="en-US" sz="1200" b="1" dirty="0">
+                    <a:solidFill>
+                      <a:schemeClr val="tx1"/>
+                    </a:solidFill>
+                    <a:latin typeface="Aptos Serif" panose="02020604070405020304" pitchFamily="18" charset="0"/>
+                    <a:cs typeface="Aptos Serif" panose="02020604070405020304" pitchFamily="18" charset="0"/>
+                  </a:rPr>
+                  <a:t>   mvisitor(…);</a:t>
+                </a:r>
+              </a:p>
+              <a:p>
+                <a:endParaRPr lang="en-US" sz="1200" b="1" dirty="0">
+                  <a:solidFill>
+                    <a:schemeClr val="tx1"/>
+                  </a:solidFill>
+                  <a:latin typeface="Aptos Serif" panose="02020604070405020304" pitchFamily="18" charset="0"/>
+                  <a:cs typeface="Aptos Serif" panose="02020604070405020304" pitchFamily="18" charset="0"/>
+                </a:endParaRPr>
+              </a:p>
+              <a:p>
+                <a:r>
+                  <a:rPr lang="en-US" sz="1200" b="1" dirty="0">
+                    <a:solidFill>
+                      <a:schemeClr val="tx1"/>
+                    </a:solidFill>
+                    <a:latin typeface="Aptos Serif" panose="02020604070405020304" pitchFamily="18" charset="0"/>
+                    <a:cs typeface="Aptos Serif" panose="02020604070405020304" pitchFamily="18" charset="0"/>
+                  </a:rPr>
+                  <a:t>df.single_act_visit&lt;…&gt;(…);</a:t>
+                </a:r>
+              </a:p>
+              <a:p>
+                <a:r>
+                  <a:rPr lang="en-US" sz="1200" b="1" dirty="0">
+                    <a:solidFill>
+                      <a:schemeClr val="tx1"/>
+                    </a:solidFill>
+                    <a:latin typeface="Aptos Serif" panose="02020604070405020304" pitchFamily="18" charset="0"/>
+                    <a:cs typeface="Aptos Serif" panose="02020604070405020304" pitchFamily="18" charset="0"/>
+                  </a:rPr>
+                  <a:t>std::cout &lt;&lt; mvisitor.get_result();</a:t>
+                </a:r>
+              </a:p>
+            </p:txBody>
+          </p:sp>
+          <p:sp>
+            <p:nvSpPr>
+              <p:cNvPr id="28" name="Rectangle 27">
+                <a:extLst>
+                  <a:ext uri="{FF2B5EF4-FFF2-40B4-BE49-F238E27FC236}">
+                    <a16:creationId xmlns:a16="http://schemas.microsoft.com/office/drawing/2014/main" id="{54B11647-AD7D-9771-C504-18A807A7F7A0}"/>
+                  </a:ext>
+                </a:extLst>
+              </p:cNvPr>
+              <p:cNvSpPr/>
+              <p:nvPr/>
+            </p:nvSpPr>
+            <p:spPr>
+              <a:xfrm>
+                <a:off x="4930461" y="4698641"/>
+                <a:ext cx="2459865" cy="953036"/>
+              </a:xfrm>
+              <a:prstGeom prst="rect">
+                <a:avLst/>
+              </a:prstGeom>
+              <a:solidFill>
+                <a:schemeClr val="tx2">
+                  <a:lumMod val="10000"/>
+                  <a:lumOff val="90000"/>
+                </a:schemeClr>
+              </a:solidFill>
+              <a:ln>
+                <a:solidFill>
+                  <a:schemeClr val="tx1"/>
+                </a:solidFill>
+              </a:ln>
+              <a:scene3d>
+                <a:camera prst="orthographicFront"/>
+                <a:lightRig rig="threePt" dir="t"/>
+              </a:scene3d>
+              <a:sp3d>
+                <a:bevelT w="152400" h="50800" prst="softRound"/>
+              </a:sp3d>
+            </p:spPr>
+            <p:style>
+              <a:lnRef idx="2">
+                <a:schemeClr val="accent1">
+                  <a:shade val="15000"/>
+                </a:schemeClr>
+              </a:lnRef>
+              <a:fillRef idx="1">
+                <a:schemeClr val="accent1"/>
+              </a:fillRef>
+              <a:effectRef idx="0">
+                <a:schemeClr val="accent1"/>
+              </a:effectRef>
+              <a:fontRef idx="minor">
+                <a:schemeClr val="lt1"/>
+              </a:fontRef>
+            </p:style>
+            <p:txBody>
+              <a:bodyPr numCol="1" spcCol="0" rtlCol="0" anchor="ctr"/>
+              <a:lstStyle/>
+              <a:p>
+                <a:r>
+                  <a:rPr lang="en-US" sz="1200" b="1" u="sng" dirty="0">
+                    <a:latin typeface="Aptos Serif" panose="02020604070405020304" pitchFamily="18" charset="0"/>
+                    <a:cs typeface="Aptos Serif" panose="02020604070405020304" pitchFamily="18" charset="0"/>
+                    <a:hlinkClick r:id="rId28"/>
+                  </a:rPr>
+                  <a:t>StdVisitor&lt;...&gt;</a:t>
+                </a:r>
+                <a:r>
+                  <a:rPr lang="en-US" sz="1200" b="1" dirty="0">
+                    <a:effectLst/>
+                    <a:latin typeface="Aptos Serif" panose="02020604070405020304" pitchFamily="18" charset="0"/>
+                    <a:cs typeface="Aptos Serif" panose="02020604070405020304" pitchFamily="18" charset="0"/>
+                  </a:rPr>
+                  <a:t>   </a:t>
+                </a:r>
+                <a:r>
+                  <a:rPr lang="en-US" sz="1200" b="1" dirty="0">
+                    <a:solidFill>
+                      <a:schemeClr val="tx1"/>
+                    </a:solidFill>
+                    <a:latin typeface="Aptos Serif" panose="02020604070405020304" pitchFamily="18" charset="0"/>
+                    <a:cs typeface="Aptos Serif" panose="02020604070405020304" pitchFamily="18" charset="0"/>
+                  </a:rPr>
+                  <a:t> svisitor(…);</a:t>
+                </a:r>
+              </a:p>
+              <a:p>
+                <a:endParaRPr lang="en-US" sz="1200" b="1" dirty="0">
+                  <a:solidFill>
+                    <a:schemeClr val="tx1"/>
+                  </a:solidFill>
+                  <a:latin typeface="Aptos Serif" panose="02020604070405020304" pitchFamily="18" charset="0"/>
+                  <a:cs typeface="Aptos Serif" panose="02020604070405020304" pitchFamily="18" charset="0"/>
+                </a:endParaRPr>
+              </a:p>
+              <a:p>
+                <a:r>
+                  <a:rPr lang="en-US" sz="1200" b="1" dirty="0">
+                    <a:solidFill>
+                      <a:schemeClr val="tx1"/>
+                    </a:solidFill>
+                    <a:latin typeface="Aptos Serif" panose="02020604070405020304" pitchFamily="18" charset="0"/>
+                    <a:cs typeface="Aptos Serif" panose="02020604070405020304" pitchFamily="18" charset="0"/>
+                  </a:rPr>
+                  <a:t>df.single_act_visit&lt;…&gt;(…);</a:t>
+                </a:r>
+              </a:p>
+              <a:p>
+                <a:r>
+                  <a:rPr lang="en-US" sz="1200" b="1" dirty="0">
+                    <a:solidFill>
+                      <a:schemeClr val="tx1"/>
+                    </a:solidFill>
+                    <a:latin typeface="Aptos Serif" panose="02020604070405020304" pitchFamily="18" charset="0"/>
+                    <a:cs typeface="Aptos Serif" panose="02020604070405020304" pitchFamily="18" charset="0"/>
+                  </a:rPr>
+                  <a:t>std::cout &lt;&lt; svisitor.get_result();</a:t>
+                </a:r>
+              </a:p>
+            </p:txBody>
+          </p:sp>
+          <p:sp>
+            <p:nvSpPr>
+              <p:cNvPr id="29" name="Rectangle 28">
+                <a:extLst>
+                  <a:ext uri="{FF2B5EF4-FFF2-40B4-BE49-F238E27FC236}">
+                    <a16:creationId xmlns:a16="http://schemas.microsoft.com/office/drawing/2014/main" id="{50177864-0A2B-4105-61E4-F63332484FDA}"/>
+                  </a:ext>
+                </a:extLst>
+              </p:cNvPr>
+              <p:cNvSpPr/>
+              <p:nvPr/>
+            </p:nvSpPr>
+            <p:spPr>
+              <a:xfrm>
+                <a:off x="4928312" y="5662410"/>
+                <a:ext cx="2459865" cy="953036"/>
+              </a:xfrm>
+              <a:prstGeom prst="rect">
+                <a:avLst/>
+              </a:prstGeom>
+              <a:solidFill>
+                <a:schemeClr val="tx2">
+                  <a:lumMod val="10000"/>
+                  <a:lumOff val="90000"/>
+                </a:schemeClr>
+              </a:solidFill>
+              <a:ln>
+                <a:solidFill>
+                  <a:schemeClr val="tx1"/>
+                </a:solidFill>
+              </a:ln>
+              <a:scene3d>
+                <a:camera prst="orthographicFront"/>
+                <a:lightRig rig="threePt" dir="t"/>
+              </a:scene3d>
+              <a:sp3d>
+                <a:bevelT w="152400" h="50800" prst="softRound"/>
+              </a:sp3d>
+            </p:spPr>
+            <p:style>
+              <a:lnRef idx="2">
+                <a:schemeClr val="accent1">
+                  <a:shade val="15000"/>
+                </a:schemeClr>
+              </a:lnRef>
+              <a:fillRef idx="1">
+                <a:schemeClr val="accent1"/>
+              </a:fillRef>
+              <a:effectRef idx="0">
+                <a:schemeClr val="accent1"/>
+              </a:effectRef>
+              <a:fontRef idx="minor">
+                <a:schemeClr val="lt1"/>
+              </a:fontRef>
+            </p:style>
+            <p:txBody>
+              <a:bodyPr numCol="1" spcCol="0" rtlCol="0" anchor="ctr"/>
+              <a:lstStyle/>
+              <a:p>
+                <a:r>
+                  <a:rPr lang="en-US" sz="1200" b="1" u="sng" dirty="0">
+                    <a:latin typeface="Aptos Serif" panose="02020604070405020304" pitchFamily="18" charset="0"/>
+                    <a:cs typeface="Aptos Serif" panose="02020604070405020304" pitchFamily="18" charset="0"/>
+                    <a:hlinkClick r:id="rId29"/>
+                  </a:rPr>
+                  <a:t>MeadianVisitor&lt;...&gt;</a:t>
+                </a:r>
+                <a:r>
+                  <a:rPr lang="en-US" sz="1200" b="1" dirty="0">
+                    <a:effectLst/>
+                    <a:latin typeface="Aptos Serif" panose="02020604070405020304" pitchFamily="18" charset="0"/>
+                    <a:cs typeface="Aptos Serif" panose="02020604070405020304" pitchFamily="18" charset="0"/>
+                  </a:rPr>
+                  <a:t>     </a:t>
+                </a:r>
+                <a:r>
+                  <a:rPr lang="en-US" sz="1200" b="1" dirty="0">
+                    <a:solidFill>
+                      <a:schemeClr val="tx1"/>
+                    </a:solidFill>
+                    <a:latin typeface="Aptos Serif" panose="02020604070405020304" pitchFamily="18" charset="0"/>
+                    <a:cs typeface="Aptos Serif" panose="02020604070405020304" pitchFamily="18" charset="0"/>
+                  </a:rPr>
+                  <a:t>mvisitor(…);</a:t>
+                </a:r>
+              </a:p>
+              <a:p>
+                <a:endParaRPr lang="en-US" sz="1200" b="1" dirty="0">
+                  <a:solidFill>
+                    <a:schemeClr val="tx1"/>
+                  </a:solidFill>
+                  <a:latin typeface="Aptos Serif" panose="02020604070405020304" pitchFamily="18" charset="0"/>
+                  <a:cs typeface="Aptos Serif" panose="02020604070405020304" pitchFamily="18" charset="0"/>
+                </a:endParaRPr>
+              </a:p>
+              <a:p>
+                <a:r>
+                  <a:rPr lang="en-US" sz="1200" b="1" dirty="0">
+                    <a:solidFill>
+                      <a:schemeClr val="tx1"/>
+                    </a:solidFill>
+                    <a:latin typeface="Aptos Serif" panose="02020604070405020304" pitchFamily="18" charset="0"/>
+                    <a:cs typeface="Aptos Serif" panose="02020604070405020304" pitchFamily="18" charset="0"/>
+                  </a:rPr>
+                  <a:t>df.single_act_visit&lt;…&gt;(…);</a:t>
+                </a:r>
+              </a:p>
+              <a:p>
+                <a:r>
+                  <a:rPr lang="en-US" sz="1200" b="1" dirty="0">
+                    <a:solidFill>
+                      <a:schemeClr val="tx1"/>
+                    </a:solidFill>
+                    <a:latin typeface="Aptos Serif" panose="02020604070405020304" pitchFamily="18" charset="0"/>
+                    <a:cs typeface="Aptos Serif" panose="02020604070405020304" pitchFamily="18" charset="0"/>
+                  </a:rPr>
+                  <a:t>std::cout &lt;&lt; mvisitor.get_result();</a:t>
+                </a:r>
+              </a:p>
+            </p:txBody>
+          </p:sp>
+        </p:grpSp>
+        <p:grpSp>
+          <p:nvGrpSpPr>
+            <p:cNvPr id="31" name="Group 30">
+              <a:extLst>
+                <a:ext uri="{FF2B5EF4-FFF2-40B4-BE49-F238E27FC236}">
+                  <a16:creationId xmlns:a16="http://schemas.microsoft.com/office/drawing/2014/main" id="{57E8A443-2D5F-3185-B09C-A6FC1BAEBA47}"/>
+                </a:ext>
+              </a:extLst>
+            </p:cNvPr>
+            <p:cNvGrpSpPr/>
+            <p:nvPr/>
+          </p:nvGrpSpPr>
+          <p:grpSpPr>
+            <a:xfrm>
+              <a:off x="7503365" y="3732725"/>
+              <a:ext cx="4449150" cy="2880573"/>
+              <a:chOff x="4928312" y="3734873"/>
+              <a:chExt cx="2464161" cy="2880573"/>
+            </a:xfrm>
+          </p:grpSpPr>
+          <p:sp>
+            <p:nvSpPr>
+              <p:cNvPr id="32" name="Rectangle 31">
+                <a:extLst>
+                  <a:ext uri="{FF2B5EF4-FFF2-40B4-BE49-F238E27FC236}">
+                    <a16:creationId xmlns:a16="http://schemas.microsoft.com/office/drawing/2014/main" id="{23B6EA1E-D8C4-539B-68B1-8E4DA0B8E7B5}"/>
+                  </a:ext>
+                </a:extLst>
+              </p:cNvPr>
+              <p:cNvSpPr/>
+              <p:nvPr/>
+            </p:nvSpPr>
+            <p:spPr>
+              <a:xfrm>
+                <a:off x="4932608" y="3734873"/>
+                <a:ext cx="2459865" cy="953036"/>
+              </a:xfrm>
+              <a:prstGeom prst="rect">
+                <a:avLst/>
+              </a:prstGeom>
+              <a:solidFill>
+                <a:schemeClr val="tx2">
+                  <a:lumMod val="10000"/>
+                  <a:lumOff val="90000"/>
+                </a:schemeClr>
+              </a:solidFill>
+              <a:ln>
+                <a:solidFill>
+                  <a:schemeClr val="tx1"/>
+                </a:solidFill>
+              </a:ln>
+              <a:scene3d>
+                <a:camera prst="orthographicFront"/>
+                <a:lightRig rig="threePt" dir="t"/>
+              </a:scene3d>
+              <a:sp3d>
+                <a:bevelT w="152400" h="50800" prst="softRound"/>
+              </a:sp3d>
+            </p:spPr>
+            <p:style>
+              <a:lnRef idx="2">
+                <a:schemeClr val="accent1">
+                  <a:shade val="15000"/>
+                </a:schemeClr>
+              </a:lnRef>
+              <a:fillRef idx="1">
+                <a:schemeClr val="accent1"/>
+              </a:fillRef>
+              <a:effectRef idx="0">
+                <a:schemeClr val="accent1"/>
+              </a:effectRef>
+              <a:fontRef idx="minor">
+                <a:schemeClr val="lt1"/>
+              </a:fontRef>
+            </p:style>
+            <p:txBody>
+              <a:bodyPr numCol="1" spcCol="0" rtlCol="0" anchor="ctr"/>
+              <a:lstStyle/>
+              <a:p>
+                <a:r>
+                  <a:rPr lang="en-US" sz="1200" b="1" dirty="0">
+                    <a:solidFill>
+                      <a:schemeClr val="tx1"/>
+                    </a:solidFill>
+                    <a:latin typeface="Aptos Serif" panose="02020604070405020304" pitchFamily="18" charset="0"/>
+                    <a:cs typeface="Aptos Serif" panose="02020604070405020304" pitchFamily="18" charset="0"/>
+                    <a:hlinkClick r:id="rId30"/>
+                  </a:rPr>
+                  <a:t>ExponentiallyWeightedMeanVisitor&lt;…&gt;</a:t>
+                </a:r>
+                <a:r>
+                  <a:rPr lang="en-US" sz="1200" b="1" dirty="0">
+                    <a:solidFill>
+                      <a:schemeClr val="tx1"/>
+                    </a:solidFill>
+                    <a:latin typeface="Aptos Serif" panose="02020604070405020304" pitchFamily="18" charset="0"/>
+                    <a:cs typeface="Aptos Serif" panose="02020604070405020304" pitchFamily="18" charset="0"/>
+                  </a:rPr>
+                  <a:t>    ewmvisitor(…);</a:t>
+                </a:r>
+              </a:p>
+              <a:p>
+                <a:endParaRPr lang="en-US" sz="1200" b="1" dirty="0">
+                  <a:solidFill>
+                    <a:schemeClr val="tx1"/>
+                  </a:solidFill>
+                  <a:latin typeface="Aptos Serif" panose="02020604070405020304" pitchFamily="18" charset="0"/>
+                  <a:cs typeface="Aptos Serif" panose="02020604070405020304" pitchFamily="18" charset="0"/>
+                </a:endParaRPr>
+              </a:p>
+              <a:p>
+                <a:r>
+                  <a:rPr lang="en-US" sz="1200" b="1" dirty="0">
+                    <a:solidFill>
+                      <a:schemeClr val="tx1"/>
+                    </a:solidFill>
+                    <a:latin typeface="Aptos Serif" panose="02020604070405020304" pitchFamily="18" charset="0"/>
+                    <a:cs typeface="Aptos Serif" panose="02020604070405020304" pitchFamily="18" charset="0"/>
+                  </a:rPr>
+                  <a:t>df.single_act_visit&lt;…&gt;(…);</a:t>
+                </a:r>
+              </a:p>
+              <a:p>
+                <a:r>
+                  <a:rPr lang="en-US" sz="1200" b="1" dirty="0">
+                    <a:solidFill>
+                      <a:schemeClr val="tx1"/>
+                    </a:solidFill>
+                    <a:latin typeface="Aptos Serif" panose="02020604070405020304" pitchFamily="18" charset="0"/>
+                    <a:cs typeface="Aptos Serif" panose="02020604070405020304" pitchFamily="18" charset="0"/>
+                  </a:rPr>
+                  <a:t>std::cout &lt;&lt; ewmvisitor.get_result();</a:t>
+                </a:r>
+              </a:p>
+            </p:txBody>
+          </p:sp>
+          <p:sp>
+            <p:nvSpPr>
+              <p:cNvPr id="33" name="Rectangle 32">
+                <a:extLst>
+                  <a:ext uri="{FF2B5EF4-FFF2-40B4-BE49-F238E27FC236}">
+                    <a16:creationId xmlns:a16="http://schemas.microsoft.com/office/drawing/2014/main" id="{A55C6A94-E54C-F939-3198-025ED70ED12D}"/>
+                  </a:ext>
+                </a:extLst>
+              </p:cNvPr>
+              <p:cNvSpPr/>
+              <p:nvPr/>
+            </p:nvSpPr>
+            <p:spPr>
+              <a:xfrm>
+                <a:off x="4930460" y="4698641"/>
+                <a:ext cx="2459865" cy="953036"/>
+              </a:xfrm>
+              <a:prstGeom prst="rect">
+                <a:avLst/>
+              </a:prstGeom>
+              <a:solidFill>
+                <a:schemeClr val="tx2">
+                  <a:lumMod val="10000"/>
+                  <a:lumOff val="90000"/>
+                </a:schemeClr>
+              </a:solidFill>
+              <a:ln>
+                <a:solidFill>
+                  <a:schemeClr val="tx1"/>
+                </a:solidFill>
+              </a:ln>
+              <a:scene3d>
+                <a:camera prst="orthographicFront"/>
+                <a:lightRig rig="threePt" dir="t"/>
+              </a:scene3d>
+              <a:sp3d>
+                <a:bevelT w="152400" h="50800" prst="softRound"/>
+              </a:sp3d>
+            </p:spPr>
+            <p:style>
+              <a:lnRef idx="2">
+                <a:schemeClr val="accent1">
+                  <a:shade val="15000"/>
+                </a:schemeClr>
+              </a:lnRef>
+              <a:fillRef idx="1">
+                <a:schemeClr val="accent1"/>
+              </a:fillRef>
+              <a:effectRef idx="0">
+                <a:schemeClr val="accent1"/>
+              </a:effectRef>
+              <a:fontRef idx="minor">
+                <a:schemeClr val="lt1"/>
+              </a:fontRef>
+            </p:style>
+            <p:txBody>
+              <a:bodyPr numCol="1" spcCol="0" rtlCol="0" anchor="ctr"/>
+              <a:lstStyle/>
+              <a:p>
+                <a:r>
+                  <a:rPr lang="en-US" sz="1200" b="1" u="sng" dirty="0">
+                    <a:latin typeface="Aptos Serif" panose="02020604070405020304" pitchFamily="18" charset="0"/>
+                    <a:cs typeface="Aptos Serif" panose="02020604070405020304" pitchFamily="18" charset="0"/>
+                    <a:hlinkClick r:id="rId31"/>
+                  </a:rPr>
+                  <a:t>CumMaxVisitor</a:t>
+                </a:r>
+                <a:r>
+                  <a:rPr lang="en-US" sz="1200" b="1" u="sng" dirty="0">
+                    <a:latin typeface="Aptos Serif" panose="02020604070405020304" pitchFamily="18" charset="0"/>
+                    <a:cs typeface="Aptos Serif" panose="02020604070405020304" pitchFamily="18" charset="0"/>
+                    <a:hlinkClick r:id="rId28"/>
+                  </a:rPr>
+                  <a:t>&lt;...&gt;</a:t>
+                </a:r>
+                <a:r>
+                  <a:rPr lang="en-US" sz="1200" b="1" u="sng" dirty="0">
+                    <a:latin typeface="Aptos Serif" panose="02020604070405020304" pitchFamily="18" charset="0"/>
+                    <a:cs typeface="Aptos Serif" panose="02020604070405020304" pitchFamily="18" charset="0"/>
+                  </a:rPr>
+                  <a:t>    </a:t>
+                </a:r>
+                <a:r>
+                  <a:rPr lang="en-US" sz="1200" b="1" u="sng" dirty="0">
+                    <a:solidFill>
+                      <a:schemeClr val="tx1"/>
+                    </a:solidFill>
+                    <a:latin typeface="Aptos Serif" panose="02020604070405020304" pitchFamily="18" charset="0"/>
+                    <a:cs typeface="Aptos Serif" panose="02020604070405020304" pitchFamily="18" charset="0"/>
+                  </a:rPr>
+                  <a:t>cm</a:t>
+                </a:r>
+                <a:r>
+                  <a:rPr lang="en-US" sz="1200" b="1" dirty="0">
+                    <a:solidFill>
+                      <a:schemeClr val="tx1"/>
+                    </a:solidFill>
+                    <a:latin typeface="Aptos Serif" panose="02020604070405020304" pitchFamily="18" charset="0"/>
+                    <a:cs typeface="Aptos Serif" panose="02020604070405020304" pitchFamily="18" charset="0"/>
+                  </a:rPr>
+                  <a:t>visitor(…);</a:t>
+                </a:r>
+              </a:p>
+              <a:p>
+                <a:endParaRPr lang="en-US" sz="1200" b="1" dirty="0">
+                  <a:solidFill>
+                    <a:schemeClr val="tx1"/>
+                  </a:solidFill>
+                  <a:latin typeface="Aptos Serif" panose="02020604070405020304" pitchFamily="18" charset="0"/>
+                  <a:cs typeface="Aptos Serif" panose="02020604070405020304" pitchFamily="18" charset="0"/>
+                </a:endParaRPr>
+              </a:p>
+              <a:p>
+                <a:r>
+                  <a:rPr lang="en-US" sz="1200" b="1" dirty="0">
+                    <a:solidFill>
+                      <a:schemeClr val="tx1"/>
+                    </a:solidFill>
+                    <a:latin typeface="Aptos Serif" panose="02020604070405020304" pitchFamily="18" charset="0"/>
+                    <a:cs typeface="Aptos Serif" panose="02020604070405020304" pitchFamily="18" charset="0"/>
+                  </a:rPr>
+                  <a:t>df.single_act_visit&lt;…&gt;(…);</a:t>
+                </a:r>
+              </a:p>
+              <a:p>
+                <a:r>
+                  <a:rPr lang="en-US" sz="1200" b="1" dirty="0">
+                    <a:solidFill>
+                      <a:schemeClr val="tx1"/>
+                    </a:solidFill>
+                    <a:latin typeface="Aptos Serif" panose="02020604070405020304" pitchFamily="18" charset="0"/>
+                    <a:cs typeface="Aptos Serif" panose="02020604070405020304" pitchFamily="18" charset="0"/>
+                  </a:rPr>
+                  <a:t>std::cout &lt;&lt; cmvisitor.get_result();</a:t>
+                </a:r>
+              </a:p>
+            </p:txBody>
+          </p:sp>
+          <p:sp>
+            <p:nvSpPr>
+              <p:cNvPr id="34" name="Rectangle 33">
+                <a:extLst>
+                  <a:ext uri="{FF2B5EF4-FFF2-40B4-BE49-F238E27FC236}">
+                    <a16:creationId xmlns:a16="http://schemas.microsoft.com/office/drawing/2014/main" id="{8D139B24-CECA-75AE-58EA-DAC30F521D8D}"/>
+                  </a:ext>
+                </a:extLst>
+              </p:cNvPr>
+              <p:cNvSpPr/>
+              <p:nvPr/>
+            </p:nvSpPr>
+            <p:spPr>
+              <a:xfrm>
+                <a:off x="4928312" y="5662410"/>
+                <a:ext cx="2459865" cy="953036"/>
+              </a:xfrm>
+              <a:prstGeom prst="rect">
+                <a:avLst/>
+              </a:prstGeom>
+              <a:solidFill>
+                <a:schemeClr val="tx2">
+                  <a:lumMod val="10000"/>
+                  <a:lumOff val="90000"/>
+                </a:schemeClr>
+              </a:solidFill>
+              <a:ln>
+                <a:solidFill>
+                  <a:schemeClr val="tx1"/>
+                </a:solidFill>
+              </a:ln>
+              <a:scene3d>
+                <a:camera prst="orthographicFront"/>
+                <a:lightRig rig="threePt" dir="t"/>
+              </a:scene3d>
+              <a:sp3d>
+                <a:bevelT w="152400" h="50800" prst="softRound"/>
+              </a:sp3d>
+            </p:spPr>
+            <p:style>
+              <a:lnRef idx="2">
+                <a:schemeClr val="accent1">
+                  <a:shade val="15000"/>
+                </a:schemeClr>
+              </a:lnRef>
+              <a:fillRef idx="1">
+                <a:schemeClr val="accent1"/>
+              </a:fillRef>
+              <a:effectRef idx="0">
+                <a:schemeClr val="accent1"/>
+              </a:effectRef>
+              <a:fontRef idx="minor">
+                <a:schemeClr val="lt1"/>
+              </a:fontRef>
+            </p:style>
+            <p:txBody>
+              <a:bodyPr numCol="1" spcCol="0" rtlCol="0" anchor="ctr"/>
+              <a:lstStyle/>
+              <a:p>
+                <a:r>
+                  <a:rPr lang="en-US" sz="1200" b="1" u="sng" dirty="0">
+                    <a:latin typeface="Aptos Serif" panose="02020604070405020304" pitchFamily="18" charset="0"/>
+                    <a:cs typeface="Aptos Serif" panose="02020604070405020304" pitchFamily="18" charset="0"/>
+                    <a:hlinkClick r:id="rId32"/>
+                  </a:rPr>
+                  <a:t>QuantileVisitor</a:t>
+                </a:r>
+                <a:r>
+                  <a:rPr lang="en-US" sz="1200" b="1" u="sng" dirty="0">
+                    <a:latin typeface="Aptos Serif" panose="02020604070405020304" pitchFamily="18" charset="0"/>
+                    <a:cs typeface="Aptos Serif" panose="02020604070405020304" pitchFamily="18" charset="0"/>
+                    <a:hlinkClick r:id="rId29"/>
+                  </a:rPr>
+                  <a:t>&lt;...&gt;</a:t>
+                </a:r>
+                <a:r>
+                  <a:rPr lang="en-US" sz="1200" b="1" u="sng" dirty="0">
+                    <a:latin typeface="Aptos Serif" panose="02020604070405020304" pitchFamily="18" charset="0"/>
+                    <a:cs typeface="Aptos Serif" panose="02020604070405020304" pitchFamily="18" charset="0"/>
+                  </a:rPr>
+                  <a:t>    </a:t>
+                </a:r>
+                <a:r>
+                  <a:rPr lang="en-US" sz="1200" b="1" u="sng" dirty="0">
+                    <a:solidFill>
+                      <a:schemeClr val="tx1"/>
+                    </a:solidFill>
+                    <a:latin typeface="Aptos Serif" panose="02020604070405020304" pitchFamily="18" charset="0"/>
+                    <a:cs typeface="Aptos Serif" panose="02020604070405020304" pitchFamily="18" charset="0"/>
+                  </a:rPr>
+                  <a:t>q</a:t>
+                </a:r>
+                <a:r>
+                  <a:rPr lang="en-US" sz="1200" b="1" dirty="0">
+                    <a:solidFill>
+                      <a:schemeClr val="tx1"/>
+                    </a:solidFill>
+                    <a:latin typeface="Aptos Serif" panose="02020604070405020304" pitchFamily="18" charset="0"/>
+                    <a:cs typeface="Aptos Serif" panose="02020604070405020304" pitchFamily="18" charset="0"/>
+                  </a:rPr>
+                  <a:t>visitor(…);</a:t>
+                </a:r>
+              </a:p>
+              <a:p>
+                <a:endParaRPr lang="en-US" sz="1200" b="1" dirty="0">
+                  <a:solidFill>
+                    <a:schemeClr val="tx1"/>
+                  </a:solidFill>
+                  <a:latin typeface="Aptos Serif" panose="02020604070405020304" pitchFamily="18" charset="0"/>
+                  <a:cs typeface="Aptos Serif" panose="02020604070405020304" pitchFamily="18" charset="0"/>
+                </a:endParaRPr>
+              </a:p>
+              <a:p>
+                <a:r>
+                  <a:rPr lang="en-US" sz="1200" b="1" dirty="0">
+                    <a:solidFill>
+                      <a:schemeClr val="tx1"/>
+                    </a:solidFill>
+                    <a:latin typeface="Aptos Serif" panose="02020604070405020304" pitchFamily="18" charset="0"/>
+                    <a:cs typeface="Aptos Serif" panose="02020604070405020304" pitchFamily="18" charset="0"/>
+                  </a:rPr>
+                  <a:t>df.single_act_visit&lt;…&gt;(…);</a:t>
+                </a:r>
+              </a:p>
+              <a:p>
+                <a:r>
+                  <a:rPr lang="en-US" sz="1200" b="1" dirty="0">
+                    <a:solidFill>
+                      <a:schemeClr val="tx1"/>
+                    </a:solidFill>
+                    <a:latin typeface="Aptos Serif" panose="02020604070405020304" pitchFamily="18" charset="0"/>
+                    <a:cs typeface="Aptos Serif" panose="02020604070405020304" pitchFamily="18" charset="0"/>
+                  </a:rPr>
+                  <a:t>std::cout &lt;&lt; qvisitor.get_result();</a:t>
+                </a:r>
+              </a:p>
+            </p:txBody>
+          </p:sp>
+        </p:grpSp>
+      </p:grpSp>
+    </p:spTree>
+    <p:extLst>
+      <p:ext uri="{BB962C8B-B14F-4D97-AF65-F5344CB8AC3E}">
+        <p14:creationId xmlns:p14="http://schemas.microsoft.com/office/powerpoint/2010/main" val="3446940340"/>
+      </p:ext>
+    </p:extLst>
+  </p:cSld>
+  <p:clrMapOvr>
+    <a:masterClrMapping/>
+  </p:clrMapOvr>
+</p:sld>
+</file>
+
+<file path=ppt/slides/slide3.xml><?xml version="1.0" encoding="utf-8"?>
+<p:sld xmlns:a="http://schemas.openxmlformats.org/drawingml/2006/main" xmlns:r="http://schemas.openxmlformats.org/officeDocument/2006/relationships" xmlns:p="http://schemas.openxmlformats.org/presentationml/2006/main">
+  <p:cSld>
+    <p:spTree>
+      <p:nvGrpSpPr>
+        <p:cNvPr id="1" name=""/>
+        <p:cNvGrpSpPr/>
+        <p:nvPr/>
+      </p:nvGrpSpPr>
+      <p:grpSpPr>
+        <a:xfrm>
+          <a:off x="0" y="0"/>
+          <a:ext cx="0" cy="0"/>
+          <a:chOff x="0" y="0"/>
+          <a:chExt cx="0" cy="0"/>
+        </a:xfrm>
+      </p:grpSpPr>
+      <p:grpSp>
+        <p:nvGrpSpPr>
+          <p:cNvPr id="19" name="Group 18">
+            <a:extLst>
+              <a:ext uri="{FF2B5EF4-FFF2-40B4-BE49-F238E27FC236}">
+                <a16:creationId xmlns:a16="http://schemas.microsoft.com/office/drawing/2014/main" id="{B98E3A1C-8957-D2AE-1E23-B6D121D9B048}"/>
+              </a:ext>
+            </a:extLst>
+          </p:cNvPr>
+          <p:cNvGrpSpPr/>
+          <p:nvPr/>
+        </p:nvGrpSpPr>
+        <p:grpSpPr>
+          <a:xfrm>
+            <a:off x="139848" y="109522"/>
+            <a:ext cx="7428317" cy="3476234"/>
+            <a:chOff x="139848" y="109522"/>
+            <a:chExt cx="7428317" cy="3476234"/>
+          </a:xfrm>
+        </p:grpSpPr>
         <p:sp>
           <p:nvSpPr>
-            <p:cNvPr id="28" name="Rectangle 27">
+            <p:cNvPr id="5" name="Rectangle 4">
               <a:extLst>
                 <a:ext uri="{FF2B5EF4-FFF2-40B4-BE49-F238E27FC236}">
-                  <a16:creationId xmlns:a16="http://schemas.microsoft.com/office/drawing/2014/main" id="{54B11647-AD7D-9771-C504-18A807A7F7A0}"/>
+                  <a16:creationId xmlns:a16="http://schemas.microsoft.com/office/drawing/2014/main" id="{A0015B4F-019C-F6B5-21B1-1E7FF4470823}"/>
                 </a:ext>
               </a:extLst>
             </p:cNvPr>
@@ -10468,29 +11285,27 @@
           </p:nvSpPr>
           <p:spPr>
             <a:xfrm>
-              <a:off x="4930460" y="4698641"/>
-              <a:ext cx="2459865" cy="953036"/>
+              <a:off x="1239628" y="109522"/>
+              <a:ext cx="4787283" cy="372577"/>
             </a:xfrm>
             <a:prstGeom prst="rect">
               <a:avLst/>
             </a:prstGeom>
             <a:solidFill>
-              <a:schemeClr val="tx2">
-                <a:lumMod val="10000"/>
-                <a:lumOff val="90000"/>
+              <a:schemeClr val="accent1">
+                <a:lumMod val="40000"/>
+                <a:lumOff val="60000"/>
               </a:schemeClr>
             </a:solidFill>
             <a:ln>
-              <a:solidFill>
-                <a:schemeClr val="tx1"/>
-              </a:solidFill>
+              <a:noFill/>
             </a:ln>
             <a:scene3d>
               <a:camera prst="orthographicFront"/>
               <a:lightRig rig="threePt" dir="t"/>
             </a:scene3d>
             <a:sp3d>
-              <a:bevelT w="152400" h="50800" prst="softRound"/>
+              <a:bevelT/>
             </a:sp3d>
           </p:spPr>
           <p:style>
@@ -10510,77 +11325,1064 @@
             </a:fontRef>
           </p:style>
           <p:txBody>
-            <a:bodyPr numCol="1" spcCol="0" rtlCol="0" anchor="ctr"/>
+            <a:bodyPr rtlCol="0" anchor="ctr"/>
             <a:lstStyle/>
             <a:p>
-              <a:r>
-                <a:rPr lang="en-US" sz="1200" u="sng" dirty="0">
-                  <a:latin typeface="Aptos Serif" panose="02020604070405020304" pitchFamily="18" charset="0"/>
-                  <a:cs typeface="Aptos Serif" panose="02020604070405020304" pitchFamily="18" charset="0"/>
-                  <a:hlinkClick r:id="rId28"/>
-                </a:rPr>
-                <a:t>StdVisitor&lt;...&gt;</a:t>
-              </a:r>
-              <a:r>
-                <a:rPr lang="en-US" sz="1200" dirty="0">
-                  <a:effectLst/>
-                  <a:latin typeface="Aptos Serif" panose="02020604070405020304" pitchFamily="18" charset="0"/>
-                  <a:cs typeface="Aptos Serif" panose="02020604070405020304" pitchFamily="18" charset="0"/>
-                </a:rPr>
-                <a:t>   </a:t>
-              </a:r>
-              <a:r>
-                <a:rPr lang="en-US" sz="1200" dirty="0">
-                  <a:solidFill>
-                    <a:schemeClr val="tx1"/>
-                  </a:solidFill>
-                  <a:latin typeface="Aptos Serif" panose="02020604070405020304" pitchFamily="18" charset="0"/>
-                  <a:cs typeface="Aptos Serif" panose="02020604070405020304" pitchFamily="18" charset="0"/>
-                </a:rPr>
-                <a:t> svisitor;</a:t>
+              <a:pPr algn="ctr"/>
+              <a:r>
+                <a:rPr lang="en-US" sz="1400" b="1" dirty="0"/>
+                <a:t>Some of Artificial Intelligence  Analysis done on Columns</a:t>
               </a:r>
             </a:p>
-            <a:p>
-              <a:endParaRPr lang="en-US" sz="1200" dirty="0">
+          </p:txBody>
+        </p:sp>
+        <p:grpSp>
+          <p:nvGrpSpPr>
+            <p:cNvPr id="6" name="Group 5">
+              <a:extLst>
+                <a:ext uri="{FF2B5EF4-FFF2-40B4-BE49-F238E27FC236}">
+                  <a16:creationId xmlns:a16="http://schemas.microsoft.com/office/drawing/2014/main" id="{8651E254-2101-C02E-D5D3-2E588D42384C}"/>
+                </a:ext>
+              </a:extLst>
+            </p:cNvPr>
+            <p:cNvGrpSpPr/>
+            <p:nvPr/>
+          </p:nvGrpSpPr>
+          <p:grpSpPr>
+            <a:xfrm>
+              <a:off x="139848" y="522301"/>
+              <a:ext cx="3688147" cy="3063455"/>
+              <a:chOff x="4928312" y="3734873"/>
+              <a:chExt cx="2464161" cy="3063455"/>
+            </a:xfrm>
+          </p:grpSpPr>
+          <p:sp>
+            <p:nvSpPr>
+              <p:cNvPr id="11" name="Rectangle 10">
+                <a:extLst>
+                  <a:ext uri="{FF2B5EF4-FFF2-40B4-BE49-F238E27FC236}">
+                    <a16:creationId xmlns:a16="http://schemas.microsoft.com/office/drawing/2014/main" id="{33847AF4-FBEA-4414-A772-6A67455B7563}"/>
+                  </a:ext>
+                </a:extLst>
+              </p:cNvPr>
+              <p:cNvSpPr/>
+              <p:nvPr/>
+            </p:nvSpPr>
+            <p:spPr>
+              <a:xfrm>
+                <a:off x="4932608" y="3734873"/>
+                <a:ext cx="2459865" cy="953036"/>
+              </a:xfrm>
+              <a:prstGeom prst="rect">
+                <a:avLst/>
+              </a:prstGeom>
+              <a:solidFill>
+                <a:schemeClr val="tx2">
+                  <a:lumMod val="10000"/>
+                  <a:lumOff val="90000"/>
+                </a:schemeClr>
+              </a:solidFill>
+              <a:ln>
                 <a:solidFill>
                   <a:schemeClr val="tx1"/>
                 </a:solidFill>
-                <a:latin typeface="Aptos Serif" panose="02020604070405020304" pitchFamily="18" charset="0"/>
-                <a:cs typeface="Aptos Serif" panose="02020604070405020304" pitchFamily="18" charset="0"/>
-              </a:endParaRPr>
-            </a:p>
-            <a:p>
-              <a:r>
-                <a:rPr lang="en-US" sz="1200" dirty="0">
-                  <a:solidFill>
-                    <a:schemeClr val="tx1"/>
-                  </a:solidFill>
-                  <a:latin typeface="Aptos Serif" panose="02020604070405020304" pitchFamily="18" charset="0"/>
-                  <a:cs typeface="Aptos Serif" panose="02020604070405020304" pitchFamily="18" charset="0"/>
-                </a:rPr>
-                <a:t>df.single_act_visit&lt;…&gt;(…);</a:t>
-              </a:r>
-            </a:p>
-            <a:p>
-              <a:r>
-                <a:rPr lang="en-US" sz="1200" dirty="0">
-                  <a:solidFill>
-                    <a:schemeClr val="tx1"/>
-                  </a:solidFill>
-                  <a:latin typeface="Aptos Serif" panose="02020604070405020304" pitchFamily="18" charset="0"/>
-                  <a:cs typeface="Aptos Serif" panose="02020604070405020304" pitchFamily="18" charset="0"/>
-                </a:rPr>
-                <a:t>std::cout &lt;&lt; svisitor.get_result();</a:t>
-              </a:r>
-            </a:p>
-          </p:txBody>
-        </p:sp>
+              </a:ln>
+              <a:scene3d>
+                <a:camera prst="orthographicFront"/>
+                <a:lightRig rig="threePt" dir="t"/>
+              </a:scene3d>
+              <a:sp3d>
+                <a:bevelT w="152400" h="50800" prst="softRound"/>
+              </a:sp3d>
+            </p:spPr>
+            <p:style>
+              <a:lnRef idx="2">
+                <a:schemeClr val="accent1">
+                  <a:shade val="15000"/>
+                </a:schemeClr>
+              </a:lnRef>
+              <a:fillRef idx="1">
+                <a:schemeClr val="accent1"/>
+              </a:fillRef>
+              <a:effectRef idx="0">
+                <a:schemeClr val="accent1"/>
+              </a:effectRef>
+              <a:fontRef idx="minor">
+                <a:schemeClr val="lt1"/>
+              </a:fontRef>
+            </p:style>
+            <p:txBody>
+              <a:bodyPr numCol="1" spcCol="0" rtlCol="0" anchor="ctr"/>
+              <a:lstStyle/>
+              <a:p>
+                <a:r>
+                  <a:rPr lang="en-US" sz="1200" b="1" dirty="0">
+                    <a:solidFill>
+                      <a:schemeClr val="tx1"/>
+                    </a:solidFill>
+                    <a:latin typeface="Aptos Serif" panose="02020604070405020304" pitchFamily="18" charset="0"/>
+                    <a:cs typeface="Aptos Serif" panose="02020604070405020304" pitchFamily="18" charset="0"/>
+                    <a:hlinkClick r:id="rId3"/>
+                  </a:rPr>
+                  <a:t>EntropyVisitor</a:t>
+                </a:r>
+                <a:r>
+                  <a:rPr lang="en-US" sz="1200" b="1" dirty="0">
+                    <a:solidFill>
+                      <a:schemeClr val="tx1"/>
+                    </a:solidFill>
+                    <a:latin typeface="Aptos Serif" panose="02020604070405020304" pitchFamily="18" charset="0"/>
+                    <a:cs typeface="Aptos Serif" panose="02020604070405020304" pitchFamily="18" charset="0"/>
+                    <a:hlinkClick r:id="rId4"/>
+                  </a:rPr>
+                  <a:t>&lt;…&gt;</a:t>
+                </a:r>
+                <a:r>
+                  <a:rPr lang="en-US" sz="1200" b="1" dirty="0">
+                    <a:solidFill>
+                      <a:schemeClr val="tx1"/>
+                    </a:solidFill>
+                    <a:latin typeface="Aptos Serif" panose="02020604070405020304" pitchFamily="18" charset="0"/>
+                    <a:cs typeface="Aptos Serif" panose="02020604070405020304" pitchFamily="18" charset="0"/>
+                  </a:rPr>
+                  <a:t>   evisitor(…);</a:t>
+                </a:r>
+              </a:p>
+              <a:p>
+                <a:endParaRPr lang="en-US" sz="1200" b="1" dirty="0">
+                  <a:solidFill>
+                    <a:schemeClr val="tx1"/>
+                  </a:solidFill>
+                  <a:latin typeface="Aptos Serif" panose="02020604070405020304" pitchFamily="18" charset="0"/>
+                  <a:cs typeface="Aptos Serif" panose="02020604070405020304" pitchFamily="18" charset="0"/>
+                </a:endParaRPr>
+              </a:p>
+              <a:p>
+                <a:r>
+                  <a:rPr lang="en-US" sz="1200" b="1" dirty="0">
+                    <a:solidFill>
+                      <a:schemeClr val="tx1"/>
+                    </a:solidFill>
+                    <a:latin typeface="Aptos Serif" panose="02020604070405020304" pitchFamily="18" charset="0"/>
+                    <a:cs typeface="Aptos Serif" panose="02020604070405020304" pitchFamily="18" charset="0"/>
+                  </a:rPr>
+                  <a:t>df.single_act_visit&lt;…&gt;(…);</a:t>
+                </a:r>
+              </a:p>
+              <a:p>
+                <a:r>
+                  <a:rPr lang="en-US" sz="1200" b="1" dirty="0">
+                    <a:solidFill>
+                      <a:schemeClr val="tx1"/>
+                    </a:solidFill>
+                    <a:latin typeface="Aptos Serif" panose="02020604070405020304" pitchFamily="18" charset="0"/>
+                    <a:cs typeface="Aptos Serif" panose="02020604070405020304" pitchFamily="18" charset="0"/>
+                  </a:rPr>
+                  <a:t>std::cout &lt;&lt; evisitor.get_result()[0];</a:t>
+                </a:r>
+              </a:p>
+            </p:txBody>
+          </p:sp>
+          <p:sp>
+            <p:nvSpPr>
+              <p:cNvPr id="12" name="Rectangle 11">
+                <a:extLst>
+                  <a:ext uri="{FF2B5EF4-FFF2-40B4-BE49-F238E27FC236}">
+                    <a16:creationId xmlns:a16="http://schemas.microsoft.com/office/drawing/2014/main" id="{02FD3A25-FB16-0B18-AFAD-5A74B42CCA9E}"/>
+                  </a:ext>
+                </a:extLst>
+              </p:cNvPr>
+              <p:cNvSpPr/>
+              <p:nvPr/>
+            </p:nvSpPr>
+            <p:spPr>
+              <a:xfrm>
+                <a:off x="4930461" y="4698641"/>
+                <a:ext cx="2459865" cy="1131808"/>
+              </a:xfrm>
+              <a:prstGeom prst="rect">
+                <a:avLst/>
+              </a:prstGeom>
+              <a:solidFill>
+                <a:schemeClr val="tx2">
+                  <a:lumMod val="10000"/>
+                  <a:lumOff val="90000"/>
+                </a:schemeClr>
+              </a:solidFill>
+              <a:ln>
+                <a:solidFill>
+                  <a:schemeClr val="tx1"/>
+                </a:solidFill>
+              </a:ln>
+              <a:scene3d>
+                <a:camera prst="orthographicFront"/>
+                <a:lightRig rig="threePt" dir="t"/>
+              </a:scene3d>
+              <a:sp3d>
+                <a:bevelT w="152400" h="50800" prst="softRound"/>
+              </a:sp3d>
+            </p:spPr>
+            <p:style>
+              <a:lnRef idx="2">
+                <a:schemeClr val="accent1">
+                  <a:shade val="15000"/>
+                </a:schemeClr>
+              </a:lnRef>
+              <a:fillRef idx="1">
+                <a:schemeClr val="accent1"/>
+              </a:fillRef>
+              <a:effectRef idx="0">
+                <a:schemeClr val="accent1"/>
+              </a:effectRef>
+              <a:fontRef idx="minor">
+                <a:schemeClr val="lt1"/>
+              </a:fontRef>
+            </p:style>
+            <p:txBody>
+              <a:bodyPr numCol="1" spcCol="0" rtlCol="0" anchor="ctr"/>
+              <a:lstStyle/>
+              <a:p>
+                <a:r>
+                  <a:rPr lang="en-US" sz="1200" b="1" u="sng" dirty="0">
+                    <a:latin typeface="Aptos Serif" panose="02020604070405020304" pitchFamily="18" charset="0"/>
+                    <a:cs typeface="Aptos Serif" panose="02020604070405020304" pitchFamily="18" charset="0"/>
+                    <a:hlinkClick r:id="rId5"/>
+                  </a:rPr>
+                  <a:t>FastFourierTransVisitor</a:t>
+                </a:r>
+                <a:r>
+                  <a:rPr lang="en-US" sz="1200" b="1" u="sng" dirty="0">
+                    <a:latin typeface="Aptos Serif" panose="02020604070405020304" pitchFamily="18" charset="0"/>
+                    <a:cs typeface="Aptos Serif" panose="02020604070405020304" pitchFamily="18" charset="0"/>
+                    <a:hlinkClick r:id="rId6"/>
+                  </a:rPr>
+                  <a:t>&lt;...&gt;</a:t>
+                </a:r>
+                <a:r>
+                  <a:rPr lang="en-US" sz="1200" b="1" dirty="0">
+                    <a:effectLst/>
+                    <a:latin typeface="Aptos Serif" panose="02020604070405020304" pitchFamily="18" charset="0"/>
+                    <a:cs typeface="Aptos Serif" panose="02020604070405020304" pitchFamily="18" charset="0"/>
+                  </a:rPr>
+                  <a:t>   </a:t>
+                </a:r>
+                <a:r>
+                  <a:rPr lang="en-US" sz="1200" b="1" dirty="0">
+                    <a:solidFill>
+                      <a:schemeClr val="tx1"/>
+                    </a:solidFill>
+                    <a:latin typeface="Aptos Serif" panose="02020604070405020304" pitchFamily="18" charset="0"/>
+                    <a:cs typeface="Aptos Serif" panose="02020604070405020304" pitchFamily="18" charset="0"/>
+                  </a:rPr>
+                  <a:t> fftvisitor(…);</a:t>
+                </a:r>
+              </a:p>
+              <a:p>
+                <a:endParaRPr lang="en-US" sz="1200" b="1" dirty="0">
+                  <a:solidFill>
+                    <a:schemeClr val="tx1"/>
+                  </a:solidFill>
+                  <a:latin typeface="Aptos Serif" panose="02020604070405020304" pitchFamily="18" charset="0"/>
+                  <a:cs typeface="Aptos Serif" panose="02020604070405020304" pitchFamily="18" charset="0"/>
+                </a:endParaRPr>
+              </a:p>
+              <a:p>
+                <a:r>
+                  <a:rPr lang="en-US" sz="1200" b="1" dirty="0">
+                    <a:solidFill>
+                      <a:schemeClr val="tx1"/>
+                    </a:solidFill>
+                    <a:latin typeface="Aptos Serif" panose="02020604070405020304" pitchFamily="18" charset="0"/>
+                    <a:cs typeface="Aptos Serif" panose="02020604070405020304" pitchFamily="18" charset="0"/>
+                  </a:rPr>
+                  <a:t>df.single_act_visit&lt;…&gt;(…);</a:t>
+                </a:r>
+              </a:p>
+              <a:p>
+                <a:r>
+                  <a:rPr lang="en-US" sz="1200" b="1" dirty="0">
+                    <a:solidFill>
+                      <a:schemeClr val="tx1"/>
+                    </a:solidFill>
+                    <a:latin typeface="Aptos Serif" panose="02020604070405020304" pitchFamily="18" charset="0"/>
+                    <a:cs typeface="Aptos Serif" panose="02020604070405020304" pitchFamily="18" charset="0"/>
+                  </a:rPr>
+                  <a:t>std::cout &lt;&lt; fftvisitor.get_result()[0];</a:t>
+                </a:r>
+              </a:p>
+              <a:p>
+                <a:r>
+                  <a:rPr lang="en-US" sz="1200" b="1" dirty="0">
+                    <a:solidFill>
+                      <a:schemeClr val="tx1"/>
+                    </a:solidFill>
+                    <a:latin typeface="Aptos Serif" panose="02020604070405020304" pitchFamily="18" charset="0"/>
+                    <a:cs typeface="Aptos Serif" panose="02020604070405020304" pitchFamily="18" charset="0"/>
+                  </a:rPr>
+                  <a:t>…more</a:t>
+                </a:r>
+              </a:p>
+            </p:txBody>
+          </p:sp>
+          <p:sp>
+            <p:nvSpPr>
+              <p:cNvPr id="13" name="Rectangle 12">
+                <a:extLst>
+                  <a:ext uri="{FF2B5EF4-FFF2-40B4-BE49-F238E27FC236}">
+                    <a16:creationId xmlns:a16="http://schemas.microsoft.com/office/drawing/2014/main" id="{CAA74738-93F8-3004-2A2E-74E51D6E2235}"/>
+                  </a:ext>
+                </a:extLst>
+              </p:cNvPr>
+              <p:cNvSpPr/>
+              <p:nvPr/>
+            </p:nvSpPr>
+            <p:spPr>
+              <a:xfrm>
+                <a:off x="4928312" y="5845292"/>
+                <a:ext cx="2459865" cy="953036"/>
+              </a:xfrm>
+              <a:prstGeom prst="rect">
+                <a:avLst/>
+              </a:prstGeom>
+              <a:solidFill>
+                <a:schemeClr val="tx2">
+                  <a:lumMod val="10000"/>
+                  <a:lumOff val="90000"/>
+                </a:schemeClr>
+              </a:solidFill>
+              <a:ln>
+                <a:solidFill>
+                  <a:schemeClr val="tx1"/>
+                </a:solidFill>
+              </a:ln>
+              <a:scene3d>
+                <a:camera prst="orthographicFront"/>
+                <a:lightRig rig="threePt" dir="t"/>
+              </a:scene3d>
+              <a:sp3d>
+                <a:bevelT w="152400" h="50800" prst="softRound"/>
+              </a:sp3d>
+            </p:spPr>
+            <p:style>
+              <a:lnRef idx="2">
+                <a:schemeClr val="accent1">
+                  <a:shade val="15000"/>
+                </a:schemeClr>
+              </a:lnRef>
+              <a:fillRef idx="1">
+                <a:schemeClr val="accent1"/>
+              </a:fillRef>
+              <a:effectRef idx="0">
+                <a:schemeClr val="accent1"/>
+              </a:effectRef>
+              <a:fontRef idx="minor">
+                <a:schemeClr val="lt1"/>
+              </a:fontRef>
+            </p:style>
+            <p:txBody>
+              <a:bodyPr numCol="1" spcCol="0" rtlCol="0" anchor="ctr"/>
+              <a:lstStyle/>
+              <a:p>
+                <a:r>
+                  <a:rPr lang="en-US" sz="1200" b="1" u="sng" dirty="0">
+                    <a:latin typeface="Aptos Serif" panose="02020604070405020304" pitchFamily="18" charset="0"/>
+                    <a:cs typeface="Aptos Serif" panose="02020604070405020304" pitchFamily="18" charset="0"/>
+                    <a:hlinkClick r:id="rId7"/>
+                  </a:rPr>
+                  <a:t>PolicyLearningLossVisitor</a:t>
+                </a:r>
+                <a:r>
+                  <a:rPr lang="en-US" sz="1200" b="1" u="sng" dirty="0">
+                    <a:latin typeface="Aptos Serif" panose="02020604070405020304" pitchFamily="18" charset="0"/>
+                    <a:cs typeface="Aptos Serif" panose="02020604070405020304" pitchFamily="18" charset="0"/>
+                    <a:hlinkClick r:id="rId8"/>
+                  </a:rPr>
+                  <a:t>&lt;...&gt;</a:t>
+                </a:r>
+                <a:r>
+                  <a:rPr lang="en-US" sz="1200" b="1" dirty="0">
+                    <a:effectLst/>
+                    <a:latin typeface="Aptos Serif" panose="02020604070405020304" pitchFamily="18" charset="0"/>
+                    <a:cs typeface="Aptos Serif" panose="02020604070405020304" pitchFamily="18" charset="0"/>
+                  </a:rPr>
+                  <a:t>     </a:t>
+                </a:r>
+                <a:r>
+                  <a:rPr lang="en-US" sz="1200" b="1" dirty="0">
+                    <a:solidFill>
+                      <a:schemeClr val="tx1"/>
+                    </a:solidFill>
+                    <a:effectLst/>
+                    <a:latin typeface="Aptos Serif" panose="02020604070405020304" pitchFamily="18" charset="0"/>
+                    <a:cs typeface="Aptos Serif" panose="02020604070405020304" pitchFamily="18" charset="0"/>
+                  </a:rPr>
+                  <a:t>pll</a:t>
+                </a:r>
+                <a:r>
+                  <a:rPr lang="en-US" sz="1200" b="1" dirty="0">
+                    <a:solidFill>
+                      <a:schemeClr val="tx1"/>
+                    </a:solidFill>
+                    <a:latin typeface="Aptos Serif" panose="02020604070405020304" pitchFamily="18" charset="0"/>
+                    <a:cs typeface="Aptos Serif" panose="02020604070405020304" pitchFamily="18" charset="0"/>
+                  </a:rPr>
+                  <a:t>visitor(…);</a:t>
+                </a:r>
+              </a:p>
+              <a:p>
+                <a:endParaRPr lang="en-US" sz="1200" b="1" dirty="0">
+                  <a:solidFill>
+                    <a:schemeClr val="tx1"/>
+                  </a:solidFill>
+                  <a:latin typeface="Aptos Serif" panose="02020604070405020304" pitchFamily="18" charset="0"/>
+                  <a:cs typeface="Aptos Serif" panose="02020604070405020304" pitchFamily="18" charset="0"/>
+                </a:endParaRPr>
+              </a:p>
+              <a:p>
+                <a:r>
+                  <a:rPr lang="en-US" sz="1200" b="1" dirty="0">
+                    <a:solidFill>
+                      <a:schemeClr val="tx1"/>
+                    </a:solidFill>
+                    <a:latin typeface="Aptos Serif" panose="02020604070405020304" pitchFamily="18" charset="0"/>
+                    <a:cs typeface="Aptos Serif" panose="02020604070405020304" pitchFamily="18" charset="0"/>
+                  </a:rPr>
+                  <a:t>df.single_act_visit&lt;…&gt;(…);</a:t>
+                </a:r>
+              </a:p>
+              <a:p>
+                <a:r>
+                  <a:rPr lang="en-US" sz="1200" b="1" dirty="0">
+                    <a:solidFill>
+                      <a:schemeClr val="tx1"/>
+                    </a:solidFill>
+                    <a:latin typeface="Aptos Serif" panose="02020604070405020304" pitchFamily="18" charset="0"/>
+                    <a:cs typeface="Aptos Serif" panose="02020604070405020304" pitchFamily="18" charset="0"/>
+                  </a:rPr>
+                  <a:t>std::cout &lt;&lt; pllvisitor.get_result()[0];</a:t>
+                </a:r>
+              </a:p>
+            </p:txBody>
+          </p:sp>
+        </p:grpSp>
+        <p:grpSp>
+          <p:nvGrpSpPr>
+            <p:cNvPr id="7" name="Group 6">
+              <a:extLst>
+                <a:ext uri="{FF2B5EF4-FFF2-40B4-BE49-F238E27FC236}">
+                  <a16:creationId xmlns:a16="http://schemas.microsoft.com/office/drawing/2014/main" id="{9D32E07B-5C6F-C1F7-6FE7-49DF4FE88895}"/>
+                </a:ext>
+              </a:extLst>
+            </p:cNvPr>
+            <p:cNvGrpSpPr/>
+            <p:nvPr/>
+          </p:nvGrpSpPr>
+          <p:grpSpPr>
+            <a:xfrm>
+              <a:off x="3886448" y="522301"/>
+              <a:ext cx="3681717" cy="3059344"/>
+              <a:chOff x="4928312" y="3734873"/>
+              <a:chExt cx="2464161" cy="3059344"/>
+            </a:xfrm>
+          </p:grpSpPr>
+          <p:sp>
+            <p:nvSpPr>
+              <p:cNvPr id="8" name="Rectangle 7">
+                <a:extLst>
+                  <a:ext uri="{FF2B5EF4-FFF2-40B4-BE49-F238E27FC236}">
+                    <a16:creationId xmlns:a16="http://schemas.microsoft.com/office/drawing/2014/main" id="{E0A94141-263E-4379-F325-C1136D94293A}"/>
+                  </a:ext>
+                </a:extLst>
+              </p:cNvPr>
+              <p:cNvSpPr/>
+              <p:nvPr/>
+            </p:nvSpPr>
+            <p:spPr>
+              <a:xfrm>
+                <a:off x="4932608" y="3734873"/>
+                <a:ext cx="2459865" cy="953036"/>
+              </a:xfrm>
+              <a:prstGeom prst="rect">
+                <a:avLst/>
+              </a:prstGeom>
+              <a:solidFill>
+                <a:schemeClr val="tx2">
+                  <a:lumMod val="10000"/>
+                  <a:lumOff val="90000"/>
+                </a:schemeClr>
+              </a:solidFill>
+              <a:ln>
+                <a:solidFill>
+                  <a:schemeClr val="tx1"/>
+                </a:solidFill>
+              </a:ln>
+              <a:scene3d>
+                <a:camera prst="orthographicFront"/>
+                <a:lightRig rig="threePt" dir="t"/>
+              </a:scene3d>
+              <a:sp3d>
+                <a:bevelT w="152400" h="50800" prst="softRound"/>
+              </a:sp3d>
+            </p:spPr>
+            <p:style>
+              <a:lnRef idx="2">
+                <a:schemeClr val="accent1">
+                  <a:shade val="15000"/>
+                </a:schemeClr>
+              </a:lnRef>
+              <a:fillRef idx="1">
+                <a:schemeClr val="accent1"/>
+              </a:fillRef>
+              <a:effectRef idx="0">
+                <a:schemeClr val="accent1"/>
+              </a:effectRef>
+              <a:fontRef idx="minor">
+                <a:schemeClr val="lt1"/>
+              </a:fontRef>
+            </p:style>
+            <p:txBody>
+              <a:bodyPr numCol="1" spcCol="0" rtlCol="0" anchor="ctr"/>
+              <a:lstStyle/>
+              <a:p>
+                <a:r>
+                  <a:rPr lang="en-US" sz="1200" b="1" dirty="0">
+                    <a:solidFill>
+                      <a:schemeClr val="tx1"/>
+                    </a:solidFill>
+                    <a:latin typeface="Aptos Serif" panose="02020604070405020304" pitchFamily="18" charset="0"/>
+                    <a:cs typeface="Aptos Serif" panose="02020604070405020304" pitchFamily="18" charset="0"/>
+                    <a:hlinkClick r:id="rId9"/>
+                  </a:rPr>
+                  <a:t>SigmoidVisitor</a:t>
+                </a:r>
+                <a:r>
+                  <a:rPr lang="en-US" sz="1200" b="1" dirty="0">
+                    <a:solidFill>
+                      <a:schemeClr val="tx1"/>
+                    </a:solidFill>
+                    <a:latin typeface="Aptos Serif" panose="02020604070405020304" pitchFamily="18" charset="0"/>
+                    <a:cs typeface="Aptos Serif" panose="02020604070405020304" pitchFamily="18" charset="0"/>
+                    <a:hlinkClick r:id="rId10"/>
+                  </a:rPr>
+                  <a:t>&lt;…&gt;</a:t>
+                </a:r>
+                <a:r>
+                  <a:rPr lang="en-US" sz="1200" b="1" dirty="0">
+                    <a:solidFill>
+                      <a:schemeClr val="tx1"/>
+                    </a:solidFill>
+                    <a:latin typeface="Aptos Serif" panose="02020604070405020304" pitchFamily="18" charset="0"/>
+                    <a:cs typeface="Aptos Serif" panose="02020604070405020304" pitchFamily="18" charset="0"/>
+                  </a:rPr>
+                  <a:t>    svisitor(…);</a:t>
+                </a:r>
+              </a:p>
+              <a:p>
+                <a:endParaRPr lang="en-US" sz="1200" b="1" dirty="0">
+                  <a:solidFill>
+                    <a:schemeClr val="tx1"/>
+                  </a:solidFill>
+                  <a:latin typeface="Aptos Serif" panose="02020604070405020304" pitchFamily="18" charset="0"/>
+                  <a:cs typeface="Aptos Serif" panose="02020604070405020304" pitchFamily="18" charset="0"/>
+                </a:endParaRPr>
+              </a:p>
+              <a:p>
+                <a:r>
+                  <a:rPr lang="en-US" sz="1200" b="1" dirty="0">
+                    <a:solidFill>
+                      <a:schemeClr val="tx1"/>
+                    </a:solidFill>
+                    <a:latin typeface="Aptos Serif" panose="02020604070405020304" pitchFamily="18" charset="0"/>
+                    <a:cs typeface="Aptos Serif" panose="02020604070405020304" pitchFamily="18" charset="0"/>
+                  </a:rPr>
+                  <a:t>df.single_act_visit&lt;…&gt;(…);</a:t>
+                </a:r>
+              </a:p>
+              <a:p>
+                <a:r>
+                  <a:rPr lang="en-US" sz="1200" b="1" dirty="0">
+                    <a:solidFill>
+                      <a:schemeClr val="tx1"/>
+                    </a:solidFill>
+                    <a:latin typeface="Aptos Serif" panose="02020604070405020304" pitchFamily="18" charset="0"/>
+                    <a:cs typeface="Aptos Serif" panose="02020604070405020304" pitchFamily="18" charset="0"/>
+                  </a:rPr>
+                  <a:t>std::cout &lt;&lt; svisitor.get_result()[0];</a:t>
+                </a:r>
+              </a:p>
+            </p:txBody>
+          </p:sp>
+          <p:sp>
+            <p:nvSpPr>
+              <p:cNvPr id="9" name="Rectangle 8">
+                <a:extLst>
+                  <a:ext uri="{FF2B5EF4-FFF2-40B4-BE49-F238E27FC236}">
+                    <a16:creationId xmlns:a16="http://schemas.microsoft.com/office/drawing/2014/main" id="{78223983-5A6F-5EC8-1ACC-1F3EAA323D8E}"/>
+                  </a:ext>
+                </a:extLst>
+              </p:cNvPr>
+              <p:cNvSpPr/>
+              <p:nvPr/>
+            </p:nvSpPr>
+            <p:spPr>
+              <a:xfrm>
+                <a:off x="4930460" y="4698641"/>
+                <a:ext cx="2459865" cy="953036"/>
+              </a:xfrm>
+              <a:prstGeom prst="rect">
+                <a:avLst/>
+              </a:prstGeom>
+              <a:solidFill>
+                <a:schemeClr val="tx2">
+                  <a:lumMod val="10000"/>
+                  <a:lumOff val="90000"/>
+                </a:schemeClr>
+              </a:solidFill>
+              <a:ln>
+                <a:solidFill>
+                  <a:schemeClr val="tx1"/>
+                </a:solidFill>
+              </a:ln>
+              <a:scene3d>
+                <a:camera prst="orthographicFront"/>
+                <a:lightRig rig="threePt" dir="t"/>
+              </a:scene3d>
+              <a:sp3d>
+                <a:bevelT w="152400" h="50800" prst="softRound"/>
+              </a:sp3d>
+            </p:spPr>
+            <p:style>
+              <a:lnRef idx="2">
+                <a:schemeClr val="accent1">
+                  <a:shade val="15000"/>
+                </a:schemeClr>
+              </a:lnRef>
+              <a:fillRef idx="1">
+                <a:schemeClr val="accent1"/>
+              </a:fillRef>
+              <a:effectRef idx="0">
+                <a:schemeClr val="accent1"/>
+              </a:effectRef>
+              <a:fontRef idx="minor">
+                <a:schemeClr val="lt1"/>
+              </a:fontRef>
+            </p:style>
+            <p:txBody>
+              <a:bodyPr numCol="1" spcCol="0" rtlCol="0" anchor="ctr"/>
+              <a:lstStyle/>
+              <a:p>
+                <a:r>
+                  <a:rPr lang="en-US" sz="1200" b="1" u="sng" dirty="0">
+                    <a:latin typeface="Aptos Serif" panose="02020604070405020304" pitchFamily="18" charset="0"/>
+                    <a:cs typeface="Aptos Serif" panose="02020604070405020304" pitchFamily="18" charset="0"/>
+                    <a:hlinkClick r:id="rId11"/>
+                  </a:rPr>
+                  <a:t>AnomalyDetectByIQRVisitor</a:t>
+                </a:r>
+                <a:r>
+                  <a:rPr lang="en-US" sz="1200" b="1" u="sng" dirty="0">
+                    <a:latin typeface="Aptos Serif" panose="02020604070405020304" pitchFamily="18" charset="0"/>
+                    <a:cs typeface="Aptos Serif" panose="02020604070405020304" pitchFamily="18" charset="0"/>
+                    <a:hlinkClick r:id="rId6"/>
+                  </a:rPr>
+                  <a:t>&lt;...&gt;</a:t>
+                </a:r>
+                <a:r>
+                  <a:rPr lang="en-US" sz="1200" b="1" u="sng" dirty="0">
+                    <a:latin typeface="Aptos Serif" panose="02020604070405020304" pitchFamily="18" charset="0"/>
+                    <a:cs typeface="Aptos Serif" panose="02020604070405020304" pitchFamily="18" charset="0"/>
+                  </a:rPr>
+                  <a:t>    </a:t>
+                </a:r>
+                <a:r>
+                  <a:rPr lang="en-US" sz="1200" b="1" u="sng" dirty="0">
+                    <a:solidFill>
+                      <a:schemeClr val="tx1"/>
+                    </a:solidFill>
+                    <a:latin typeface="Aptos Serif" panose="02020604070405020304" pitchFamily="18" charset="0"/>
+                    <a:cs typeface="Aptos Serif" panose="02020604070405020304" pitchFamily="18" charset="0"/>
+                  </a:rPr>
+                  <a:t>iqr</a:t>
+                </a:r>
+                <a:r>
+                  <a:rPr lang="en-US" sz="1200" b="1" dirty="0">
+                    <a:solidFill>
+                      <a:schemeClr val="tx1"/>
+                    </a:solidFill>
+                    <a:latin typeface="Aptos Serif" panose="02020604070405020304" pitchFamily="18" charset="0"/>
+                    <a:cs typeface="Aptos Serif" panose="02020604070405020304" pitchFamily="18" charset="0"/>
+                  </a:rPr>
+                  <a:t>visitor(…);</a:t>
+                </a:r>
+              </a:p>
+              <a:p>
+                <a:endParaRPr lang="en-US" sz="1200" b="1" dirty="0">
+                  <a:solidFill>
+                    <a:schemeClr val="tx1"/>
+                  </a:solidFill>
+                  <a:latin typeface="Aptos Serif" panose="02020604070405020304" pitchFamily="18" charset="0"/>
+                  <a:cs typeface="Aptos Serif" panose="02020604070405020304" pitchFamily="18" charset="0"/>
+                </a:endParaRPr>
+              </a:p>
+              <a:p>
+                <a:r>
+                  <a:rPr lang="en-US" sz="1200" b="1" dirty="0">
+                    <a:solidFill>
+                      <a:schemeClr val="tx1"/>
+                    </a:solidFill>
+                    <a:latin typeface="Aptos Serif" panose="02020604070405020304" pitchFamily="18" charset="0"/>
+                    <a:cs typeface="Aptos Serif" panose="02020604070405020304" pitchFamily="18" charset="0"/>
+                  </a:rPr>
+                  <a:t>df.single_act_visit&lt;…&gt;(…);</a:t>
+                </a:r>
+              </a:p>
+              <a:p>
+                <a:r>
+                  <a:rPr lang="en-US" sz="1200" b="1" dirty="0">
+                    <a:solidFill>
+                      <a:schemeClr val="tx1"/>
+                    </a:solidFill>
+                    <a:latin typeface="Aptos Serif" panose="02020604070405020304" pitchFamily="18" charset="0"/>
+                    <a:cs typeface="Aptos Serif" panose="02020604070405020304" pitchFamily="18" charset="0"/>
+                  </a:rPr>
+                  <a:t>std::cout &lt;&lt; iqrvisitor.get_result()[0];</a:t>
+                </a:r>
+              </a:p>
+            </p:txBody>
+          </p:sp>
+          <p:sp>
+            <p:nvSpPr>
+              <p:cNvPr id="10" name="Rectangle 9">
+                <a:extLst>
+                  <a:ext uri="{FF2B5EF4-FFF2-40B4-BE49-F238E27FC236}">
+                    <a16:creationId xmlns:a16="http://schemas.microsoft.com/office/drawing/2014/main" id="{FE06B427-B082-95B7-9495-2730C77F36C2}"/>
+                  </a:ext>
+                </a:extLst>
+              </p:cNvPr>
+              <p:cNvSpPr/>
+              <p:nvPr/>
+            </p:nvSpPr>
+            <p:spPr>
+              <a:xfrm>
+                <a:off x="4928312" y="5662409"/>
+                <a:ext cx="2459865" cy="1131808"/>
+              </a:xfrm>
+              <a:prstGeom prst="rect">
+                <a:avLst/>
+              </a:prstGeom>
+              <a:solidFill>
+                <a:schemeClr val="tx2">
+                  <a:lumMod val="10000"/>
+                  <a:lumOff val="90000"/>
+                </a:schemeClr>
+              </a:solidFill>
+              <a:ln>
+                <a:solidFill>
+                  <a:schemeClr val="tx1"/>
+                </a:solidFill>
+              </a:ln>
+              <a:scene3d>
+                <a:camera prst="orthographicFront"/>
+                <a:lightRig rig="threePt" dir="t"/>
+              </a:scene3d>
+              <a:sp3d>
+                <a:bevelT w="152400" h="50800" prst="softRound"/>
+              </a:sp3d>
+            </p:spPr>
+            <p:style>
+              <a:lnRef idx="2">
+                <a:schemeClr val="accent1">
+                  <a:shade val="15000"/>
+                </a:schemeClr>
+              </a:lnRef>
+              <a:fillRef idx="1">
+                <a:schemeClr val="accent1"/>
+              </a:fillRef>
+              <a:effectRef idx="0">
+                <a:schemeClr val="accent1"/>
+              </a:effectRef>
+              <a:fontRef idx="minor">
+                <a:schemeClr val="lt1"/>
+              </a:fontRef>
+            </p:style>
+            <p:txBody>
+              <a:bodyPr numCol="1" spcCol="0" rtlCol="0" anchor="ctr"/>
+              <a:lstStyle/>
+              <a:p>
+                <a:r>
+                  <a:rPr lang="en-US" sz="1200" b="1" u="sng" dirty="0">
+                    <a:latin typeface="Aptos Serif" panose="02020604070405020304" pitchFamily="18" charset="0"/>
+                    <a:cs typeface="Aptos Serif" panose="02020604070405020304" pitchFamily="18" charset="0"/>
+                    <a:hlinkClick r:id="rId12"/>
+                  </a:rPr>
+                  <a:t>SpectralClusteringVisitor</a:t>
+                </a:r>
+                <a:r>
+                  <a:rPr lang="en-US" sz="1200" b="1" u="sng" dirty="0">
+                    <a:latin typeface="Aptos Serif" panose="02020604070405020304" pitchFamily="18" charset="0"/>
+                    <a:cs typeface="Aptos Serif" panose="02020604070405020304" pitchFamily="18" charset="0"/>
+                    <a:hlinkClick r:id="rId8"/>
+                  </a:rPr>
+                  <a:t>&lt;...&gt;</a:t>
+                </a:r>
+                <a:r>
+                  <a:rPr lang="en-US" sz="1200" b="1" u="sng" dirty="0">
+                    <a:latin typeface="Aptos Serif" panose="02020604070405020304" pitchFamily="18" charset="0"/>
+                    <a:cs typeface="Aptos Serif" panose="02020604070405020304" pitchFamily="18" charset="0"/>
+                  </a:rPr>
+                  <a:t>    </a:t>
+                </a:r>
+                <a:r>
+                  <a:rPr lang="en-US" sz="1200" b="1" u="sng" dirty="0">
+                    <a:solidFill>
+                      <a:schemeClr val="tx1"/>
+                    </a:solidFill>
+                    <a:latin typeface="Aptos Serif" panose="02020604070405020304" pitchFamily="18" charset="0"/>
+                    <a:cs typeface="Aptos Serif" panose="02020604070405020304" pitchFamily="18" charset="0"/>
+                  </a:rPr>
+                  <a:t>sc</a:t>
+                </a:r>
+                <a:r>
+                  <a:rPr lang="en-US" sz="1200" b="1" dirty="0">
+                    <a:solidFill>
+                      <a:schemeClr val="tx1"/>
+                    </a:solidFill>
+                    <a:latin typeface="Aptos Serif" panose="02020604070405020304" pitchFamily="18" charset="0"/>
+                    <a:cs typeface="Aptos Serif" panose="02020604070405020304" pitchFamily="18" charset="0"/>
+                  </a:rPr>
+                  <a:t>visitor(…);</a:t>
+                </a:r>
+              </a:p>
+              <a:p>
+                <a:endParaRPr lang="en-US" sz="1200" b="1" dirty="0">
+                  <a:solidFill>
+                    <a:schemeClr val="tx1"/>
+                  </a:solidFill>
+                  <a:latin typeface="Aptos Serif" panose="02020604070405020304" pitchFamily="18" charset="0"/>
+                  <a:cs typeface="Aptos Serif" panose="02020604070405020304" pitchFamily="18" charset="0"/>
+                </a:endParaRPr>
+              </a:p>
+              <a:p>
+                <a:r>
+                  <a:rPr lang="en-US" sz="1200" b="1" dirty="0">
+                    <a:solidFill>
+                      <a:schemeClr val="tx1"/>
+                    </a:solidFill>
+                    <a:latin typeface="Aptos Serif" panose="02020604070405020304" pitchFamily="18" charset="0"/>
+                    <a:cs typeface="Aptos Serif" panose="02020604070405020304" pitchFamily="18" charset="0"/>
+                  </a:rPr>
+                  <a:t>df.single_act_visit&lt;…&gt;(…);</a:t>
+                </a:r>
+              </a:p>
+              <a:p>
+                <a:r>
+                  <a:rPr lang="en-US" sz="1200" b="1" dirty="0">
+                    <a:solidFill>
+                      <a:schemeClr val="tx1"/>
+                    </a:solidFill>
+                    <a:latin typeface="Aptos Serif" panose="02020604070405020304" pitchFamily="18" charset="0"/>
+                    <a:cs typeface="Aptos Serif" panose="02020604070405020304" pitchFamily="18" charset="0"/>
+                  </a:rPr>
+                  <a:t>std::cout &lt;&lt; scvisitor.get_result()[0];</a:t>
+                </a:r>
+              </a:p>
+              <a:p>
+                <a:r>
+                  <a:rPr lang="en-US" sz="1200" b="1" dirty="0">
+                    <a:solidFill>
+                      <a:schemeClr val="tx1"/>
+                    </a:solidFill>
+                    <a:latin typeface="Aptos Serif" panose="02020604070405020304" pitchFamily="18" charset="0"/>
+                    <a:cs typeface="Aptos Serif" panose="02020604070405020304" pitchFamily="18" charset="0"/>
+                  </a:rPr>
+                  <a:t>… more</a:t>
+                </a:r>
+              </a:p>
+            </p:txBody>
+          </p:sp>
+        </p:grpSp>
+      </p:grpSp>
+      <p:sp>
+        <p:nvSpPr>
+          <p:cNvPr id="14" name="TextBox 13">
+            <a:extLst>
+              <a:ext uri="{FF2B5EF4-FFF2-40B4-BE49-F238E27FC236}">
+                <a16:creationId xmlns:a16="http://schemas.microsoft.com/office/drawing/2014/main" id="{428C4C21-60F5-A2FC-5D04-47045E913BEA}"/>
+              </a:ext>
+            </a:extLst>
+          </p:cNvPr>
+          <p:cNvSpPr txBox="1"/>
+          <p:nvPr/>
+        </p:nvSpPr>
+        <p:spPr>
+          <a:xfrm>
+            <a:off x="111287" y="5721534"/>
+            <a:ext cx="3716129" cy="954107"/>
+          </a:xfrm>
+          <a:prstGeom prst="rect">
+            <a:avLst/>
+          </a:prstGeom>
+          <a:noFill/>
+        </p:spPr>
+        <p:txBody>
+          <a:bodyPr wrap="square" rtlCol="0">
+            <a:spAutoFit/>
+          </a:bodyPr>
+          <a:lstStyle/>
+          <a:p>
+            <a:r>
+              <a:rPr lang="en-US" sz="2800" b="1" dirty="0">
+                <a:solidFill>
+                  <a:schemeClr val="accent2">
+                    <a:lumMod val="75000"/>
+                  </a:schemeClr>
+                </a:solidFill>
+                <a:latin typeface="American Typewriter Condensed" panose="02090606020004020304" pitchFamily="18" charset="77"/>
+              </a:rPr>
+              <a:t>Full Documentation with Code Samples are </a:t>
+            </a:r>
+            <a:r>
+              <a:rPr lang="en-US" sz="2800" b="1" dirty="0">
+                <a:solidFill>
+                  <a:schemeClr val="accent2">
+                    <a:lumMod val="75000"/>
+                  </a:schemeClr>
+                </a:solidFill>
+                <a:latin typeface="American Typewriter Condensed" panose="02090606020004020304" pitchFamily="18" charset="77"/>
+                <a:hlinkClick r:id="rId13"/>
+              </a:rPr>
+              <a:t>Here</a:t>
+            </a:r>
+            <a:endParaRPr lang="en-US" sz="2800" b="1" dirty="0">
+              <a:solidFill>
+                <a:schemeClr val="accent2">
+                  <a:lumMod val="75000"/>
+                </a:schemeClr>
+              </a:solidFill>
+              <a:latin typeface="American Typewriter Condensed" panose="02090606020004020304" pitchFamily="18" charset="77"/>
+            </a:endParaRPr>
+          </a:p>
+        </p:txBody>
+      </p:sp>
+      <p:pic>
+        <p:nvPicPr>
+          <p:cNvPr id="17" name="Picture 16" descr="A close up of a lion&#10;&#10;AI-generated content may be incorrect.">
+            <a:hlinkClick r:id="rId14"/>
+            <a:extLst>
+              <a:ext uri="{FF2B5EF4-FFF2-40B4-BE49-F238E27FC236}">
+                <a16:creationId xmlns:a16="http://schemas.microsoft.com/office/drawing/2014/main" id="{D9081641-76BC-9044-C0A8-432C3C665EEE}"/>
+              </a:ext>
+            </a:extLst>
+          </p:cNvPr>
+          <p:cNvPicPr>
+            <a:picLocks noChangeAspect="1"/>
+          </p:cNvPicPr>
+          <p:nvPr/>
+        </p:nvPicPr>
+        <p:blipFill>
+          <a:blip r:embed="rId15"/>
+          <a:stretch>
+            <a:fillRect/>
+          </a:stretch>
+        </p:blipFill>
+        <p:spPr>
+          <a:xfrm>
+            <a:off x="9483634" y="109522"/>
+            <a:ext cx="2568518" cy="2568518"/>
+          </a:xfrm>
+          <a:prstGeom prst="rect">
+            <a:avLst/>
+          </a:prstGeom>
+        </p:spPr>
+      </p:pic>
+      <p:sp>
+        <p:nvSpPr>
+          <p:cNvPr id="18" name="TextBox 17">
+            <a:extLst>
+              <a:ext uri="{FF2B5EF4-FFF2-40B4-BE49-F238E27FC236}">
+                <a16:creationId xmlns:a16="http://schemas.microsoft.com/office/drawing/2014/main" id="{7D2B9645-3BB7-4C0D-6190-80D4832CAC4E}"/>
+              </a:ext>
+            </a:extLst>
+          </p:cNvPr>
+          <p:cNvSpPr txBox="1"/>
+          <p:nvPr/>
+        </p:nvSpPr>
+        <p:spPr>
+          <a:xfrm>
+            <a:off x="106931" y="5050973"/>
+            <a:ext cx="3716129" cy="523220"/>
+          </a:xfrm>
+          <a:prstGeom prst="rect">
+            <a:avLst/>
+          </a:prstGeom>
+          <a:noFill/>
+        </p:spPr>
+        <p:txBody>
+          <a:bodyPr wrap="square" rtlCol="0">
+            <a:spAutoFit/>
+          </a:bodyPr>
+          <a:lstStyle/>
+          <a:p>
+            <a:r>
+              <a:rPr lang="en-US" sz="2800" b="1" dirty="0">
+                <a:solidFill>
+                  <a:schemeClr val="accent2">
+                    <a:lumMod val="75000"/>
+                  </a:schemeClr>
+                </a:solidFill>
+                <a:latin typeface="American Typewriter Condensed" panose="02090606020004020304" pitchFamily="18" charset="77"/>
+              </a:rPr>
+              <a:t>Hello World is </a:t>
+            </a:r>
+            <a:r>
+              <a:rPr lang="en-US" sz="2800" b="1" dirty="0">
+                <a:solidFill>
+                  <a:schemeClr val="accent2">
+                    <a:lumMod val="75000"/>
+                  </a:schemeClr>
+                </a:solidFill>
+                <a:latin typeface="American Typewriter Condensed" panose="02090606020004020304" pitchFamily="18" charset="77"/>
+                <a:hlinkClick r:id="rId16"/>
+              </a:rPr>
+              <a:t>Here</a:t>
+            </a:r>
+            <a:endParaRPr lang="en-US" sz="2800" b="1" dirty="0">
+              <a:solidFill>
+                <a:schemeClr val="accent2">
+                  <a:lumMod val="75000"/>
+                </a:schemeClr>
+              </a:solidFill>
+              <a:latin typeface="American Typewriter Condensed" panose="02090606020004020304" pitchFamily="18" charset="77"/>
+            </a:endParaRPr>
+          </a:p>
+        </p:txBody>
+      </p:sp>
+      <p:grpSp>
+        <p:nvGrpSpPr>
+          <p:cNvPr id="33" name="Group 32">
+            <a:extLst>
+              <a:ext uri="{FF2B5EF4-FFF2-40B4-BE49-F238E27FC236}">
+                <a16:creationId xmlns:a16="http://schemas.microsoft.com/office/drawing/2014/main" id="{B58E2B6C-4BC2-A1E8-E856-4C3557A6B70C}"/>
+              </a:ext>
+            </a:extLst>
+          </p:cNvPr>
+          <p:cNvGrpSpPr/>
+          <p:nvPr/>
+        </p:nvGrpSpPr>
+        <p:grpSpPr>
+          <a:xfrm>
+            <a:off x="4084317" y="3318640"/>
+            <a:ext cx="7777346" cy="3476234"/>
+            <a:chOff x="4084317" y="3318640"/>
+            <a:chExt cx="7777346" cy="3476234"/>
+          </a:xfrm>
+        </p:grpSpPr>
         <p:sp>
           <p:nvSpPr>
-            <p:cNvPr id="29" name="Rectangle 28">
+            <p:cNvPr id="21" name="Rectangle 20">
               <a:extLst>
                 <a:ext uri="{FF2B5EF4-FFF2-40B4-BE49-F238E27FC236}">
-                  <a16:creationId xmlns:a16="http://schemas.microsoft.com/office/drawing/2014/main" id="{50177864-0A2B-4105-61E4-F63332484FDA}"/>
+                  <a16:creationId xmlns:a16="http://schemas.microsoft.com/office/drawing/2014/main" id="{F1592005-DFCB-52E7-5E0F-3249B994577B}"/>
                 </a:ext>
               </a:extLst>
             </p:cNvPr>
@@ -10589,29 +12391,27 @@
           </p:nvSpPr>
           <p:spPr>
             <a:xfrm>
-              <a:off x="4928312" y="5662410"/>
-              <a:ext cx="2459865" cy="953036"/>
+              <a:off x="7824650" y="3318640"/>
+              <a:ext cx="4037013" cy="372577"/>
             </a:xfrm>
             <a:prstGeom prst="rect">
               <a:avLst/>
             </a:prstGeom>
             <a:solidFill>
-              <a:schemeClr val="tx2">
-                <a:lumMod val="10000"/>
-                <a:lumOff val="90000"/>
+              <a:schemeClr val="accent1">
+                <a:lumMod val="40000"/>
+                <a:lumOff val="60000"/>
               </a:schemeClr>
             </a:solidFill>
             <a:ln>
-              <a:solidFill>
-                <a:schemeClr val="tx1"/>
-              </a:solidFill>
+              <a:noFill/>
             </a:ln>
             <a:scene3d>
               <a:camera prst="orthographicFront"/>
               <a:lightRig rig="threePt" dir="t"/>
             </a:scene3d>
             <a:sp3d>
-              <a:bevelT w="152400" h="50800" prst="softRound"/>
+              <a:bevelT/>
             </a:sp3d>
           </p:spPr>
           <p:style>
@@ -10631,834 +12431,864 @@
             </a:fontRef>
           </p:style>
           <p:txBody>
-            <a:bodyPr numCol="1" spcCol="0" rtlCol="0" anchor="ctr"/>
+            <a:bodyPr rtlCol="0" anchor="ctr"/>
             <a:lstStyle/>
             <a:p>
-              <a:r>
-                <a:rPr lang="en-US" sz="1200" u="sng" dirty="0">
-                  <a:latin typeface="Aptos Serif" panose="02020604070405020304" pitchFamily="18" charset="0"/>
-                  <a:cs typeface="Aptos Serif" panose="02020604070405020304" pitchFamily="18" charset="0"/>
-                  <a:hlinkClick r:id="rId29"/>
-                </a:rPr>
-                <a:t>MeadianVisitor&lt;...&gt;</a:t>
-              </a:r>
-              <a:r>
-                <a:rPr lang="en-US" sz="1200" dirty="0">
-                  <a:effectLst/>
-                  <a:latin typeface="Aptos Serif" panose="02020604070405020304" pitchFamily="18" charset="0"/>
-                  <a:cs typeface="Aptos Serif" panose="02020604070405020304" pitchFamily="18" charset="0"/>
-                </a:rPr>
-                <a:t>    </a:t>
-              </a:r>
-              <a:r>
-                <a:rPr lang="en-US" sz="1200" dirty="0">
-                  <a:solidFill>
-                    <a:schemeClr val="tx1"/>
-                  </a:solidFill>
-                  <a:latin typeface="Aptos Serif" panose="02020604070405020304" pitchFamily="18" charset="0"/>
-                  <a:cs typeface="Aptos Serif" panose="02020604070405020304" pitchFamily="18" charset="0"/>
-                </a:rPr>
-                <a:t> mvisitor;</a:t>
+              <a:pPr algn="ctr"/>
+              <a:r>
+                <a:rPr lang="en-US" sz="1400" b="1" dirty="0"/>
+                <a:t>Some of Financial Indicators done on Columns</a:t>
               </a:r>
             </a:p>
-            <a:p>
-              <a:endParaRPr lang="en-US" sz="1200" dirty="0">
+          </p:txBody>
+        </p:sp>
+        <p:grpSp>
+          <p:nvGrpSpPr>
+            <p:cNvPr id="32" name="Group 31">
+              <a:extLst>
+                <a:ext uri="{FF2B5EF4-FFF2-40B4-BE49-F238E27FC236}">
+                  <a16:creationId xmlns:a16="http://schemas.microsoft.com/office/drawing/2014/main" id="{A224D948-147F-7DDA-A5CF-788AB343DE60}"/>
+                </a:ext>
+              </a:extLst>
+            </p:cNvPr>
+            <p:cNvGrpSpPr/>
+            <p:nvPr/>
+          </p:nvGrpSpPr>
+          <p:grpSpPr>
+            <a:xfrm>
+              <a:off x="4084317" y="3731419"/>
+              <a:ext cx="4037013" cy="3063455"/>
+              <a:chOff x="4084317" y="3731419"/>
+              <a:chExt cx="4037013" cy="3063455"/>
+            </a:xfrm>
+          </p:grpSpPr>
+          <p:sp>
+            <p:nvSpPr>
+              <p:cNvPr id="27" name="Rectangle 26">
+                <a:extLst>
+                  <a:ext uri="{FF2B5EF4-FFF2-40B4-BE49-F238E27FC236}">
+                    <a16:creationId xmlns:a16="http://schemas.microsoft.com/office/drawing/2014/main" id="{99856B02-1BCE-E42F-815E-83EB224D6EC8}"/>
+                  </a:ext>
+                </a:extLst>
+              </p:cNvPr>
+              <p:cNvSpPr/>
+              <p:nvPr/>
+            </p:nvSpPr>
+            <p:spPr>
+              <a:xfrm>
+                <a:off x="4091355" y="3731419"/>
+                <a:ext cx="4029975" cy="1131808"/>
+              </a:xfrm>
+              <a:prstGeom prst="rect">
+                <a:avLst/>
+              </a:prstGeom>
+              <a:solidFill>
+                <a:schemeClr val="tx2">
+                  <a:lumMod val="10000"/>
+                  <a:lumOff val="90000"/>
+                </a:schemeClr>
+              </a:solidFill>
+              <a:ln>
                 <a:solidFill>
                   <a:schemeClr val="tx1"/>
                 </a:solidFill>
-                <a:latin typeface="Aptos Serif" panose="02020604070405020304" pitchFamily="18" charset="0"/>
-                <a:cs typeface="Aptos Serif" panose="02020604070405020304" pitchFamily="18" charset="0"/>
-              </a:endParaRPr>
-            </a:p>
-            <a:p>
-              <a:r>
-                <a:rPr lang="en-US" sz="1200" dirty="0">
-                  <a:solidFill>
-                    <a:schemeClr val="tx1"/>
-                  </a:solidFill>
-                  <a:latin typeface="Aptos Serif" panose="02020604070405020304" pitchFamily="18" charset="0"/>
-                  <a:cs typeface="Aptos Serif" panose="02020604070405020304" pitchFamily="18" charset="0"/>
-                </a:rPr>
-                <a:t>df.single_act_visit&lt;…&gt;(…);</a:t>
-              </a:r>
-            </a:p>
-            <a:p>
-              <a:r>
-                <a:rPr lang="en-US" sz="1200" dirty="0">
-                  <a:solidFill>
-                    <a:schemeClr val="tx1"/>
-                  </a:solidFill>
-                  <a:latin typeface="Aptos Serif" panose="02020604070405020304" pitchFamily="18" charset="0"/>
-                  <a:cs typeface="Aptos Serif" panose="02020604070405020304" pitchFamily="18" charset="0"/>
-                </a:rPr>
-                <a:t>std::cout &lt;&lt; mvisitor.get_result();</a:t>
-              </a:r>
-            </a:p>
-          </p:txBody>
-        </p:sp>
-      </p:grpSp>
-      <p:grpSp>
-        <p:nvGrpSpPr>
-          <p:cNvPr id="31" name="Group 30">
-            <a:extLst>
-              <a:ext uri="{FF2B5EF4-FFF2-40B4-BE49-F238E27FC236}">
-                <a16:creationId xmlns:a16="http://schemas.microsoft.com/office/drawing/2014/main" id="{57E8A443-2D5F-3185-B09C-A6FC1BAEBA47}"/>
-              </a:ext>
-            </a:extLst>
-          </p:cNvPr>
-          <p:cNvGrpSpPr/>
-          <p:nvPr/>
-        </p:nvGrpSpPr>
-        <p:grpSpPr>
-          <a:xfrm>
-            <a:off x="6986785" y="3732725"/>
-            <a:ext cx="2464161" cy="2880573"/>
-            <a:chOff x="4928312" y="3734873"/>
-            <a:chExt cx="2464161" cy="2880573"/>
-          </a:xfrm>
-        </p:grpSpPr>
-        <p:sp>
-          <p:nvSpPr>
-            <p:cNvPr id="32" name="Rectangle 31">
+              </a:ln>
+              <a:scene3d>
+                <a:camera prst="orthographicFront"/>
+                <a:lightRig rig="threePt" dir="t"/>
+              </a:scene3d>
+              <a:sp3d>
+                <a:bevelT w="152400" h="50800" prst="softRound"/>
+              </a:sp3d>
+            </p:spPr>
+            <p:style>
+              <a:lnRef idx="2">
+                <a:schemeClr val="accent1">
+                  <a:shade val="15000"/>
+                </a:schemeClr>
+              </a:lnRef>
+              <a:fillRef idx="1">
+                <a:schemeClr val="accent1"/>
+              </a:fillRef>
+              <a:effectRef idx="0">
+                <a:schemeClr val="accent1"/>
+              </a:effectRef>
+              <a:fontRef idx="minor">
+                <a:schemeClr val="lt1"/>
+              </a:fontRef>
+            </p:style>
+            <p:txBody>
+              <a:bodyPr numCol="1" spcCol="0" rtlCol="0" anchor="ctr"/>
+              <a:lstStyle/>
+              <a:p>
+                <a:r>
+                  <a:rPr lang="en-US" sz="1200" b="1" dirty="0">
+                    <a:solidFill>
+                      <a:schemeClr val="tx1"/>
+                    </a:solidFill>
+                    <a:latin typeface="Aptos Serif" panose="02020604070405020304" pitchFamily="18" charset="0"/>
+                    <a:cs typeface="Aptos Serif" panose="02020604070405020304" pitchFamily="18" charset="0"/>
+                    <a:hlinkClick r:id="rId17"/>
+                  </a:rPr>
+                  <a:t>BollingerBand</a:t>
+                </a:r>
+                <a:r>
+                  <a:rPr lang="en-US" sz="1200" b="1" dirty="0">
+                    <a:solidFill>
+                      <a:schemeClr val="tx1"/>
+                    </a:solidFill>
+                    <a:latin typeface="Aptos Serif" panose="02020604070405020304" pitchFamily="18" charset="0"/>
+                    <a:cs typeface="Aptos Serif" panose="02020604070405020304" pitchFamily="18" charset="0"/>
+                    <a:hlinkClick r:id="rId4"/>
+                  </a:rPr>
+                  <a:t>&lt;…&gt;</a:t>
+                </a:r>
+                <a:r>
+                  <a:rPr lang="en-US" sz="1200" b="1" dirty="0">
+                    <a:solidFill>
+                      <a:schemeClr val="tx1"/>
+                    </a:solidFill>
+                    <a:latin typeface="Aptos Serif" panose="02020604070405020304" pitchFamily="18" charset="0"/>
+                    <a:cs typeface="Aptos Serif" panose="02020604070405020304" pitchFamily="18" charset="0"/>
+                  </a:rPr>
+                  <a:t>   bbvisitor(…);</a:t>
+                </a:r>
+              </a:p>
+              <a:p>
+                <a:endParaRPr lang="en-US" sz="1200" b="1" dirty="0">
+                  <a:solidFill>
+                    <a:schemeClr val="tx1"/>
+                  </a:solidFill>
+                  <a:latin typeface="Aptos Serif" panose="02020604070405020304" pitchFamily="18" charset="0"/>
+                  <a:cs typeface="Aptos Serif" panose="02020604070405020304" pitchFamily="18" charset="0"/>
+                </a:endParaRPr>
+              </a:p>
+              <a:p>
+                <a:r>
+                  <a:rPr lang="en-US" sz="1200" b="1" dirty="0">
+                    <a:solidFill>
+                      <a:schemeClr val="tx1"/>
+                    </a:solidFill>
+                    <a:latin typeface="Aptos Serif" panose="02020604070405020304" pitchFamily="18" charset="0"/>
+                    <a:cs typeface="Aptos Serif" panose="02020604070405020304" pitchFamily="18" charset="0"/>
+                  </a:rPr>
+                  <a:t>df.single_act_visit&lt;…&gt;(…);</a:t>
+                </a:r>
+              </a:p>
+              <a:p>
+                <a:r>
+                  <a:rPr lang="en-US" sz="1200" b="1" dirty="0">
+                    <a:solidFill>
+                      <a:schemeClr val="tx1"/>
+                    </a:solidFill>
+                    <a:latin typeface="Aptos Serif" panose="02020604070405020304" pitchFamily="18" charset="0"/>
+                    <a:cs typeface="Aptos Serif" panose="02020604070405020304" pitchFamily="18" charset="0"/>
+                  </a:rPr>
+                  <a:t>std::cout &lt;&lt; bbvisitor.get_upper_band_to_raw()[0];</a:t>
+                </a:r>
+              </a:p>
+              <a:p>
+                <a:r>
+                  <a:rPr lang="en-US" sz="1200" b="1" dirty="0">
+                    <a:solidFill>
+                      <a:schemeClr val="tx1"/>
+                    </a:solidFill>
+                    <a:latin typeface="Aptos Serif" panose="02020604070405020304" pitchFamily="18" charset="0"/>
+                    <a:cs typeface="Aptos Serif" panose="02020604070405020304" pitchFamily="18" charset="0"/>
+                  </a:rPr>
+                  <a:t>… more</a:t>
+                </a:r>
+              </a:p>
+            </p:txBody>
+          </p:sp>
+          <p:sp>
+            <p:nvSpPr>
+              <p:cNvPr id="28" name="Rectangle 27">
+                <a:extLst>
+                  <a:ext uri="{FF2B5EF4-FFF2-40B4-BE49-F238E27FC236}">
+                    <a16:creationId xmlns:a16="http://schemas.microsoft.com/office/drawing/2014/main" id="{70A75CAE-A4A1-840A-2599-405AA8DAD94F}"/>
+                  </a:ext>
+                </a:extLst>
+              </p:cNvPr>
+              <p:cNvSpPr/>
+              <p:nvPr/>
+            </p:nvSpPr>
+            <p:spPr>
+              <a:xfrm>
+                <a:off x="4087838" y="4878069"/>
+                <a:ext cx="4029975" cy="953036"/>
+              </a:xfrm>
+              <a:prstGeom prst="rect">
+                <a:avLst/>
+              </a:prstGeom>
+              <a:solidFill>
+                <a:schemeClr val="tx2">
+                  <a:lumMod val="10000"/>
+                  <a:lumOff val="90000"/>
+                </a:schemeClr>
+              </a:solidFill>
+              <a:ln>
+                <a:solidFill>
+                  <a:schemeClr val="tx1"/>
+                </a:solidFill>
+              </a:ln>
+              <a:scene3d>
+                <a:camera prst="orthographicFront"/>
+                <a:lightRig rig="threePt" dir="t"/>
+              </a:scene3d>
+              <a:sp3d>
+                <a:bevelT w="152400" h="50800" prst="softRound"/>
+              </a:sp3d>
+            </p:spPr>
+            <p:style>
+              <a:lnRef idx="2">
+                <a:schemeClr val="accent1">
+                  <a:shade val="15000"/>
+                </a:schemeClr>
+              </a:lnRef>
+              <a:fillRef idx="1">
+                <a:schemeClr val="accent1"/>
+              </a:fillRef>
+              <a:effectRef idx="0">
+                <a:schemeClr val="accent1"/>
+              </a:effectRef>
+              <a:fontRef idx="minor">
+                <a:schemeClr val="lt1"/>
+              </a:fontRef>
+            </p:style>
+            <p:txBody>
+              <a:bodyPr numCol="1" spcCol="0" rtlCol="0" anchor="ctr"/>
+              <a:lstStyle/>
+              <a:p>
+                <a:r>
+                  <a:rPr lang="en-US" sz="1200" b="1" u="sng" dirty="0">
+                    <a:latin typeface="Aptos Serif" panose="02020604070405020304" pitchFamily="18" charset="0"/>
+                    <a:cs typeface="Aptos Serif" panose="02020604070405020304" pitchFamily="18" charset="0"/>
+                    <a:hlinkClick r:id="rId18"/>
+                  </a:rPr>
+                  <a:t>HurstExponentVisitor</a:t>
+                </a:r>
+                <a:r>
+                  <a:rPr lang="en-US" sz="1200" b="1" u="sng" dirty="0">
+                    <a:latin typeface="Aptos Serif" panose="02020604070405020304" pitchFamily="18" charset="0"/>
+                    <a:cs typeface="Aptos Serif" panose="02020604070405020304" pitchFamily="18" charset="0"/>
+                    <a:hlinkClick r:id="rId6"/>
+                  </a:rPr>
+                  <a:t>&lt;...&gt;</a:t>
+                </a:r>
+                <a:r>
+                  <a:rPr lang="en-US" sz="1200" b="1" dirty="0">
+                    <a:effectLst/>
+                    <a:latin typeface="Aptos Serif" panose="02020604070405020304" pitchFamily="18" charset="0"/>
+                    <a:cs typeface="Aptos Serif" panose="02020604070405020304" pitchFamily="18" charset="0"/>
+                  </a:rPr>
+                  <a:t>   </a:t>
+                </a:r>
+                <a:r>
+                  <a:rPr lang="en-US" sz="1200" b="1" dirty="0">
+                    <a:solidFill>
+                      <a:schemeClr val="tx1"/>
+                    </a:solidFill>
+                    <a:latin typeface="Aptos Serif" panose="02020604070405020304" pitchFamily="18" charset="0"/>
+                    <a:cs typeface="Aptos Serif" panose="02020604070405020304" pitchFamily="18" charset="0"/>
+                  </a:rPr>
+                  <a:t> hevisitor(…);</a:t>
+                </a:r>
+              </a:p>
+              <a:p>
+                <a:endParaRPr lang="en-US" sz="1200" b="1" dirty="0">
+                  <a:solidFill>
+                    <a:schemeClr val="tx1"/>
+                  </a:solidFill>
+                  <a:latin typeface="Aptos Serif" panose="02020604070405020304" pitchFamily="18" charset="0"/>
+                  <a:cs typeface="Aptos Serif" panose="02020604070405020304" pitchFamily="18" charset="0"/>
+                </a:endParaRPr>
+              </a:p>
+              <a:p>
+                <a:r>
+                  <a:rPr lang="en-US" sz="1200" b="1" dirty="0">
+                    <a:solidFill>
+                      <a:schemeClr val="tx1"/>
+                    </a:solidFill>
+                    <a:latin typeface="Aptos Serif" panose="02020604070405020304" pitchFamily="18" charset="0"/>
+                    <a:cs typeface="Aptos Serif" panose="02020604070405020304" pitchFamily="18" charset="0"/>
+                  </a:rPr>
+                  <a:t>df.single_act_visit&lt;…&gt;(…);</a:t>
+                </a:r>
+              </a:p>
+              <a:p>
+                <a:r>
+                  <a:rPr lang="en-US" sz="1200" b="1" dirty="0">
+                    <a:solidFill>
+                      <a:schemeClr val="tx1"/>
+                    </a:solidFill>
+                    <a:latin typeface="Aptos Serif" panose="02020604070405020304" pitchFamily="18" charset="0"/>
+                    <a:cs typeface="Aptos Serif" panose="02020604070405020304" pitchFamily="18" charset="0"/>
+                  </a:rPr>
+                  <a:t>std::cout &lt;&lt; hevisitor.get_result();</a:t>
+                </a:r>
+              </a:p>
+            </p:txBody>
+          </p:sp>
+          <p:sp>
+            <p:nvSpPr>
+              <p:cNvPr id="29" name="Rectangle 28">
+                <a:extLst>
+                  <a:ext uri="{FF2B5EF4-FFF2-40B4-BE49-F238E27FC236}">
+                    <a16:creationId xmlns:a16="http://schemas.microsoft.com/office/drawing/2014/main" id="{D8FD952E-0DA2-D8AC-9D72-53B5C2E1A1A5}"/>
+                  </a:ext>
+                </a:extLst>
+              </p:cNvPr>
+              <p:cNvSpPr/>
+              <p:nvPr/>
+            </p:nvSpPr>
+            <p:spPr>
+              <a:xfrm>
+                <a:off x="4084317" y="5841838"/>
+                <a:ext cx="4029975" cy="953036"/>
+              </a:xfrm>
+              <a:prstGeom prst="rect">
+                <a:avLst/>
+              </a:prstGeom>
+              <a:solidFill>
+                <a:schemeClr val="tx2">
+                  <a:lumMod val="10000"/>
+                  <a:lumOff val="90000"/>
+                </a:schemeClr>
+              </a:solidFill>
+              <a:ln>
+                <a:solidFill>
+                  <a:schemeClr val="tx1"/>
+                </a:solidFill>
+              </a:ln>
+              <a:scene3d>
+                <a:camera prst="orthographicFront"/>
+                <a:lightRig rig="threePt" dir="t"/>
+              </a:scene3d>
+              <a:sp3d>
+                <a:bevelT w="152400" h="50800" prst="softRound"/>
+              </a:sp3d>
+            </p:spPr>
+            <p:style>
+              <a:lnRef idx="2">
+                <a:schemeClr val="accent1">
+                  <a:shade val="15000"/>
+                </a:schemeClr>
+              </a:lnRef>
+              <a:fillRef idx="1">
+                <a:schemeClr val="accent1"/>
+              </a:fillRef>
+              <a:effectRef idx="0">
+                <a:schemeClr val="accent1"/>
+              </a:effectRef>
+              <a:fontRef idx="minor">
+                <a:schemeClr val="lt1"/>
+              </a:fontRef>
+            </p:style>
+            <p:txBody>
+              <a:bodyPr numCol="1" spcCol="0" rtlCol="0" anchor="ctr"/>
+              <a:lstStyle/>
+              <a:p>
+                <a:r>
+                  <a:rPr lang="en-US" sz="1200" b="1" u="sng" dirty="0">
+                    <a:latin typeface="Aptos Serif" panose="02020604070405020304" pitchFamily="18" charset="0"/>
+                    <a:cs typeface="Aptos Serif" panose="02020604070405020304" pitchFamily="18" charset="0"/>
+                    <a:hlinkClick r:id="rId19"/>
+                  </a:rPr>
+                  <a:t>SharpeRatioVisitor</a:t>
+                </a:r>
+                <a:r>
+                  <a:rPr lang="en-US" sz="1200" b="1" u="sng" dirty="0">
+                    <a:latin typeface="Aptos Serif" panose="02020604070405020304" pitchFamily="18" charset="0"/>
+                    <a:cs typeface="Aptos Serif" panose="02020604070405020304" pitchFamily="18" charset="0"/>
+                    <a:hlinkClick r:id="rId8"/>
+                  </a:rPr>
+                  <a:t>&lt;...&gt;</a:t>
+                </a:r>
+                <a:r>
+                  <a:rPr lang="en-US" sz="1200" b="1" dirty="0">
+                    <a:effectLst/>
+                    <a:latin typeface="Aptos Serif" panose="02020604070405020304" pitchFamily="18" charset="0"/>
+                    <a:cs typeface="Aptos Serif" panose="02020604070405020304" pitchFamily="18" charset="0"/>
+                  </a:rPr>
+                  <a:t>     </a:t>
+                </a:r>
+                <a:r>
+                  <a:rPr lang="en-US" sz="1200" b="1" dirty="0">
+                    <a:solidFill>
+                      <a:schemeClr val="tx1"/>
+                    </a:solidFill>
+                    <a:latin typeface="Aptos Serif" panose="02020604070405020304" pitchFamily="18" charset="0"/>
+                    <a:cs typeface="Aptos Serif" panose="02020604070405020304" pitchFamily="18" charset="0"/>
+                  </a:rPr>
+                  <a:t>srvisitor(…);</a:t>
+                </a:r>
+              </a:p>
+              <a:p>
+                <a:endParaRPr lang="en-US" sz="1200" b="1" dirty="0">
+                  <a:solidFill>
+                    <a:schemeClr val="tx1"/>
+                  </a:solidFill>
+                  <a:latin typeface="Aptos Serif" panose="02020604070405020304" pitchFamily="18" charset="0"/>
+                  <a:cs typeface="Aptos Serif" panose="02020604070405020304" pitchFamily="18" charset="0"/>
+                </a:endParaRPr>
+              </a:p>
+              <a:p>
+                <a:r>
+                  <a:rPr lang="en-US" sz="1200" b="1" dirty="0">
+                    <a:solidFill>
+                      <a:schemeClr val="tx1"/>
+                    </a:solidFill>
+                    <a:latin typeface="Aptos Serif" panose="02020604070405020304" pitchFamily="18" charset="0"/>
+                    <a:cs typeface="Aptos Serif" panose="02020604070405020304" pitchFamily="18" charset="0"/>
+                  </a:rPr>
+                  <a:t>df.single_act_visit&lt;…&gt;(…);</a:t>
+                </a:r>
+              </a:p>
+              <a:p>
+                <a:r>
+                  <a:rPr lang="en-US" sz="1200" b="1" dirty="0">
+                    <a:solidFill>
+                      <a:schemeClr val="tx1"/>
+                    </a:solidFill>
+                    <a:latin typeface="Aptos Serif" panose="02020604070405020304" pitchFamily="18" charset="0"/>
+                    <a:cs typeface="Aptos Serif" panose="02020604070405020304" pitchFamily="18" charset="0"/>
+                  </a:rPr>
+                  <a:t>std::cout &lt;&lt; srvisitor.get_result();</a:t>
+                </a:r>
+              </a:p>
+            </p:txBody>
+          </p:sp>
+        </p:grpSp>
+        <p:grpSp>
+          <p:nvGrpSpPr>
+            <p:cNvPr id="31" name="Group 30">
               <a:extLst>
                 <a:ext uri="{FF2B5EF4-FFF2-40B4-BE49-F238E27FC236}">
-                  <a16:creationId xmlns:a16="http://schemas.microsoft.com/office/drawing/2014/main" id="{23B6EA1E-D8C4-539B-68B1-8E4DA0B8E7B5}"/>
+                  <a16:creationId xmlns:a16="http://schemas.microsoft.com/office/drawing/2014/main" id="{CB836AE1-9F49-C7B0-FF64-35CB0E1301CF}"/>
                 </a:ext>
               </a:extLst>
             </p:cNvPr>
-            <p:cNvSpPr/>
+            <p:cNvGrpSpPr/>
             <p:nvPr/>
-          </p:nvSpPr>
-          <p:spPr>
+          </p:nvGrpSpPr>
+          <p:grpSpPr>
             <a:xfrm>
-              <a:off x="4932608" y="3734873"/>
-              <a:ext cx="2459865" cy="953036"/>
+              <a:off x="8179783" y="3731418"/>
+              <a:ext cx="3681717" cy="3063455"/>
+              <a:chOff x="8179783" y="3731419"/>
+              <a:chExt cx="3681717" cy="2880572"/>
             </a:xfrm>
-            <a:prstGeom prst="rect">
-              <a:avLst/>
-            </a:prstGeom>
-            <a:solidFill>
-              <a:schemeClr val="tx2">
-                <a:lumMod val="10000"/>
-                <a:lumOff val="90000"/>
-              </a:schemeClr>
-            </a:solidFill>
-            <a:ln>
+          </p:grpSpPr>
+          <p:sp>
+            <p:nvSpPr>
+              <p:cNvPr id="24" name="Rectangle 23">
+                <a:extLst>
+                  <a:ext uri="{FF2B5EF4-FFF2-40B4-BE49-F238E27FC236}">
+                    <a16:creationId xmlns:a16="http://schemas.microsoft.com/office/drawing/2014/main" id="{518AFE11-6BE7-6CC0-3F55-3E1FB535A82A}"/>
+                  </a:ext>
+                </a:extLst>
+              </p:cNvPr>
+              <p:cNvSpPr/>
+              <p:nvPr/>
+            </p:nvSpPr>
+            <p:spPr>
+              <a:xfrm>
+                <a:off x="8186202" y="3731419"/>
+                <a:ext cx="3675298" cy="953036"/>
+              </a:xfrm>
+              <a:prstGeom prst="rect">
+                <a:avLst/>
+              </a:prstGeom>
               <a:solidFill>
-                <a:schemeClr val="tx1"/>
+                <a:schemeClr val="tx2">
+                  <a:lumMod val="10000"/>
+                  <a:lumOff val="90000"/>
+                </a:schemeClr>
               </a:solidFill>
-            </a:ln>
-            <a:scene3d>
-              <a:camera prst="orthographicFront"/>
-              <a:lightRig rig="threePt" dir="t"/>
-            </a:scene3d>
-            <a:sp3d>
-              <a:bevelT w="152400" h="50800" prst="softRound"/>
-            </a:sp3d>
-          </p:spPr>
-          <p:style>
-            <a:lnRef idx="2">
-              <a:schemeClr val="accent1">
-                <a:shade val="15000"/>
-              </a:schemeClr>
-            </a:lnRef>
-            <a:fillRef idx="1">
-              <a:schemeClr val="accent1"/>
-            </a:fillRef>
-            <a:effectRef idx="0">
-              <a:schemeClr val="accent1"/>
-            </a:effectRef>
-            <a:fontRef idx="minor">
-              <a:schemeClr val="lt1"/>
-            </a:fontRef>
-          </p:style>
-          <p:txBody>
-            <a:bodyPr numCol="1" spcCol="0" rtlCol="0" anchor="ctr"/>
-            <a:lstStyle/>
-            <a:p>
-              <a:r>
-                <a:rPr lang="en-US" sz="1200" dirty="0">
-                  <a:solidFill>
-                    <a:schemeClr val="tx1"/>
-                  </a:solidFill>
-                  <a:latin typeface="Aptos Serif" panose="02020604070405020304" pitchFamily="18" charset="0"/>
-                  <a:cs typeface="Aptos Serif" panose="02020604070405020304" pitchFamily="18" charset="0"/>
-                  <a:hlinkClick r:id="rId27"/>
-                </a:rPr>
-                <a:t>MeanVisitor&lt;…&gt;</a:t>
-              </a:r>
-              <a:r>
-                <a:rPr lang="en-US" sz="1200" dirty="0">
-                  <a:solidFill>
-                    <a:schemeClr val="tx1"/>
-                  </a:solidFill>
-                  <a:latin typeface="Aptos Serif" panose="02020604070405020304" pitchFamily="18" charset="0"/>
-                  <a:cs typeface="Aptos Serif" panose="02020604070405020304" pitchFamily="18" charset="0"/>
-                </a:rPr>
-                <a:t>   mvisitor;</a:t>
-              </a:r>
-            </a:p>
-            <a:p>
-              <a:endParaRPr lang="en-US" sz="1200" dirty="0">
+              <a:ln>
                 <a:solidFill>
                   <a:schemeClr val="tx1"/>
                 </a:solidFill>
-                <a:latin typeface="Aptos Serif" panose="02020604070405020304" pitchFamily="18" charset="0"/>
-                <a:cs typeface="Aptos Serif" panose="02020604070405020304" pitchFamily="18" charset="0"/>
-              </a:endParaRPr>
-            </a:p>
-            <a:p>
-              <a:r>
-                <a:rPr lang="en-US" sz="1200" dirty="0">
-                  <a:solidFill>
-                    <a:schemeClr val="tx1"/>
-                  </a:solidFill>
-                  <a:latin typeface="Aptos Serif" panose="02020604070405020304" pitchFamily="18" charset="0"/>
-                  <a:cs typeface="Aptos Serif" panose="02020604070405020304" pitchFamily="18" charset="0"/>
-                </a:rPr>
-                <a:t>df.single_act_visit&lt;…&gt;(…);</a:t>
-              </a:r>
-            </a:p>
-            <a:p>
-              <a:r>
-                <a:rPr lang="en-US" sz="1200" dirty="0">
-                  <a:solidFill>
-                    <a:schemeClr val="tx1"/>
-                  </a:solidFill>
-                  <a:latin typeface="Aptos Serif" panose="02020604070405020304" pitchFamily="18" charset="0"/>
-                  <a:cs typeface="Aptos Serif" panose="02020604070405020304" pitchFamily="18" charset="0"/>
-                </a:rPr>
-                <a:t>std::cout &lt;&lt; mvisitor.get_result();</a:t>
-              </a:r>
-            </a:p>
-          </p:txBody>
-        </p:sp>
-        <p:sp>
-          <p:nvSpPr>
-            <p:cNvPr id="33" name="Rectangle 32">
-              <a:extLst>
-                <a:ext uri="{FF2B5EF4-FFF2-40B4-BE49-F238E27FC236}">
-                  <a16:creationId xmlns:a16="http://schemas.microsoft.com/office/drawing/2014/main" id="{A55C6A94-E54C-F939-3198-025ED70ED12D}"/>
-                </a:ext>
-              </a:extLst>
-            </p:cNvPr>
-            <p:cNvSpPr/>
-            <p:nvPr/>
-          </p:nvSpPr>
-          <p:spPr>
-            <a:xfrm>
-              <a:off x="4930460" y="4698641"/>
-              <a:ext cx="2459865" cy="953036"/>
-            </a:xfrm>
-            <a:prstGeom prst="rect">
-              <a:avLst/>
-            </a:prstGeom>
-            <a:solidFill>
-              <a:schemeClr val="tx2">
-                <a:lumMod val="10000"/>
-                <a:lumOff val="90000"/>
-              </a:schemeClr>
-            </a:solidFill>
-            <a:ln>
+              </a:ln>
+              <a:scene3d>
+                <a:camera prst="orthographicFront"/>
+                <a:lightRig rig="threePt" dir="t"/>
+              </a:scene3d>
+              <a:sp3d>
+                <a:bevelT w="152400" h="50800" prst="softRound"/>
+              </a:sp3d>
+            </p:spPr>
+            <p:style>
+              <a:lnRef idx="2">
+                <a:schemeClr val="accent1">
+                  <a:shade val="15000"/>
+                </a:schemeClr>
+              </a:lnRef>
+              <a:fillRef idx="1">
+                <a:schemeClr val="accent1"/>
+              </a:fillRef>
+              <a:effectRef idx="0">
+                <a:schemeClr val="accent1"/>
+              </a:effectRef>
+              <a:fontRef idx="minor">
+                <a:schemeClr val="lt1"/>
+              </a:fontRef>
+            </p:style>
+            <p:txBody>
+              <a:bodyPr numCol="1" spcCol="0" rtlCol="0" anchor="ctr"/>
+              <a:lstStyle/>
+              <a:p>
+                <a:r>
+                  <a:rPr lang="en-US" sz="1200" b="1" dirty="0">
+                    <a:solidFill>
+                      <a:schemeClr val="tx1"/>
+                    </a:solidFill>
+                    <a:latin typeface="Aptos Serif" panose="02020604070405020304" pitchFamily="18" charset="0"/>
+                    <a:cs typeface="Aptos Serif" panose="02020604070405020304" pitchFamily="18" charset="0"/>
+                    <a:hlinkClick r:id="rId20"/>
+                  </a:rPr>
+                  <a:t>GarmanKlassVolVisitor</a:t>
+                </a:r>
+                <a:r>
+                  <a:rPr lang="en-US" sz="1200" b="1" dirty="0">
+                    <a:solidFill>
+                      <a:schemeClr val="tx1"/>
+                    </a:solidFill>
+                    <a:latin typeface="Aptos Serif" panose="02020604070405020304" pitchFamily="18" charset="0"/>
+                    <a:cs typeface="Aptos Serif" panose="02020604070405020304" pitchFamily="18" charset="0"/>
+                    <a:hlinkClick r:id="rId10"/>
+                  </a:rPr>
+                  <a:t>&lt;…&gt;</a:t>
+                </a:r>
+                <a:r>
+                  <a:rPr lang="en-US" sz="1200" b="1" dirty="0">
+                    <a:solidFill>
+                      <a:schemeClr val="tx1"/>
+                    </a:solidFill>
+                    <a:latin typeface="Aptos Serif" panose="02020604070405020304" pitchFamily="18" charset="0"/>
+                    <a:cs typeface="Aptos Serif" panose="02020604070405020304" pitchFamily="18" charset="0"/>
+                  </a:rPr>
+                  <a:t>    gkvvisitor(…);</a:t>
+                </a:r>
+              </a:p>
+              <a:p>
+                <a:endParaRPr lang="en-US" sz="1200" b="1" dirty="0">
+                  <a:solidFill>
+                    <a:schemeClr val="tx1"/>
+                  </a:solidFill>
+                  <a:latin typeface="Aptos Serif" panose="02020604070405020304" pitchFamily="18" charset="0"/>
+                  <a:cs typeface="Aptos Serif" panose="02020604070405020304" pitchFamily="18" charset="0"/>
+                </a:endParaRPr>
+              </a:p>
+              <a:p>
+                <a:r>
+                  <a:rPr lang="en-US" sz="1200" b="1" dirty="0">
+                    <a:solidFill>
+                      <a:schemeClr val="tx1"/>
+                    </a:solidFill>
+                    <a:latin typeface="Aptos Serif" panose="02020604070405020304" pitchFamily="18" charset="0"/>
+                    <a:cs typeface="Aptos Serif" panose="02020604070405020304" pitchFamily="18" charset="0"/>
+                  </a:rPr>
+                  <a:t>df.single_act_visit&lt;…&gt;(…);</a:t>
+                </a:r>
+              </a:p>
+              <a:p>
+                <a:r>
+                  <a:rPr lang="en-US" sz="1200" b="1" dirty="0">
+                    <a:solidFill>
+                      <a:schemeClr val="tx1"/>
+                    </a:solidFill>
+                    <a:latin typeface="Aptos Serif" panose="02020604070405020304" pitchFamily="18" charset="0"/>
+                    <a:cs typeface="Aptos Serif" panose="02020604070405020304" pitchFamily="18" charset="0"/>
+                  </a:rPr>
+                  <a:t>std::cout &lt;&lt; gkvvisitor.get_result()[0];</a:t>
+                </a:r>
+              </a:p>
+            </p:txBody>
+          </p:sp>
+          <p:sp>
+            <p:nvSpPr>
+              <p:cNvPr id="25" name="Rectangle 24">
+                <a:extLst>
+                  <a:ext uri="{FF2B5EF4-FFF2-40B4-BE49-F238E27FC236}">
+                    <a16:creationId xmlns:a16="http://schemas.microsoft.com/office/drawing/2014/main" id="{2AD79C87-4C8A-D9E5-23E3-A07256571195}"/>
+                  </a:ext>
+                </a:extLst>
+              </p:cNvPr>
+              <p:cNvSpPr/>
+              <p:nvPr/>
+            </p:nvSpPr>
+            <p:spPr>
+              <a:xfrm>
+                <a:off x="8182992" y="4695187"/>
+                <a:ext cx="3675298" cy="953036"/>
+              </a:xfrm>
+              <a:prstGeom prst="rect">
+                <a:avLst/>
+              </a:prstGeom>
               <a:solidFill>
-                <a:schemeClr val="tx1"/>
+                <a:schemeClr val="tx2">
+                  <a:lumMod val="10000"/>
+                  <a:lumOff val="90000"/>
+                </a:schemeClr>
               </a:solidFill>
-            </a:ln>
-            <a:scene3d>
-              <a:camera prst="orthographicFront"/>
-              <a:lightRig rig="threePt" dir="t"/>
-            </a:scene3d>
-            <a:sp3d>
-              <a:bevelT w="152400" h="50800" prst="softRound"/>
-            </a:sp3d>
-          </p:spPr>
-          <p:style>
-            <a:lnRef idx="2">
-              <a:schemeClr val="accent1">
-                <a:shade val="15000"/>
-              </a:schemeClr>
-            </a:lnRef>
-            <a:fillRef idx="1">
-              <a:schemeClr val="accent1"/>
-            </a:fillRef>
-            <a:effectRef idx="0">
-              <a:schemeClr val="accent1"/>
-            </a:effectRef>
-            <a:fontRef idx="minor">
-              <a:schemeClr val="lt1"/>
-            </a:fontRef>
-          </p:style>
-          <p:txBody>
-            <a:bodyPr numCol="1" spcCol="0" rtlCol="0" anchor="ctr"/>
-            <a:lstStyle/>
-            <a:p>
-              <a:r>
-                <a:rPr lang="en-US" sz="1200" u="sng" dirty="0">
-                  <a:latin typeface="Aptos Serif" panose="02020604070405020304" pitchFamily="18" charset="0"/>
-                  <a:cs typeface="Aptos Serif" panose="02020604070405020304" pitchFamily="18" charset="0"/>
-                  <a:hlinkClick r:id="rId28"/>
-                </a:rPr>
-                <a:t>StdVisitor&lt;...&gt;</a:t>
-              </a:r>
-              <a:r>
-                <a:rPr lang="en-US" sz="1200" dirty="0">
-                  <a:effectLst/>
-                  <a:latin typeface="Aptos Serif" panose="02020604070405020304" pitchFamily="18" charset="0"/>
-                  <a:cs typeface="Aptos Serif" panose="02020604070405020304" pitchFamily="18" charset="0"/>
-                </a:rPr>
-                <a:t>   </a:t>
-              </a:r>
-              <a:r>
-                <a:rPr lang="en-US" sz="1200" dirty="0">
-                  <a:solidFill>
-                    <a:schemeClr val="tx1"/>
-                  </a:solidFill>
-                  <a:latin typeface="Aptos Serif" panose="02020604070405020304" pitchFamily="18" charset="0"/>
-                  <a:cs typeface="Aptos Serif" panose="02020604070405020304" pitchFamily="18" charset="0"/>
-                </a:rPr>
-                <a:t> svisitor;</a:t>
-              </a:r>
-            </a:p>
-            <a:p>
-              <a:endParaRPr lang="en-US" sz="1200" dirty="0">
+              <a:ln>
                 <a:solidFill>
                   <a:schemeClr val="tx1"/>
                 </a:solidFill>
-                <a:latin typeface="Aptos Serif" panose="02020604070405020304" pitchFamily="18" charset="0"/>
-                <a:cs typeface="Aptos Serif" panose="02020604070405020304" pitchFamily="18" charset="0"/>
-              </a:endParaRPr>
-            </a:p>
-            <a:p>
-              <a:r>
-                <a:rPr lang="en-US" sz="1200" dirty="0">
-                  <a:solidFill>
-                    <a:schemeClr val="tx1"/>
-                  </a:solidFill>
-                  <a:latin typeface="Aptos Serif" panose="02020604070405020304" pitchFamily="18" charset="0"/>
-                  <a:cs typeface="Aptos Serif" panose="02020604070405020304" pitchFamily="18" charset="0"/>
-                </a:rPr>
-                <a:t>df.single_act_visit&lt;…&gt;(…);</a:t>
-              </a:r>
-            </a:p>
-            <a:p>
-              <a:r>
-                <a:rPr lang="en-US" sz="1200" dirty="0">
-                  <a:solidFill>
-                    <a:schemeClr val="tx1"/>
-                  </a:solidFill>
-                  <a:latin typeface="Aptos Serif" panose="02020604070405020304" pitchFamily="18" charset="0"/>
-                  <a:cs typeface="Aptos Serif" panose="02020604070405020304" pitchFamily="18" charset="0"/>
-                </a:rPr>
-                <a:t>std::cout &lt;&lt; svisitor.get_result();</a:t>
-              </a:r>
-            </a:p>
-          </p:txBody>
-        </p:sp>
-        <p:sp>
-          <p:nvSpPr>
-            <p:cNvPr id="34" name="Rectangle 33">
-              <a:extLst>
-                <a:ext uri="{FF2B5EF4-FFF2-40B4-BE49-F238E27FC236}">
-                  <a16:creationId xmlns:a16="http://schemas.microsoft.com/office/drawing/2014/main" id="{8D139B24-CECA-75AE-58EA-DAC30F521D8D}"/>
-                </a:ext>
-              </a:extLst>
-            </p:cNvPr>
-            <p:cNvSpPr/>
-            <p:nvPr/>
-          </p:nvSpPr>
-          <p:spPr>
-            <a:xfrm>
-              <a:off x="4928312" y="5662410"/>
-              <a:ext cx="2459865" cy="953036"/>
-            </a:xfrm>
-            <a:prstGeom prst="rect">
-              <a:avLst/>
-            </a:prstGeom>
-            <a:solidFill>
-              <a:schemeClr val="tx2">
-                <a:lumMod val="10000"/>
-                <a:lumOff val="90000"/>
-              </a:schemeClr>
-            </a:solidFill>
-            <a:ln>
+              </a:ln>
+              <a:scene3d>
+                <a:camera prst="orthographicFront"/>
+                <a:lightRig rig="threePt" dir="t"/>
+              </a:scene3d>
+              <a:sp3d>
+                <a:bevelT w="152400" h="50800" prst="softRound"/>
+              </a:sp3d>
+            </p:spPr>
+            <p:style>
+              <a:lnRef idx="2">
+                <a:schemeClr val="accent1">
+                  <a:shade val="15000"/>
+                </a:schemeClr>
+              </a:lnRef>
+              <a:fillRef idx="1">
+                <a:schemeClr val="accent1"/>
+              </a:fillRef>
+              <a:effectRef idx="0">
+                <a:schemeClr val="accent1"/>
+              </a:effectRef>
+              <a:fontRef idx="minor">
+                <a:schemeClr val="lt1"/>
+              </a:fontRef>
+            </p:style>
+            <p:txBody>
+              <a:bodyPr numCol="1" spcCol="0" rtlCol="0" anchor="ctr"/>
+              <a:lstStyle/>
+              <a:p>
+                <a:r>
+                  <a:rPr lang="en-US" sz="1200" b="1" u="sng" dirty="0">
+                    <a:latin typeface="Aptos Serif" panose="02020604070405020304" pitchFamily="18" charset="0"/>
+                    <a:cs typeface="Aptos Serif" panose="02020604070405020304" pitchFamily="18" charset="0"/>
+                    <a:hlinkClick r:id="rId21"/>
+                  </a:rPr>
+                  <a:t>VWAPVisitor</a:t>
+                </a:r>
+                <a:r>
+                  <a:rPr lang="en-US" sz="1200" b="1" u="sng" dirty="0">
+                    <a:latin typeface="Aptos Serif" panose="02020604070405020304" pitchFamily="18" charset="0"/>
+                    <a:cs typeface="Aptos Serif" panose="02020604070405020304" pitchFamily="18" charset="0"/>
+                    <a:hlinkClick r:id="rId6"/>
+                  </a:rPr>
+                  <a:t>&lt;...&gt;</a:t>
+                </a:r>
+                <a:r>
+                  <a:rPr lang="en-US" sz="1200" b="1" u="sng" dirty="0">
+                    <a:latin typeface="Aptos Serif" panose="02020604070405020304" pitchFamily="18" charset="0"/>
+                    <a:cs typeface="Aptos Serif" panose="02020604070405020304" pitchFamily="18" charset="0"/>
+                  </a:rPr>
+                  <a:t>    </a:t>
+                </a:r>
+                <a:r>
+                  <a:rPr lang="en-US" sz="1200" b="1" u="sng" dirty="0">
+                    <a:solidFill>
+                      <a:schemeClr val="tx1"/>
+                    </a:solidFill>
+                    <a:latin typeface="Aptos Serif" panose="02020604070405020304" pitchFamily="18" charset="0"/>
+                    <a:cs typeface="Aptos Serif" panose="02020604070405020304" pitchFamily="18" charset="0"/>
+                  </a:rPr>
+                  <a:t>vwap</a:t>
+                </a:r>
+                <a:r>
+                  <a:rPr lang="en-US" sz="1200" b="1" dirty="0">
+                    <a:solidFill>
+                      <a:schemeClr val="tx1"/>
+                    </a:solidFill>
+                    <a:latin typeface="Aptos Serif" panose="02020604070405020304" pitchFamily="18" charset="0"/>
+                    <a:cs typeface="Aptos Serif" panose="02020604070405020304" pitchFamily="18" charset="0"/>
+                  </a:rPr>
+                  <a:t>visitor(…);</a:t>
+                </a:r>
+              </a:p>
+              <a:p>
+                <a:endParaRPr lang="en-US" sz="1200" b="1" dirty="0">
+                  <a:solidFill>
+                    <a:schemeClr val="tx1"/>
+                  </a:solidFill>
+                  <a:latin typeface="Aptos Serif" panose="02020604070405020304" pitchFamily="18" charset="0"/>
+                  <a:cs typeface="Aptos Serif" panose="02020604070405020304" pitchFamily="18" charset="0"/>
+                </a:endParaRPr>
+              </a:p>
+              <a:p>
+                <a:r>
+                  <a:rPr lang="en-US" sz="1200" b="1" dirty="0">
+                    <a:solidFill>
+                      <a:schemeClr val="tx1"/>
+                    </a:solidFill>
+                    <a:latin typeface="Aptos Serif" panose="02020604070405020304" pitchFamily="18" charset="0"/>
+                    <a:cs typeface="Aptos Serif" panose="02020604070405020304" pitchFamily="18" charset="0"/>
+                  </a:rPr>
+                  <a:t>df.single_act_visit&lt;…&gt;(…);</a:t>
+                </a:r>
+              </a:p>
+              <a:p>
+                <a:r>
+                  <a:rPr lang="en-US" sz="1200" b="1" dirty="0">
+                    <a:solidFill>
+                      <a:schemeClr val="tx1"/>
+                    </a:solidFill>
+                    <a:latin typeface="Aptos Serif" panose="02020604070405020304" pitchFamily="18" charset="0"/>
+                    <a:cs typeface="Aptos Serif" panose="02020604070405020304" pitchFamily="18" charset="0"/>
+                  </a:rPr>
+                  <a:t>std::cout &lt;&lt; vwapvisitor.get_result()[0];</a:t>
+                </a:r>
+              </a:p>
+            </p:txBody>
+          </p:sp>
+          <p:sp>
+            <p:nvSpPr>
+              <p:cNvPr id="26" name="Rectangle 25">
+                <a:extLst>
+                  <a:ext uri="{FF2B5EF4-FFF2-40B4-BE49-F238E27FC236}">
+                    <a16:creationId xmlns:a16="http://schemas.microsoft.com/office/drawing/2014/main" id="{4BD2C2E9-B517-365B-E9CB-2068D7BA5C75}"/>
+                  </a:ext>
+                </a:extLst>
+              </p:cNvPr>
+              <p:cNvSpPr/>
+              <p:nvPr/>
+            </p:nvSpPr>
+            <p:spPr>
+              <a:xfrm>
+                <a:off x="8179783" y="5658955"/>
+                <a:ext cx="3675298" cy="953036"/>
+              </a:xfrm>
+              <a:prstGeom prst="rect">
+                <a:avLst/>
+              </a:prstGeom>
               <a:solidFill>
-                <a:schemeClr val="tx1"/>
+                <a:schemeClr val="tx2">
+                  <a:lumMod val="10000"/>
+                  <a:lumOff val="90000"/>
+                </a:schemeClr>
               </a:solidFill>
-            </a:ln>
-            <a:scene3d>
-              <a:camera prst="orthographicFront"/>
-              <a:lightRig rig="threePt" dir="t"/>
-            </a:scene3d>
-            <a:sp3d>
-              <a:bevelT w="152400" h="50800" prst="softRound"/>
-            </a:sp3d>
-          </p:spPr>
-          <p:style>
-            <a:lnRef idx="2">
-              <a:schemeClr val="accent1">
-                <a:shade val="15000"/>
-              </a:schemeClr>
-            </a:lnRef>
-            <a:fillRef idx="1">
-              <a:schemeClr val="accent1"/>
-            </a:fillRef>
-            <a:effectRef idx="0">
-              <a:schemeClr val="accent1"/>
-            </a:effectRef>
-            <a:fontRef idx="minor">
-              <a:schemeClr val="lt1"/>
-            </a:fontRef>
-          </p:style>
-          <p:txBody>
-            <a:bodyPr numCol="1" spcCol="0" rtlCol="0" anchor="ctr"/>
-            <a:lstStyle/>
-            <a:p>
-              <a:r>
-                <a:rPr lang="en-US" sz="1200" u="sng" dirty="0">
-                  <a:latin typeface="Aptos Serif" panose="02020604070405020304" pitchFamily="18" charset="0"/>
-                  <a:cs typeface="Aptos Serif" panose="02020604070405020304" pitchFamily="18" charset="0"/>
-                  <a:hlinkClick r:id="rId29"/>
-                </a:rPr>
-                <a:t>MeadianVisitor&lt;...&gt;</a:t>
-              </a:r>
-              <a:r>
-                <a:rPr lang="en-US" sz="1200" dirty="0">
-                  <a:effectLst/>
-                  <a:latin typeface="Aptos Serif" panose="02020604070405020304" pitchFamily="18" charset="0"/>
-                  <a:cs typeface="Aptos Serif" panose="02020604070405020304" pitchFamily="18" charset="0"/>
-                </a:rPr>
-                <a:t>    </a:t>
-              </a:r>
-              <a:r>
-                <a:rPr lang="en-US" sz="1200" dirty="0">
-                  <a:solidFill>
-                    <a:schemeClr val="tx1"/>
-                  </a:solidFill>
-                  <a:latin typeface="Aptos Serif" panose="02020604070405020304" pitchFamily="18" charset="0"/>
-                  <a:cs typeface="Aptos Serif" panose="02020604070405020304" pitchFamily="18" charset="0"/>
-                </a:rPr>
-                <a:t> mvisitor;</a:t>
-              </a:r>
-            </a:p>
-            <a:p>
-              <a:endParaRPr lang="en-US" sz="1200" dirty="0">
+              <a:ln>
                 <a:solidFill>
                   <a:schemeClr val="tx1"/>
                 </a:solidFill>
-                <a:latin typeface="Aptos Serif" panose="02020604070405020304" pitchFamily="18" charset="0"/>
-                <a:cs typeface="Aptos Serif" panose="02020604070405020304" pitchFamily="18" charset="0"/>
-              </a:endParaRPr>
-            </a:p>
-            <a:p>
-              <a:r>
-                <a:rPr lang="en-US" sz="1200" dirty="0">
-                  <a:solidFill>
-                    <a:schemeClr val="tx1"/>
-                  </a:solidFill>
-                  <a:latin typeface="Aptos Serif" panose="02020604070405020304" pitchFamily="18" charset="0"/>
-                  <a:cs typeface="Aptos Serif" panose="02020604070405020304" pitchFamily="18" charset="0"/>
-                </a:rPr>
-                <a:t>df.single_act_visit&lt;…&gt;(…);</a:t>
-              </a:r>
-            </a:p>
-            <a:p>
-              <a:r>
-                <a:rPr lang="en-US" sz="1200" dirty="0">
-                  <a:solidFill>
-                    <a:schemeClr val="tx1"/>
-                  </a:solidFill>
-                  <a:latin typeface="Aptos Serif" panose="02020604070405020304" pitchFamily="18" charset="0"/>
-                  <a:cs typeface="Aptos Serif" panose="02020604070405020304" pitchFamily="18" charset="0"/>
-                </a:rPr>
-                <a:t>std::cout &lt;&lt; mvisitor.get_result();</a:t>
-              </a:r>
-            </a:p>
-          </p:txBody>
-        </p:sp>
-      </p:grpSp>
-      <p:grpSp>
-        <p:nvGrpSpPr>
-          <p:cNvPr id="35" name="Group 34">
-            <a:extLst>
-              <a:ext uri="{FF2B5EF4-FFF2-40B4-BE49-F238E27FC236}">
-                <a16:creationId xmlns:a16="http://schemas.microsoft.com/office/drawing/2014/main" id="{8C127B7E-0600-F95F-6D69-36379D77CA76}"/>
-              </a:ext>
-            </a:extLst>
-          </p:cNvPr>
-          <p:cNvGrpSpPr/>
-          <p:nvPr/>
-        </p:nvGrpSpPr>
-        <p:grpSpPr>
-          <a:xfrm>
-            <a:off x="9508905" y="3743457"/>
-            <a:ext cx="2464161" cy="2880573"/>
-            <a:chOff x="4928312" y="3734873"/>
-            <a:chExt cx="2464161" cy="2880573"/>
-          </a:xfrm>
-        </p:grpSpPr>
-        <p:sp>
-          <p:nvSpPr>
-            <p:cNvPr id="36" name="Rectangle 35">
-              <a:extLst>
-                <a:ext uri="{FF2B5EF4-FFF2-40B4-BE49-F238E27FC236}">
-                  <a16:creationId xmlns:a16="http://schemas.microsoft.com/office/drawing/2014/main" id="{24DE78F0-0C2E-32DC-0A3D-F694F0E5A23E}"/>
-                </a:ext>
-              </a:extLst>
-            </p:cNvPr>
-            <p:cNvSpPr/>
-            <p:nvPr/>
-          </p:nvSpPr>
-          <p:spPr>
-            <a:xfrm>
-              <a:off x="4932608" y="3734873"/>
-              <a:ext cx="2459865" cy="953036"/>
-            </a:xfrm>
-            <a:prstGeom prst="rect">
-              <a:avLst/>
-            </a:prstGeom>
-            <a:solidFill>
-              <a:schemeClr val="tx2">
-                <a:lumMod val="10000"/>
-                <a:lumOff val="90000"/>
-              </a:schemeClr>
-            </a:solidFill>
-            <a:ln>
-              <a:solidFill>
-                <a:schemeClr val="tx1"/>
-              </a:solidFill>
-            </a:ln>
-            <a:scene3d>
-              <a:camera prst="orthographicFront"/>
-              <a:lightRig rig="threePt" dir="t"/>
-            </a:scene3d>
-            <a:sp3d>
-              <a:bevelT w="152400" h="50800" prst="softRound"/>
-            </a:sp3d>
-          </p:spPr>
-          <p:style>
-            <a:lnRef idx="2">
-              <a:schemeClr val="accent1">
-                <a:shade val="15000"/>
-              </a:schemeClr>
-            </a:lnRef>
-            <a:fillRef idx="1">
-              <a:schemeClr val="accent1"/>
-            </a:fillRef>
-            <a:effectRef idx="0">
-              <a:schemeClr val="accent1"/>
-            </a:effectRef>
-            <a:fontRef idx="minor">
-              <a:schemeClr val="lt1"/>
-            </a:fontRef>
-          </p:style>
-          <p:txBody>
-            <a:bodyPr numCol="1" spcCol="0" rtlCol="0" anchor="ctr"/>
-            <a:lstStyle/>
-            <a:p>
-              <a:r>
-                <a:rPr lang="en-US" sz="1200" dirty="0">
-                  <a:solidFill>
-                    <a:schemeClr val="tx1"/>
-                  </a:solidFill>
-                  <a:latin typeface="Aptos Serif" panose="02020604070405020304" pitchFamily="18" charset="0"/>
-                  <a:cs typeface="Aptos Serif" panose="02020604070405020304" pitchFamily="18" charset="0"/>
-                  <a:hlinkClick r:id="rId27"/>
-                </a:rPr>
-                <a:t>MeanVisitor&lt;…&gt;</a:t>
-              </a:r>
-              <a:r>
-                <a:rPr lang="en-US" sz="1200" dirty="0">
-                  <a:solidFill>
-                    <a:schemeClr val="tx1"/>
-                  </a:solidFill>
-                  <a:latin typeface="Aptos Serif" panose="02020604070405020304" pitchFamily="18" charset="0"/>
-                  <a:cs typeface="Aptos Serif" panose="02020604070405020304" pitchFamily="18" charset="0"/>
-                </a:rPr>
-                <a:t>   mvisitor;</a:t>
-              </a:r>
-            </a:p>
-            <a:p>
-              <a:endParaRPr lang="en-US" sz="1200" dirty="0">
-                <a:solidFill>
-                  <a:schemeClr val="tx1"/>
-                </a:solidFill>
-                <a:latin typeface="Aptos Serif" panose="02020604070405020304" pitchFamily="18" charset="0"/>
-                <a:cs typeface="Aptos Serif" panose="02020604070405020304" pitchFamily="18" charset="0"/>
-              </a:endParaRPr>
-            </a:p>
-            <a:p>
-              <a:r>
-                <a:rPr lang="en-US" sz="1200" dirty="0">
-                  <a:solidFill>
-                    <a:schemeClr val="tx1"/>
-                  </a:solidFill>
-                  <a:latin typeface="Aptos Serif" panose="02020604070405020304" pitchFamily="18" charset="0"/>
-                  <a:cs typeface="Aptos Serif" panose="02020604070405020304" pitchFamily="18" charset="0"/>
-                </a:rPr>
-                <a:t>df.single_act_visit&lt;…&gt;(…);</a:t>
-              </a:r>
-            </a:p>
-            <a:p>
-              <a:r>
-                <a:rPr lang="en-US" sz="1200" dirty="0">
-                  <a:solidFill>
-                    <a:schemeClr val="tx1"/>
-                  </a:solidFill>
-                  <a:latin typeface="Aptos Serif" panose="02020604070405020304" pitchFamily="18" charset="0"/>
-                  <a:cs typeface="Aptos Serif" panose="02020604070405020304" pitchFamily="18" charset="0"/>
-                </a:rPr>
-                <a:t>std::cout &lt;&lt; mvisitor.get_result();</a:t>
-              </a:r>
-            </a:p>
-          </p:txBody>
-        </p:sp>
-        <p:sp>
-          <p:nvSpPr>
-            <p:cNvPr id="37" name="Rectangle 36">
-              <a:extLst>
-                <a:ext uri="{FF2B5EF4-FFF2-40B4-BE49-F238E27FC236}">
-                  <a16:creationId xmlns:a16="http://schemas.microsoft.com/office/drawing/2014/main" id="{40E59A0B-0837-50EA-9698-99300084D089}"/>
-                </a:ext>
-              </a:extLst>
-            </p:cNvPr>
-            <p:cNvSpPr/>
-            <p:nvPr/>
-          </p:nvSpPr>
-          <p:spPr>
-            <a:xfrm>
-              <a:off x="4930460" y="4698641"/>
-              <a:ext cx="2459865" cy="953036"/>
-            </a:xfrm>
-            <a:prstGeom prst="rect">
-              <a:avLst/>
-            </a:prstGeom>
-            <a:solidFill>
-              <a:schemeClr val="tx2">
-                <a:lumMod val="10000"/>
-                <a:lumOff val="90000"/>
-              </a:schemeClr>
-            </a:solidFill>
-            <a:ln>
-              <a:solidFill>
-                <a:schemeClr val="tx1"/>
-              </a:solidFill>
-            </a:ln>
-            <a:scene3d>
-              <a:camera prst="orthographicFront"/>
-              <a:lightRig rig="threePt" dir="t"/>
-            </a:scene3d>
-            <a:sp3d>
-              <a:bevelT w="152400" h="50800" prst="softRound"/>
-            </a:sp3d>
-          </p:spPr>
-          <p:style>
-            <a:lnRef idx="2">
-              <a:schemeClr val="accent1">
-                <a:shade val="15000"/>
-              </a:schemeClr>
-            </a:lnRef>
-            <a:fillRef idx="1">
-              <a:schemeClr val="accent1"/>
-            </a:fillRef>
-            <a:effectRef idx="0">
-              <a:schemeClr val="accent1"/>
-            </a:effectRef>
-            <a:fontRef idx="minor">
-              <a:schemeClr val="lt1"/>
-            </a:fontRef>
-          </p:style>
-          <p:txBody>
-            <a:bodyPr numCol="1" spcCol="0" rtlCol="0" anchor="ctr"/>
-            <a:lstStyle/>
-            <a:p>
-              <a:r>
-                <a:rPr lang="en-US" sz="1200" u="sng" dirty="0">
-                  <a:latin typeface="Aptos Serif" panose="02020604070405020304" pitchFamily="18" charset="0"/>
-                  <a:cs typeface="Aptos Serif" panose="02020604070405020304" pitchFamily="18" charset="0"/>
-                  <a:hlinkClick r:id="rId28"/>
-                </a:rPr>
-                <a:t>StdVisitor&lt;...&gt;</a:t>
-              </a:r>
-              <a:r>
-                <a:rPr lang="en-US" sz="1200" dirty="0">
-                  <a:effectLst/>
-                  <a:latin typeface="Aptos Serif" panose="02020604070405020304" pitchFamily="18" charset="0"/>
-                  <a:cs typeface="Aptos Serif" panose="02020604070405020304" pitchFamily="18" charset="0"/>
-                </a:rPr>
-                <a:t>   </a:t>
-              </a:r>
-              <a:r>
-                <a:rPr lang="en-US" sz="1200" dirty="0">
-                  <a:solidFill>
-                    <a:schemeClr val="tx1"/>
-                  </a:solidFill>
-                  <a:latin typeface="Aptos Serif" panose="02020604070405020304" pitchFamily="18" charset="0"/>
-                  <a:cs typeface="Aptos Serif" panose="02020604070405020304" pitchFamily="18" charset="0"/>
-                </a:rPr>
-                <a:t> svisitor;</a:t>
-              </a:r>
-            </a:p>
-            <a:p>
-              <a:endParaRPr lang="en-US" sz="1200" dirty="0">
-                <a:solidFill>
-                  <a:schemeClr val="tx1"/>
-                </a:solidFill>
-                <a:latin typeface="Aptos Serif" panose="02020604070405020304" pitchFamily="18" charset="0"/>
-                <a:cs typeface="Aptos Serif" panose="02020604070405020304" pitchFamily="18" charset="0"/>
-              </a:endParaRPr>
-            </a:p>
-            <a:p>
-              <a:r>
-                <a:rPr lang="en-US" sz="1200" dirty="0">
-                  <a:solidFill>
-                    <a:schemeClr val="tx1"/>
-                  </a:solidFill>
-                  <a:latin typeface="Aptos Serif" panose="02020604070405020304" pitchFamily="18" charset="0"/>
-                  <a:cs typeface="Aptos Serif" panose="02020604070405020304" pitchFamily="18" charset="0"/>
-                </a:rPr>
-                <a:t>df.single_act_visit&lt;…&gt;(…);</a:t>
-              </a:r>
-            </a:p>
-            <a:p>
-              <a:r>
-                <a:rPr lang="en-US" sz="1200" dirty="0">
-                  <a:solidFill>
-                    <a:schemeClr val="tx1"/>
-                  </a:solidFill>
-                  <a:latin typeface="Aptos Serif" panose="02020604070405020304" pitchFamily="18" charset="0"/>
-                  <a:cs typeface="Aptos Serif" panose="02020604070405020304" pitchFamily="18" charset="0"/>
-                </a:rPr>
-                <a:t>std::cout &lt;&lt; svisitor.get_result();</a:t>
-              </a:r>
-            </a:p>
-          </p:txBody>
-        </p:sp>
-        <p:sp>
-          <p:nvSpPr>
-            <p:cNvPr id="38" name="Rectangle 37">
-              <a:extLst>
-                <a:ext uri="{FF2B5EF4-FFF2-40B4-BE49-F238E27FC236}">
-                  <a16:creationId xmlns:a16="http://schemas.microsoft.com/office/drawing/2014/main" id="{9157A8F5-59A4-D1FF-0528-9FACBF11DCDB}"/>
-                </a:ext>
-              </a:extLst>
-            </p:cNvPr>
-            <p:cNvSpPr/>
-            <p:nvPr/>
-          </p:nvSpPr>
-          <p:spPr>
-            <a:xfrm>
-              <a:off x="4928312" y="5662410"/>
-              <a:ext cx="2459865" cy="953036"/>
-            </a:xfrm>
-            <a:prstGeom prst="rect">
-              <a:avLst/>
-            </a:prstGeom>
-            <a:solidFill>
-              <a:schemeClr val="tx2">
-                <a:lumMod val="10000"/>
-                <a:lumOff val="90000"/>
-              </a:schemeClr>
-            </a:solidFill>
-            <a:ln>
-              <a:solidFill>
-                <a:schemeClr val="tx1"/>
-              </a:solidFill>
-            </a:ln>
-            <a:scene3d>
-              <a:camera prst="orthographicFront"/>
-              <a:lightRig rig="threePt" dir="t"/>
-            </a:scene3d>
-            <a:sp3d>
-              <a:bevelT w="152400" h="50800" prst="softRound"/>
-            </a:sp3d>
-          </p:spPr>
-          <p:style>
-            <a:lnRef idx="2">
-              <a:schemeClr val="accent1">
-                <a:shade val="15000"/>
-              </a:schemeClr>
-            </a:lnRef>
-            <a:fillRef idx="1">
-              <a:schemeClr val="accent1"/>
-            </a:fillRef>
-            <a:effectRef idx="0">
-              <a:schemeClr val="accent1"/>
-            </a:effectRef>
-            <a:fontRef idx="minor">
-              <a:schemeClr val="lt1"/>
-            </a:fontRef>
-          </p:style>
-          <p:txBody>
-            <a:bodyPr numCol="1" spcCol="0" rtlCol="0" anchor="ctr"/>
-            <a:lstStyle/>
-            <a:p>
-              <a:r>
-                <a:rPr lang="en-US" sz="1200" u="sng" dirty="0">
-                  <a:latin typeface="Aptos Serif" panose="02020604070405020304" pitchFamily="18" charset="0"/>
-                  <a:cs typeface="Aptos Serif" panose="02020604070405020304" pitchFamily="18" charset="0"/>
-                  <a:hlinkClick r:id="rId29"/>
-                </a:rPr>
-                <a:t>MeadianVisitor&lt;...&gt;</a:t>
-              </a:r>
-              <a:r>
-                <a:rPr lang="en-US" sz="1200" dirty="0">
-                  <a:effectLst/>
-                  <a:latin typeface="Aptos Serif" panose="02020604070405020304" pitchFamily="18" charset="0"/>
-                  <a:cs typeface="Aptos Serif" panose="02020604070405020304" pitchFamily="18" charset="0"/>
-                </a:rPr>
-                <a:t>    </a:t>
-              </a:r>
-              <a:r>
-                <a:rPr lang="en-US" sz="1200" dirty="0">
-                  <a:solidFill>
-                    <a:schemeClr val="tx1"/>
-                  </a:solidFill>
-                  <a:latin typeface="Aptos Serif" panose="02020604070405020304" pitchFamily="18" charset="0"/>
-                  <a:cs typeface="Aptos Serif" panose="02020604070405020304" pitchFamily="18" charset="0"/>
-                </a:rPr>
-                <a:t> mvisitor;</a:t>
-              </a:r>
-            </a:p>
-            <a:p>
-              <a:endParaRPr lang="en-US" sz="1200" dirty="0">
-                <a:solidFill>
-                  <a:schemeClr val="tx1"/>
-                </a:solidFill>
-                <a:latin typeface="Aptos Serif" panose="02020604070405020304" pitchFamily="18" charset="0"/>
-                <a:cs typeface="Aptos Serif" panose="02020604070405020304" pitchFamily="18" charset="0"/>
-              </a:endParaRPr>
-            </a:p>
-            <a:p>
-              <a:r>
-                <a:rPr lang="en-US" sz="1200" dirty="0">
-                  <a:solidFill>
-                    <a:schemeClr val="tx1"/>
-                  </a:solidFill>
-                  <a:latin typeface="Aptos Serif" panose="02020604070405020304" pitchFamily="18" charset="0"/>
-                  <a:cs typeface="Aptos Serif" panose="02020604070405020304" pitchFamily="18" charset="0"/>
-                </a:rPr>
-                <a:t>df.single_act_visit&lt;…&gt;(…);</a:t>
-              </a:r>
-            </a:p>
-            <a:p>
-              <a:r>
-                <a:rPr lang="en-US" sz="1200" dirty="0">
-                  <a:solidFill>
-                    <a:schemeClr val="tx1"/>
-                  </a:solidFill>
-                  <a:latin typeface="Aptos Serif" panose="02020604070405020304" pitchFamily="18" charset="0"/>
-                  <a:cs typeface="Aptos Serif" panose="02020604070405020304" pitchFamily="18" charset="0"/>
-                </a:rPr>
-                <a:t>std::cout &lt;&lt; mvisitor.get_result();</a:t>
-              </a:r>
-            </a:p>
-          </p:txBody>
-        </p:sp>
+              </a:ln>
+              <a:scene3d>
+                <a:camera prst="orthographicFront"/>
+                <a:lightRig rig="threePt" dir="t"/>
+              </a:scene3d>
+              <a:sp3d>
+                <a:bevelT w="152400" h="50800" prst="softRound"/>
+              </a:sp3d>
+            </p:spPr>
+            <p:style>
+              <a:lnRef idx="2">
+                <a:schemeClr val="accent1">
+                  <a:shade val="15000"/>
+                </a:schemeClr>
+              </a:lnRef>
+              <a:fillRef idx="1">
+                <a:schemeClr val="accent1"/>
+              </a:fillRef>
+              <a:effectRef idx="0">
+                <a:schemeClr val="accent1"/>
+              </a:effectRef>
+              <a:fontRef idx="minor">
+                <a:schemeClr val="lt1"/>
+              </a:fontRef>
+            </p:style>
+            <p:txBody>
+              <a:bodyPr numCol="1" spcCol="0" rtlCol="0" anchor="ctr"/>
+              <a:lstStyle/>
+              <a:p>
+                <a:r>
+                  <a:rPr lang="en-US" sz="1200" b="1" u="sng" dirty="0">
+                    <a:latin typeface="Aptos Serif" panose="02020604070405020304" pitchFamily="18" charset="0"/>
+                    <a:cs typeface="Aptos Serif" panose="02020604070405020304" pitchFamily="18" charset="0"/>
+                    <a:hlinkClick r:id="rId22"/>
+                  </a:rPr>
+                  <a:t>RSIVisitor</a:t>
+                </a:r>
+                <a:r>
+                  <a:rPr lang="en-US" sz="1200" b="1" u="sng" dirty="0">
+                    <a:latin typeface="Aptos Serif" panose="02020604070405020304" pitchFamily="18" charset="0"/>
+                    <a:cs typeface="Aptos Serif" panose="02020604070405020304" pitchFamily="18" charset="0"/>
+                    <a:hlinkClick r:id="rId8"/>
+                  </a:rPr>
+                  <a:t>&lt;...&gt;</a:t>
+                </a:r>
+                <a:r>
+                  <a:rPr lang="en-US" sz="1200" b="1" u="sng" dirty="0">
+                    <a:latin typeface="Aptos Serif" panose="02020604070405020304" pitchFamily="18" charset="0"/>
+                    <a:cs typeface="Aptos Serif" panose="02020604070405020304" pitchFamily="18" charset="0"/>
+                  </a:rPr>
+                  <a:t>    </a:t>
+                </a:r>
+                <a:r>
+                  <a:rPr lang="en-US" sz="1200" b="1" u="sng" dirty="0">
+                    <a:solidFill>
+                      <a:schemeClr val="tx1"/>
+                    </a:solidFill>
+                    <a:latin typeface="Aptos Serif" panose="02020604070405020304" pitchFamily="18" charset="0"/>
+                    <a:cs typeface="Aptos Serif" panose="02020604070405020304" pitchFamily="18" charset="0"/>
+                  </a:rPr>
+                  <a:t>rsi</a:t>
+                </a:r>
+                <a:r>
+                  <a:rPr lang="en-US" sz="1200" b="1" dirty="0">
+                    <a:solidFill>
+                      <a:schemeClr val="tx1"/>
+                    </a:solidFill>
+                    <a:latin typeface="Aptos Serif" panose="02020604070405020304" pitchFamily="18" charset="0"/>
+                    <a:cs typeface="Aptos Serif" panose="02020604070405020304" pitchFamily="18" charset="0"/>
+                  </a:rPr>
+                  <a:t>visitor(…);</a:t>
+                </a:r>
+              </a:p>
+              <a:p>
+                <a:endParaRPr lang="en-US" sz="1200" b="1" dirty="0">
+                  <a:solidFill>
+                    <a:schemeClr val="tx1"/>
+                  </a:solidFill>
+                  <a:latin typeface="Aptos Serif" panose="02020604070405020304" pitchFamily="18" charset="0"/>
+                  <a:cs typeface="Aptos Serif" panose="02020604070405020304" pitchFamily="18" charset="0"/>
+                </a:endParaRPr>
+              </a:p>
+              <a:p>
+                <a:r>
+                  <a:rPr lang="en-US" sz="1200" b="1" dirty="0">
+                    <a:solidFill>
+                      <a:schemeClr val="tx1"/>
+                    </a:solidFill>
+                    <a:latin typeface="Aptos Serif" panose="02020604070405020304" pitchFamily="18" charset="0"/>
+                    <a:cs typeface="Aptos Serif" panose="02020604070405020304" pitchFamily="18" charset="0"/>
+                  </a:rPr>
+                  <a:t>df.single_act_visit&lt;…&gt;(…);</a:t>
+                </a:r>
+              </a:p>
+              <a:p>
+                <a:r>
+                  <a:rPr lang="en-US" sz="1200" b="1" dirty="0">
+                    <a:solidFill>
+                      <a:schemeClr val="tx1"/>
+                    </a:solidFill>
+                    <a:latin typeface="Aptos Serif" panose="02020604070405020304" pitchFamily="18" charset="0"/>
+                    <a:cs typeface="Aptos Serif" panose="02020604070405020304" pitchFamily="18" charset="0"/>
+                  </a:rPr>
+                  <a:t>std::cout &lt;&lt; rsivisitor.get_result()[0];</a:t>
+                </a:r>
+              </a:p>
+            </p:txBody>
+          </p:sp>
+        </p:grpSp>
       </p:grpSp>
     </p:spTree>
     <p:extLst>
       <p:ext uri="{BB962C8B-B14F-4D97-AF65-F5344CB8AC3E}">
-        <p14:creationId xmlns:p14="http://schemas.microsoft.com/office/powerpoint/2010/main" val="3446940340"/>
+        <p14:creationId xmlns:p14="http://schemas.microsoft.com/office/powerpoint/2010/main" val="730831128"/>
       </p:ext>
     </p:extLst>
   </p:cSld>

--- a/docs/CheatSheet.pptx
+++ b/docs/CheatSheet.pptx
@@ -199,7 +199,7 @@
           <a:p>
             <a:fld id="{A426CAC6-4C26-DA42-B260-CA966EDEB8DE}" type="datetimeFigureOut">
               <a:rPr lang="en-US" smtClean="0"/>
-              <a:t>7/1/25</a:t>
+              <a:t>7/2/25</a:t>
             </a:fld>
             <a:endParaRPr lang="en-US" dirty="0"/>
           </a:p>
@@ -865,7 +865,7 @@
           <a:p>
             <a:fld id="{D996798F-AFF2-4140-87AD-54D8021B772D}" type="datetimeFigureOut">
               <a:rPr lang="en-US" smtClean="0"/>
-              <a:t>7/1/25</a:t>
+              <a:t>7/2/25</a:t>
             </a:fld>
             <a:endParaRPr lang="en-US" dirty="0"/>
           </a:p>
@@ -1063,7 +1063,7 @@
           <a:p>
             <a:fld id="{D996798F-AFF2-4140-87AD-54D8021B772D}" type="datetimeFigureOut">
               <a:rPr lang="en-US" smtClean="0"/>
-              <a:t>7/1/25</a:t>
+              <a:t>7/2/25</a:t>
             </a:fld>
             <a:endParaRPr lang="en-US" dirty="0"/>
           </a:p>
@@ -1271,7 +1271,7 @@
           <a:p>
             <a:fld id="{D996798F-AFF2-4140-87AD-54D8021B772D}" type="datetimeFigureOut">
               <a:rPr lang="en-US" smtClean="0"/>
-              <a:t>7/1/25</a:t>
+              <a:t>7/2/25</a:t>
             </a:fld>
             <a:endParaRPr lang="en-US" dirty="0"/>
           </a:p>
@@ -1469,7 +1469,7 @@
           <a:p>
             <a:fld id="{D996798F-AFF2-4140-87AD-54D8021B772D}" type="datetimeFigureOut">
               <a:rPr lang="en-US" smtClean="0"/>
-              <a:t>7/1/25</a:t>
+              <a:t>7/2/25</a:t>
             </a:fld>
             <a:endParaRPr lang="en-US" dirty="0"/>
           </a:p>
@@ -1744,7 +1744,7 @@
           <a:p>
             <a:fld id="{D996798F-AFF2-4140-87AD-54D8021B772D}" type="datetimeFigureOut">
               <a:rPr lang="en-US" smtClean="0"/>
-              <a:t>7/1/25</a:t>
+              <a:t>7/2/25</a:t>
             </a:fld>
             <a:endParaRPr lang="en-US" dirty="0"/>
           </a:p>
@@ -2009,7 +2009,7 @@
           <a:p>
             <a:fld id="{D996798F-AFF2-4140-87AD-54D8021B772D}" type="datetimeFigureOut">
               <a:rPr lang="en-US" smtClean="0"/>
-              <a:t>7/1/25</a:t>
+              <a:t>7/2/25</a:t>
             </a:fld>
             <a:endParaRPr lang="en-US" dirty="0"/>
           </a:p>
@@ -2421,7 +2421,7 @@
           <a:p>
             <a:fld id="{D996798F-AFF2-4140-87AD-54D8021B772D}" type="datetimeFigureOut">
               <a:rPr lang="en-US" smtClean="0"/>
-              <a:t>7/1/25</a:t>
+              <a:t>7/2/25</a:t>
             </a:fld>
             <a:endParaRPr lang="en-US" dirty="0"/>
           </a:p>
@@ -2562,7 +2562,7 @@
           <a:p>
             <a:fld id="{D996798F-AFF2-4140-87AD-54D8021B772D}" type="datetimeFigureOut">
               <a:rPr lang="en-US" smtClean="0"/>
-              <a:t>7/1/25</a:t>
+              <a:t>7/2/25</a:t>
             </a:fld>
             <a:endParaRPr lang="en-US" dirty="0"/>
           </a:p>
@@ -2675,7 +2675,7 @@
           <a:p>
             <a:fld id="{D996798F-AFF2-4140-87AD-54D8021B772D}" type="datetimeFigureOut">
               <a:rPr lang="en-US" smtClean="0"/>
-              <a:t>7/1/25</a:t>
+              <a:t>7/2/25</a:t>
             </a:fld>
             <a:endParaRPr lang="en-US" dirty="0"/>
           </a:p>
@@ -2986,7 +2986,7 @@
           <a:p>
             <a:fld id="{D996798F-AFF2-4140-87AD-54D8021B772D}" type="datetimeFigureOut">
               <a:rPr lang="en-US" smtClean="0"/>
-              <a:t>7/1/25</a:t>
+              <a:t>7/2/25</a:t>
             </a:fld>
             <a:endParaRPr lang="en-US" dirty="0"/>
           </a:p>
@@ -3274,7 +3274,7 @@
           <a:p>
             <a:fld id="{D996798F-AFF2-4140-87AD-54D8021B772D}" type="datetimeFigureOut">
               <a:rPr lang="en-US" smtClean="0"/>
-              <a:t>7/1/25</a:t>
+              <a:t>7/2/25</a:t>
             </a:fld>
             <a:endParaRPr lang="en-US" dirty="0"/>
           </a:p>
@@ -3515,7 +3515,7 @@
           <a:p>
             <a:fld id="{D996798F-AFF2-4140-87AD-54D8021B772D}" type="datetimeFigureOut">
               <a:rPr lang="en-US" smtClean="0"/>
-              <a:t>7/1/25</a:t>
+              <a:t>7/2/25</a:t>
             </a:fld>
             <a:endParaRPr lang="en-US" dirty="0"/>
           </a:p>
@@ -3973,9 +3973,9 @@
               <a:avLst/>
             </a:prstGeom>
             <a:solidFill>
-              <a:schemeClr val="accent1">
-                <a:lumMod val="40000"/>
-                <a:lumOff val="60000"/>
+              <a:schemeClr val="tx2">
+                <a:lumMod val="50000"/>
+                <a:lumOff val="50000"/>
               </a:schemeClr>
             </a:solidFill>
             <a:ln>
@@ -4240,10 +4240,10 @@
         </p:nvGrpSpPr>
         <p:grpSpPr>
           <a:xfrm>
-            <a:off x="396207" y="3289149"/>
-            <a:ext cx="2248133" cy="3037521"/>
-            <a:chOff x="8811186" y="125809"/>
-            <a:chExt cx="2248133" cy="3037521"/>
+            <a:off x="350487" y="3289149"/>
+            <a:ext cx="2248133" cy="3028377"/>
+            <a:chOff x="8765466" y="125809"/>
+            <a:chExt cx="2248133" cy="3028377"/>
           </a:xfrm>
         </p:grpSpPr>
         <p:sp>
@@ -4267,9 +4267,9 @@
               <a:avLst/>
             </a:prstGeom>
             <a:solidFill>
-              <a:schemeClr val="accent1">
-                <a:lumMod val="40000"/>
-                <a:lumOff val="60000"/>
+              <a:schemeClr val="tx2">
+                <a:lumMod val="50000"/>
+                <a:lumOff val="50000"/>
               </a:schemeClr>
             </a:solidFill>
             <a:ln>
@@ -4325,7 +4325,7 @@
           </p:nvSpPr>
           <p:spPr>
             <a:xfrm>
-              <a:off x="8811186" y="558107"/>
+              <a:off x="8765466" y="548963"/>
               <a:ext cx="2248133" cy="2605223"/>
             </a:xfrm>
             <a:prstGeom prst="heptagon">
@@ -4626,9 +4626,9 @@
         <p:grpSpPr>
           <a:xfrm>
             <a:off x="120516" y="142290"/>
-            <a:ext cx="4426772" cy="2521510"/>
+            <a:ext cx="4266470" cy="2490732"/>
             <a:chOff x="207015" y="142290"/>
-            <a:chExt cx="4426772" cy="2521510"/>
+            <a:chExt cx="4266470" cy="2490732"/>
           </a:xfrm>
         </p:grpSpPr>
         <p:sp>
@@ -4652,9 +4652,9 @@
               <a:avLst/>
             </a:prstGeom>
             <a:solidFill>
-              <a:schemeClr val="accent1">
-                <a:lumMod val="40000"/>
-                <a:lumOff val="60000"/>
+              <a:schemeClr val="tx2">
+                <a:lumMod val="50000"/>
+                <a:lumOff val="50000"/>
               </a:schemeClr>
             </a:solidFill>
             <a:ln>
@@ -4711,9 +4711,9 @@
           <p:grpSpPr>
             <a:xfrm>
               <a:off x="969434" y="778472"/>
-              <a:ext cx="3664353" cy="1885328"/>
+              <a:ext cx="3504051" cy="1854550"/>
               <a:chOff x="734651" y="778472"/>
-              <a:chExt cx="3664353" cy="1885328"/>
+              <a:chExt cx="3504051" cy="1854550"/>
             </a:xfrm>
           </p:grpSpPr>
           <p:sp>
@@ -5548,8 +5548,8 @@
             </p:nvSpPr>
             <p:spPr>
               <a:xfrm>
-                <a:off x="3022025" y="1449858"/>
-                <a:ext cx="1376979" cy="307777"/>
+                <a:off x="3022026" y="1449858"/>
+                <a:ext cx="1216676" cy="276999"/>
               </a:xfrm>
               <a:prstGeom prst="rect">
                 <a:avLst/>
@@ -5563,7 +5563,10 @@
               <a:lstStyle/>
               <a:p>
                 <a:r>
-                  <a:rPr lang="en-US" sz="1400" dirty="0"/>
+                  <a:rPr lang="en-US" sz="1200" dirty="0">
+                    <a:latin typeface="Aptos Serif" panose="02020604070405020304" pitchFamily="18" charset="0"/>
+                    <a:cs typeface="Aptos Serif" panose="02020604070405020304" pitchFamily="18" charset="0"/>
+                  </a:rPr>
                   <a:t>Observations</a:t>
                 </a:r>
               </a:p>
@@ -5584,9 +5587,9 @@
             <p:grpSpPr>
               <a:xfrm>
                 <a:off x="734651" y="2022393"/>
-                <a:ext cx="1888419" cy="641407"/>
+                <a:ext cx="1888419" cy="610629"/>
                 <a:chOff x="228024" y="1849395"/>
-                <a:chExt cx="1703746" cy="641407"/>
+                <a:chExt cx="1703746" cy="610629"/>
               </a:xfrm>
             </p:grpSpPr>
             <p:sp>
@@ -5647,8 +5650,8 @@
               </p:nvSpPr>
               <p:spPr>
                 <a:xfrm>
-                  <a:off x="650792" y="2183025"/>
-                  <a:ext cx="897916" cy="307777"/>
+                  <a:off x="709720" y="2183025"/>
+                  <a:ext cx="813624" cy="276999"/>
                 </a:xfrm>
                 <a:prstGeom prst="rect">
                   <a:avLst/>
@@ -5662,7 +5665,10 @@
                 <a:lstStyle/>
                 <a:p>
                   <a:r>
-                    <a:rPr lang="en-US" sz="1400" dirty="0"/>
+                    <a:rPr lang="en-US" sz="1200" dirty="0">
+                      <a:latin typeface="Aptos Serif" panose="02020604070405020304" pitchFamily="18" charset="0"/>
+                      <a:cs typeface="Aptos Serif" panose="02020604070405020304" pitchFamily="18" charset="0"/>
+                    </a:rPr>
                     <a:t>Variables</a:t>
                   </a:r>
                 </a:p>
@@ -5996,9 +6002,9 @@
               <a:avLst/>
             </a:prstGeom>
             <a:solidFill>
-              <a:schemeClr val="accent1">
-                <a:lumMod val="40000"/>
-                <a:lumOff val="60000"/>
+              <a:schemeClr val="tx2">
+                <a:lumMod val="50000"/>
+                <a:lumOff val="50000"/>
               </a:schemeClr>
             </a:solidFill>
             <a:ln>
@@ -6061,9 +6067,9 @@
               <a:avLst/>
             </a:prstGeom>
             <a:solidFill>
-              <a:schemeClr val="tx2">
-                <a:lumMod val="10000"/>
-                <a:lumOff val="90000"/>
+              <a:schemeClr val="accent1">
+                <a:lumMod val="20000"/>
+                <a:lumOff val="80000"/>
               </a:schemeClr>
             </a:solidFill>
             <a:scene3d>
@@ -6236,9 +6242,9 @@
               <a:avLst/>
             </a:prstGeom>
             <a:solidFill>
-              <a:schemeClr val="accent1">
-                <a:lumMod val="40000"/>
-                <a:lumOff val="60000"/>
+              <a:schemeClr val="tx2">
+                <a:lumMod val="50000"/>
+                <a:lumOff val="50000"/>
               </a:schemeClr>
             </a:solidFill>
             <a:ln>
@@ -6301,9 +6307,9 @@
               <a:avLst/>
             </a:prstGeom>
             <a:solidFill>
-              <a:schemeClr val="tx2">
-                <a:lumMod val="10000"/>
-                <a:lumOff val="90000"/>
+              <a:schemeClr val="accent1">
+                <a:lumMod val="20000"/>
+                <a:lumOff val="80000"/>
               </a:schemeClr>
             </a:solidFill>
             <a:ln>
@@ -7196,9 +7202,9 @@
               <a:avLst/>
             </a:prstGeom>
             <a:solidFill>
-              <a:schemeClr val="accent1">
-                <a:lumMod val="40000"/>
-                <a:lumOff val="60000"/>
+              <a:schemeClr val="tx2">
+                <a:lumMod val="50000"/>
+                <a:lumOff val="50000"/>
               </a:schemeClr>
             </a:solidFill>
             <a:ln>
@@ -8186,9 +8192,9 @@
               <a:avLst/>
             </a:prstGeom>
             <a:solidFill>
-              <a:schemeClr val="accent1">
-                <a:lumMod val="40000"/>
-                <a:lumOff val="60000"/>
+              <a:schemeClr val="tx2">
+                <a:lumMod val="50000"/>
+                <a:lumOff val="50000"/>
               </a:schemeClr>
             </a:solidFill>
             <a:ln>
@@ -9309,9 +9315,9 @@
               <a:avLst/>
             </a:prstGeom>
             <a:solidFill>
-              <a:schemeClr val="accent1">
-                <a:lumMod val="40000"/>
-                <a:lumOff val="60000"/>
+              <a:schemeClr val="tx2">
+                <a:lumMod val="50000"/>
+                <a:lumOff val="50000"/>
               </a:schemeClr>
             </a:solidFill>
             <a:ln>
@@ -9374,9 +9380,9 @@
               <a:avLst/>
             </a:prstGeom>
             <a:solidFill>
-              <a:schemeClr val="tx2">
-                <a:lumMod val="10000"/>
-                <a:lumOff val="90000"/>
+              <a:schemeClr val="accent1">
+                <a:lumMod val="20000"/>
+                <a:lumOff val="80000"/>
               </a:schemeClr>
             </a:solidFill>
             <a:ln>
@@ -9792,9 +9798,9 @@
               <a:avLst/>
             </a:prstGeom>
             <a:solidFill>
-              <a:schemeClr val="accent1">
-                <a:lumMod val="40000"/>
-                <a:lumOff val="60000"/>
+              <a:schemeClr val="tx2">
+                <a:lumMod val="50000"/>
+                <a:lumOff val="50000"/>
               </a:schemeClr>
             </a:solidFill>
             <a:ln>
@@ -10384,9 +10390,9 @@
               <a:avLst/>
             </a:prstGeom>
             <a:solidFill>
-              <a:schemeClr val="accent1">
-                <a:lumMod val="40000"/>
-                <a:lumOff val="60000"/>
+              <a:schemeClr val="tx2">
+                <a:lumMod val="50000"/>
+                <a:lumOff val="50000"/>
               </a:schemeClr>
             </a:solidFill>
             <a:ln>
@@ -10585,9 +10591,9 @@
                 <a:avLst/>
               </a:prstGeom>
               <a:solidFill>
-                <a:schemeClr val="tx2">
-                  <a:lumMod val="10000"/>
-                  <a:lumOff val="90000"/>
+                <a:schemeClr val="accent1">
+                  <a:lumMod val="20000"/>
+                  <a:lumOff val="80000"/>
                 </a:schemeClr>
               </a:solidFill>
               <a:ln>
@@ -10848,9 +10854,9 @@
                 <a:avLst/>
               </a:prstGeom>
               <a:solidFill>
-                <a:schemeClr val="tx2">
-                  <a:lumMod val="10000"/>
-                  <a:lumOff val="90000"/>
+                <a:schemeClr val="accent1">
+                  <a:lumMod val="20000"/>
+                  <a:lumOff val="80000"/>
                 </a:schemeClr>
               </a:solidFill>
               <a:ln>
@@ -11102,9 +11108,9 @@
                 <a:avLst/>
               </a:prstGeom>
               <a:solidFill>
-                <a:schemeClr val="tx2">
-                  <a:lumMod val="10000"/>
-                  <a:lumOff val="90000"/>
+                <a:schemeClr val="accent1">
+                  <a:lumMod val="20000"/>
+                  <a:lumOff val="80000"/>
                 </a:schemeClr>
               </a:solidFill>
               <a:ln>
@@ -11292,9 +11298,9 @@
               <a:avLst/>
             </a:prstGeom>
             <a:solidFill>
-              <a:schemeClr val="accent1">
-                <a:lumMod val="40000"/>
-                <a:lumOff val="60000"/>
+              <a:schemeClr val="tx2">
+                <a:lumMod val="50000"/>
+                <a:lumOff val="50000"/>
               </a:schemeClr>
             </a:solidFill>
             <a:ln>
@@ -11377,9 +11383,9 @@
                 <a:avLst/>
               </a:prstGeom>
               <a:solidFill>
-                <a:schemeClr val="tx2">
-                  <a:lumMod val="10000"/>
-                  <a:lumOff val="90000"/>
+                <a:schemeClr val="accent1">
+                  <a:lumMod val="20000"/>
+                  <a:lumOff val="80000"/>
                 </a:schemeClr>
               </a:solidFill>
               <a:ln>
@@ -11645,9 +11651,9 @@
                 <a:avLst/>
               </a:prstGeom>
               <a:solidFill>
-                <a:schemeClr val="tx2">
-                  <a:lumMod val="10000"/>
-                  <a:lumOff val="90000"/>
+                <a:schemeClr val="accent1">
+                  <a:lumMod val="20000"/>
+                  <a:lumOff val="80000"/>
                 </a:schemeClr>
               </a:solidFill>
               <a:ln>
@@ -11933,9 +11939,9 @@
                 <a:avLst/>
               </a:prstGeom>
               <a:solidFill>
-                <a:schemeClr val="tx2">
-                  <a:lumMod val="10000"/>
-                  <a:lumOff val="90000"/>
+                <a:schemeClr val="accent1">
+                  <a:lumMod val="20000"/>
+                  <a:lumOff val="80000"/>
                 </a:schemeClr>
               </a:solidFill>
               <a:ln>
@@ -12293,6 +12299,13 @@
           <a:prstGeom prst="rect">
             <a:avLst/>
           </a:prstGeom>
+          <a:scene3d>
+            <a:camera prst="orthographicFront"/>
+            <a:lightRig rig="threePt" dir="t"/>
+          </a:scene3d>
+          <a:sp3d>
+            <a:bevelT/>
+          </a:sp3d>
         </p:spPr>
       </p:pic>
       <p:sp>
@@ -12398,9 +12411,9 @@
               <a:avLst/>
             </a:prstGeom>
             <a:solidFill>
-              <a:schemeClr val="accent1">
-                <a:lumMod val="40000"/>
-                <a:lumOff val="60000"/>
+              <a:schemeClr val="tx2">
+                <a:lumMod val="50000"/>
+                <a:lumOff val="50000"/>
               </a:schemeClr>
             </a:solidFill>
             <a:ln>
@@ -12622,9 +12635,9 @@
                 <a:avLst/>
               </a:prstGeom>
               <a:solidFill>
-                <a:schemeClr val="tx2">
-                  <a:lumMod val="10000"/>
-                  <a:lumOff val="90000"/>
+                <a:schemeClr val="accent1">
+                  <a:lumMod val="20000"/>
+                  <a:lumOff val="80000"/>
                 </a:schemeClr>
               </a:solidFill>
               <a:ln>
@@ -12901,9 +12914,9 @@
                 <a:avLst/>
               </a:prstGeom>
               <a:solidFill>
-                <a:schemeClr val="tx2">
-                  <a:lumMod val="10000"/>
-                  <a:lumOff val="90000"/>
+                <a:schemeClr val="accent1">
+                  <a:lumMod val="20000"/>
+                  <a:lumOff val="80000"/>
                 </a:schemeClr>
               </a:solidFill>
               <a:ln>
@@ -13166,9 +13179,9 @@
                 <a:avLst/>
               </a:prstGeom>
               <a:solidFill>
-                <a:schemeClr val="tx2">
-                  <a:lumMod val="10000"/>
-                  <a:lumOff val="90000"/>
+                <a:schemeClr val="accent1">
+                  <a:lumMod val="20000"/>
+                  <a:lumOff val="80000"/>
                 </a:schemeClr>
               </a:solidFill>
               <a:ln>

--- a/docs/CheatSheet.pptx
+++ b/docs/CheatSheet.pptx
@@ -199,7 +199,7 @@
           <a:p>
             <a:fld id="{A426CAC6-4C26-DA42-B260-CA966EDEB8DE}" type="datetimeFigureOut">
               <a:rPr lang="en-US" smtClean="0"/>
-              <a:t>7/2/25</a:t>
+              <a:t>7/3/25</a:t>
             </a:fld>
             <a:endParaRPr lang="en-US" dirty="0"/>
           </a:p>
@@ -865,7 +865,7 @@
           <a:p>
             <a:fld id="{D996798F-AFF2-4140-87AD-54D8021B772D}" type="datetimeFigureOut">
               <a:rPr lang="en-US" smtClean="0"/>
-              <a:t>7/2/25</a:t>
+              <a:t>7/3/25</a:t>
             </a:fld>
             <a:endParaRPr lang="en-US" dirty="0"/>
           </a:p>
@@ -1063,7 +1063,7 @@
           <a:p>
             <a:fld id="{D996798F-AFF2-4140-87AD-54D8021B772D}" type="datetimeFigureOut">
               <a:rPr lang="en-US" smtClean="0"/>
-              <a:t>7/2/25</a:t>
+              <a:t>7/3/25</a:t>
             </a:fld>
             <a:endParaRPr lang="en-US" dirty="0"/>
           </a:p>
@@ -1271,7 +1271,7 @@
           <a:p>
             <a:fld id="{D996798F-AFF2-4140-87AD-54D8021B772D}" type="datetimeFigureOut">
               <a:rPr lang="en-US" smtClean="0"/>
-              <a:t>7/2/25</a:t>
+              <a:t>7/3/25</a:t>
             </a:fld>
             <a:endParaRPr lang="en-US" dirty="0"/>
           </a:p>
@@ -1469,7 +1469,7 @@
           <a:p>
             <a:fld id="{D996798F-AFF2-4140-87AD-54D8021B772D}" type="datetimeFigureOut">
               <a:rPr lang="en-US" smtClean="0"/>
-              <a:t>7/2/25</a:t>
+              <a:t>7/3/25</a:t>
             </a:fld>
             <a:endParaRPr lang="en-US" dirty="0"/>
           </a:p>
@@ -1744,7 +1744,7 @@
           <a:p>
             <a:fld id="{D996798F-AFF2-4140-87AD-54D8021B772D}" type="datetimeFigureOut">
               <a:rPr lang="en-US" smtClean="0"/>
-              <a:t>7/2/25</a:t>
+              <a:t>7/3/25</a:t>
             </a:fld>
             <a:endParaRPr lang="en-US" dirty="0"/>
           </a:p>
@@ -2009,7 +2009,7 @@
           <a:p>
             <a:fld id="{D996798F-AFF2-4140-87AD-54D8021B772D}" type="datetimeFigureOut">
               <a:rPr lang="en-US" smtClean="0"/>
-              <a:t>7/2/25</a:t>
+              <a:t>7/3/25</a:t>
             </a:fld>
             <a:endParaRPr lang="en-US" dirty="0"/>
           </a:p>
@@ -2421,7 +2421,7 @@
           <a:p>
             <a:fld id="{D996798F-AFF2-4140-87AD-54D8021B772D}" type="datetimeFigureOut">
               <a:rPr lang="en-US" smtClean="0"/>
-              <a:t>7/2/25</a:t>
+              <a:t>7/3/25</a:t>
             </a:fld>
             <a:endParaRPr lang="en-US" dirty="0"/>
           </a:p>
@@ -2562,7 +2562,7 @@
           <a:p>
             <a:fld id="{D996798F-AFF2-4140-87AD-54D8021B772D}" type="datetimeFigureOut">
               <a:rPr lang="en-US" smtClean="0"/>
-              <a:t>7/2/25</a:t>
+              <a:t>7/3/25</a:t>
             </a:fld>
             <a:endParaRPr lang="en-US" dirty="0"/>
           </a:p>
@@ -2675,7 +2675,7 @@
           <a:p>
             <a:fld id="{D996798F-AFF2-4140-87AD-54D8021B772D}" type="datetimeFigureOut">
               <a:rPr lang="en-US" smtClean="0"/>
-              <a:t>7/2/25</a:t>
+              <a:t>7/3/25</a:t>
             </a:fld>
             <a:endParaRPr lang="en-US" dirty="0"/>
           </a:p>
@@ -2986,7 +2986,7 @@
           <a:p>
             <a:fld id="{D996798F-AFF2-4140-87AD-54D8021B772D}" type="datetimeFigureOut">
               <a:rPr lang="en-US" smtClean="0"/>
-              <a:t>7/2/25</a:t>
+              <a:t>7/3/25</a:t>
             </a:fld>
             <a:endParaRPr lang="en-US" dirty="0"/>
           </a:p>
@@ -3274,7 +3274,7 @@
           <a:p>
             <a:fld id="{D996798F-AFF2-4140-87AD-54D8021B772D}" type="datetimeFigureOut">
               <a:rPr lang="en-US" smtClean="0"/>
-              <a:t>7/2/25</a:t>
+              <a:t>7/3/25</a:t>
             </a:fld>
             <a:endParaRPr lang="en-US" dirty="0"/>
           </a:p>
@@ -3515,7 +3515,7 @@
           <a:p>
             <a:fld id="{D996798F-AFF2-4140-87AD-54D8021B772D}" type="datetimeFigureOut">
               <a:rPr lang="en-US" smtClean="0"/>
-              <a:t>7/2/25</a:t>
+              <a:t>7/3/25</a:t>
             </a:fld>
             <a:endParaRPr lang="en-US" dirty="0"/>
           </a:p>
@@ -4213,7 +4213,7 @@
                   <a:cs typeface="Aptos Serif" panose="020B0604020202020204" pitchFamily="34" charset="0"/>
                   <a:hlinkClick r:id="rId6"/>
                 </a:rPr>
-                <a:t>read&lt;…&gt;(…);</a:t>
+                <a:t>read(…);</a:t>
               </a:r>
               <a:endParaRPr lang="en-US" sz="1200" b="1" dirty="0">
                 <a:solidFill>
@@ -12208,72 +12208,9 @@
           </p:sp>
         </p:grpSp>
       </p:grpSp>
-      <p:sp>
-        <p:nvSpPr>
-          <p:cNvPr id="14" name="TextBox 13">
-            <a:extLst>
-              <a:ext uri="{FF2B5EF4-FFF2-40B4-BE49-F238E27FC236}">
-                <a16:creationId xmlns:a16="http://schemas.microsoft.com/office/drawing/2014/main" id="{428C4C21-60F5-A2FC-5D04-47045E913BEA}"/>
-              </a:ext>
-            </a:extLst>
-          </p:cNvPr>
-          <p:cNvSpPr txBox="1"/>
-          <p:nvPr/>
-        </p:nvSpPr>
-        <p:spPr>
-          <a:xfrm>
-            <a:off x="111287" y="5721534"/>
-            <a:ext cx="3716129" cy="954107"/>
-          </a:xfrm>
-          <a:prstGeom prst="rect">
-            <a:avLst/>
-          </a:prstGeom>
-          <a:noFill/>
-        </p:spPr>
-        <p:txBody>
-          <a:bodyPr wrap="square" rtlCol="0">
-            <a:spAutoFit/>
-          </a:bodyPr>
-          <a:lstStyle/>
-          <a:p>
-            <a:r>
-              <a:rPr lang="en-US" sz="2800" b="1" dirty="0">
-                <a:solidFill>
-                  <a:schemeClr val="accent2">
-                    <a:lumMod val="75000"/>
-                  </a:schemeClr>
-                </a:solidFill>
-                <a:latin typeface="American Typewriter Condensed" panose="02090606020004020304" pitchFamily="18" charset="77"/>
-              </a:rPr>
-              <a:t>Full Documentation with Code Samples are </a:t>
-            </a:r>
-            <a:r>
-              <a:rPr lang="en-US" sz="2800" b="1" dirty="0">
-                <a:solidFill>
-                  <a:schemeClr val="accent2">
-                    <a:lumMod val="75000"/>
-                  </a:schemeClr>
-                </a:solidFill>
-                <a:latin typeface="American Typewriter Condensed" panose="02090606020004020304" pitchFamily="18" charset="77"/>
-                <a:hlinkClick r:id="rId13"/>
-              </a:rPr>
-              <a:t>Here</a:t>
-            </a:r>
-            <a:endParaRPr lang="en-US" sz="2800" b="1" dirty="0">
-              <a:solidFill>
-                <a:schemeClr val="accent2">
-                  <a:lumMod val="75000"/>
-                </a:schemeClr>
-              </a:solidFill>
-              <a:latin typeface="American Typewriter Condensed" panose="02090606020004020304" pitchFamily="18" charset="77"/>
-            </a:endParaRPr>
-          </a:p>
-        </p:txBody>
-      </p:sp>
       <p:pic>
         <p:nvPicPr>
           <p:cNvPr id="17" name="Picture 16" descr="A close up of a lion&#10;&#10;AI-generated content may be incorrect.">
-            <a:hlinkClick r:id="rId14"/>
             <a:extLst>
               <a:ext uri="{FF2B5EF4-FFF2-40B4-BE49-F238E27FC236}">
                 <a16:creationId xmlns:a16="http://schemas.microsoft.com/office/drawing/2014/main" id="{D9081641-76BC-9044-C0A8-432C3C665EEE}"/>
@@ -12286,7 +12223,7 @@
           <p:nvPr/>
         </p:nvPicPr>
         <p:blipFill>
-          <a:blip r:embed="rId15"/>
+          <a:blip r:embed="rId13"/>
           <a:stretch>
             <a:fillRect/>
           </a:stretch>
@@ -12304,72 +12241,155 @@
             <a:lightRig rig="threePt" dir="t"/>
           </a:scene3d>
           <a:sp3d>
-            <a:bevelT/>
+            <a:bevelT w="165100" prst="coolSlant"/>
           </a:sp3d>
         </p:spPr>
       </p:pic>
-      <p:sp>
-        <p:nvSpPr>
-          <p:cNvPr id="18" name="TextBox 17">
+      <p:grpSp>
+        <p:nvGrpSpPr>
+          <p:cNvPr id="2" name="Group 1">
             <a:extLst>
               <a:ext uri="{FF2B5EF4-FFF2-40B4-BE49-F238E27FC236}">
-                <a16:creationId xmlns:a16="http://schemas.microsoft.com/office/drawing/2014/main" id="{7D2B9645-3BB7-4C0D-6190-80D4832CAC4E}"/>
+                <a16:creationId xmlns:a16="http://schemas.microsoft.com/office/drawing/2014/main" id="{2B0EFBA6-CCE5-5A0A-A625-5A3EC8E0A814}"/>
               </a:ext>
             </a:extLst>
           </p:cNvPr>
-          <p:cNvSpPr txBox="1"/>
+          <p:cNvGrpSpPr/>
           <p:nvPr/>
-        </p:nvSpPr>
-        <p:spPr>
+        </p:nvGrpSpPr>
+        <p:grpSpPr>
           <a:xfrm>
             <a:off x="106931" y="5050973"/>
-            <a:ext cx="3716129" cy="523220"/>
+            <a:ext cx="3720485" cy="1624668"/>
+            <a:chOff x="106931" y="5050973"/>
+            <a:chExt cx="3720485" cy="1624668"/>
           </a:xfrm>
-          <a:prstGeom prst="rect">
-            <a:avLst/>
-          </a:prstGeom>
-          <a:noFill/>
-        </p:spPr>
-        <p:txBody>
-          <a:bodyPr wrap="square" rtlCol="0">
-            <a:spAutoFit/>
-          </a:bodyPr>
-          <a:lstStyle/>
-          <a:p>
-            <a:r>
-              <a:rPr lang="en-US" sz="2800" b="1" dirty="0">
+        </p:grpSpPr>
+        <p:sp>
+          <p:nvSpPr>
+            <p:cNvPr id="14" name="TextBox 13">
+              <a:extLst>
+                <a:ext uri="{FF2B5EF4-FFF2-40B4-BE49-F238E27FC236}">
+                  <a16:creationId xmlns:a16="http://schemas.microsoft.com/office/drawing/2014/main" id="{428C4C21-60F5-A2FC-5D04-47045E913BEA}"/>
+                </a:ext>
+              </a:extLst>
+            </p:cNvPr>
+            <p:cNvSpPr txBox="1"/>
+            <p:nvPr/>
+          </p:nvSpPr>
+          <p:spPr>
+            <a:xfrm>
+              <a:off x="111287" y="5721534"/>
+              <a:ext cx="3716129" cy="954107"/>
+            </a:xfrm>
+            <a:prstGeom prst="rect">
+              <a:avLst/>
+            </a:prstGeom>
+            <a:noFill/>
+          </p:spPr>
+          <p:txBody>
+            <a:bodyPr wrap="square" rtlCol="0">
+              <a:spAutoFit/>
+            </a:bodyPr>
+            <a:lstStyle/>
+            <a:p>
+              <a:r>
+                <a:rPr lang="en-US" sz="2800" b="1" dirty="0">
+                  <a:solidFill>
+                    <a:schemeClr val="accent2">
+                      <a:lumMod val="75000"/>
+                    </a:schemeClr>
+                  </a:solidFill>
+                  <a:latin typeface="American Typewriter Condensed" panose="02090606020004020304" pitchFamily="18" charset="77"/>
+                </a:rPr>
+                <a:t>Full Documentation with Code Samples are </a:t>
+              </a:r>
+              <a:r>
+                <a:rPr lang="en-US" sz="2800" b="1" dirty="0">
+                  <a:solidFill>
+                    <a:schemeClr val="accent2">
+                      <a:lumMod val="75000"/>
+                    </a:schemeClr>
+                  </a:solidFill>
+                  <a:latin typeface="American Typewriter Condensed" panose="02090606020004020304" pitchFamily="18" charset="77"/>
+                  <a:hlinkClick r:id="rId14"/>
+                </a:rPr>
+                <a:t>Here</a:t>
+              </a:r>
+              <a:endParaRPr lang="en-US" sz="2800" b="1" dirty="0">
                 <a:solidFill>
                   <a:schemeClr val="accent2">
                     <a:lumMod val="75000"/>
                   </a:schemeClr>
                 </a:solidFill>
                 <a:latin typeface="American Typewriter Condensed" panose="02090606020004020304" pitchFamily="18" charset="77"/>
-              </a:rPr>
-              <a:t>Hello World is </a:t>
-            </a:r>
-            <a:r>
-              <a:rPr lang="en-US" sz="2800" b="1" dirty="0">
+              </a:endParaRPr>
+            </a:p>
+          </p:txBody>
+        </p:sp>
+        <p:sp>
+          <p:nvSpPr>
+            <p:cNvPr id="18" name="TextBox 17">
+              <a:extLst>
+                <a:ext uri="{FF2B5EF4-FFF2-40B4-BE49-F238E27FC236}">
+                  <a16:creationId xmlns:a16="http://schemas.microsoft.com/office/drawing/2014/main" id="{7D2B9645-3BB7-4C0D-6190-80D4832CAC4E}"/>
+                </a:ext>
+              </a:extLst>
+            </p:cNvPr>
+            <p:cNvSpPr txBox="1"/>
+            <p:nvPr/>
+          </p:nvSpPr>
+          <p:spPr>
+            <a:xfrm>
+              <a:off x="106931" y="5050973"/>
+              <a:ext cx="3716129" cy="523220"/>
+            </a:xfrm>
+            <a:prstGeom prst="rect">
+              <a:avLst/>
+            </a:prstGeom>
+            <a:noFill/>
+          </p:spPr>
+          <p:txBody>
+            <a:bodyPr wrap="square" rtlCol="0">
+              <a:spAutoFit/>
+            </a:bodyPr>
+            <a:lstStyle/>
+            <a:p>
+              <a:r>
+                <a:rPr lang="en-US" sz="2800" b="1" dirty="0">
+                  <a:solidFill>
+                    <a:schemeClr val="accent2">
+                      <a:lumMod val="75000"/>
+                    </a:schemeClr>
+                  </a:solidFill>
+                  <a:latin typeface="American Typewriter Condensed" panose="02090606020004020304" pitchFamily="18" charset="77"/>
+                </a:rPr>
+                <a:t>Hello World is </a:t>
+              </a:r>
+              <a:r>
+                <a:rPr lang="en-US" sz="2800" b="1" dirty="0">
+                  <a:solidFill>
+                    <a:schemeClr val="accent2">
+                      <a:lumMod val="75000"/>
+                    </a:schemeClr>
+                  </a:solidFill>
+                  <a:latin typeface="American Typewriter Condensed" panose="02090606020004020304" pitchFamily="18" charset="77"/>
+                  <a:hlinkClick r:id="rId15"/>
+                </a:rPr>
+                <a:t>Here</a:t>
+              </a:r>
+              <a:endParaRPr lang="en-US" sz="2800" b="1" dirty="0">
                 <a:solidFill>
                   <a:schemeClr val="accent2">
                     <a:lumMod val="75000"/>
                   </a:schemeClr>
                 </a:solidFill>
                 <a:latin typeface="American Typewriter Condensed" panose="02090606020004020304" pitchFamily="18" charset="77"/>
-                <a:hlinkClick r:id="rId16"/>
-              </a:rPr>
-              <a:t>Here</a:t>
-            </a:r>
-            <a:endParaRPr lang="en-US" sz="2800" b="1" dirty="0">
-              <a:solidFill>
-                <a:schemeClr val="accent2">
-                  <a:lumMod val="75000"/>
-                </a:schemeClr>
-              </a:solidFill>
-              <a:latin typeface="American Typewriter Condensed" panose="02090606020004020304" pitchFamily="18" charset="77"/>
-            </a:endParaRPr>
-          </a:p>
-        </p:txBody>
-      </p:sp>
+              </a:endParaRPr>
+            </a:p>
+          </p:txBody>
+        </p:sp>
+      </p:grpSp>
       <p:grpSp>
         <p:nvGrpSpPr>
           <p:cNvPr id="33" name="Group 32">
@@ -12541,7 +12561,7 @@
                     </a:solidFill>
                     <a:latin typeface="Aptos Serif" panose="02020604070405020304" pitchFamily="18" charset="0"/>
                     <a:cs typeface="Aptos Serif" panose="02020604070405020304" pitchFamily="18" charset="0"/>
-                    <a:hlinkClick r:id="rId17"/>
+                    <a:hlinkClick r:id="rId16"/>
                   </a:rPr>
                   <a:t>BollingerBand</a:t>
                 </a:r>
@@ -12677,7 +12697,7 @@
                   <a:rPr lang="en-US" sz="1200" b="1" u="sng" dirty="0">
                     <a:latin typeface="Aptos Serif" panose="02020604070405020304" pitchFamily="18" charset="0"/>
                     <a:cs typeface="Aptos Serif" panose="02020604070405020304" pitchFamily="18" charset="0"/>
-                    <a:hlinkClick r:id="rId18"/>
+                    <a:hlinkClick r:id="rId17"/>
                   </a:rPr>
                   <a:t>HurstExponentVisitor</a:t>
                 </a:r>
@@ -12806,7 +12826,7 @@
                   <a:rPr lang="en-US" sz="1200" b="1" u="sng" dirty="0">
                     <a:latin typeface="Aptos Serif" panose="02020604070405020304" pitchFamily="18" charset="0"/>
                     <a:cs typeface="Aptos Serif" panose="02020604070405020304" pitchFamily="18" charset="0"/>
-                    <a:hlinkClick r:id="rId19"/>
+                    <a:hlinkClick r:id="rId18"/>
                   </a:rPr>
                   <a:t>SharpeRatioVisitor</a:t>
                 </a:r>
@@ -12959,7 +12979,7 @@
                     </a:solidFill>
                     <a:latin typeface="Aptos Serif" panose="02020604070405020304" pitchFamily="18" charset="0"/>
                     <a:cs typeface="Aptos Serif" panose="02020604070405020304" pitchFamily="18" charset="0"/>
-                    <a:hlinkClick r:id="rId20"/>
+                    <a:hlinkClick r:id="rId19"/>
                   </a:rPr>
                   <a:t>GarmanKlassVolVisitor</a:t>
                 </a:r>
@@ -13083,7 +13103,7 @@
                   <a:rPr lang="en-US" sz="1200" b="1" u="sng" dirty="0">
                     <a:latin typeface="Aptos Serif" panose="02020604070405020304" pitchFamily="18" charset="0"/>
                     <a:cs typeface="Aptos Serif" panose="02020604070405020304" pitchFamily="18" charset="0"/>
-                    <a:hlinkClick r:id="rId21"/>
+                    <a:hlinkClick r:id="rId20"/>
                   </a:rPr>
                   <a:t>VWAPVisitor</a:t>
                 </a:r>
@@ -13221,7 +13241,7 @@
                   <a:rPr lang="en-US" sz="1200" b="1" u="sng" dirty="0">
                     <a:latin typeface="Aptos Serif" panose="02020604070405020304" pitchFamily="18" charset="0"/>
                     <a:cs typeface="Aptos Serif" panose="02020604070405020304" pitchFamily="18" charset="0"/>
-                    <a:hlinkClick r:id="rId22"/>
+                    <a:hlinkClick r:id="rId21"/>
                   </a:rPr>
                   <a:t>RSIVisitor</a:t>
                 </a:r>

--- a/docs/CheatSheet.pptx
+++ b/docs/CheatSheet.pptx
@@ -199,7 +199,7 @@
           <a:p>
             <a:fld id="{A426CAC6-4C26-DA42-B260-CA966EDEB8DE}" type="datetimeFigureOut">
               <a:rPr lang="en-US" smtClean="0"/>
-              <a:t>7/3/25</a:t>
+              <a:t>12/19/25</a:t>
             </a:fld>
             <a:endParaRPr lang="en-US" dirty="0"/>
           </a:p>
@@ -865,7 +865,7 @@
           <a:p>
             <a:fld id="{D996798F-AFF2-4140-87AD-54D8021B772D}" type="datetimeFigureOut">
               <a:rPr lang="en-US" smtClean="0"/>
-              <a:t>7/3/25</a:t>
+              <a:t>12/19/25</a:t>
             </a:fld>
             <a:endParaRPr lang="en-US" dirty="0"/>
           </a:p>
@@ -1063,7 +1063,7 @@
           <a:p>
             <a:fld id="{D996798F-AFF2-4140-87AD-54D8021B772D}" type="datetimeFigureOut">
               <a:rPr lang="en-US" smtClean="0"/>
-              <a:t>7/3/25</a:t>
+              <a:t>12/19/25</a:t>
             </a:fld>
             <a:endParaRPr lang="en-US" dirty="0"/>
           </a:p>
@@ -1271,7 +1271,7 @@
           <a:p>
             <a:fld id="{D996798F-AFF2-4140-87AD-54D8021B772D}" type="datetimeFigureOut">
               <a:rPr lang="en-US" smtClean="0"/>
-              <a:t>7/3/25</a:t>
+              <a:t>12/19/25</a:t>
             </a:fld>
             <a:endParaRPr lang="en-US" dirty="0"/>
           </a:p>
@@ -1469,7 +1469,7 @@
           <a:p>
             <a:fld id="{D996798F-AFF2-4140-87AD-54D8021B772D}" type="datetimeFigureOut">
               <a:rPr lang="en-US" smtClean="0"/>
-              <a:t>7/3/25</a:t>
+              <a:t>12/19/25</a:t>
             </a:fld>
             <a:endParaRPr lang="en-US" dirty="0"/>
           </a:p>
@@ -1744,7 +1744,7 @@
           <a:p>
             <a:fld id="{D996798F-AFF2-4140-87AD-54D8021B772D}" type="datetimeFigureOut">
               <a:rPr lang="en-US" smtClean="0"/>
-              <a:t>7/3/25</a:t>
+              <a:t>12/19/25</a:t>
             </a:fld>
             <a:endParaRPr lang="en-US" dirty="0"/>
           </a:p>
@@ -2009,7 +2009,7 @@
           <a:p>
             <a:fld id="{D996798F-AFF2-4140-87AD-54D8021B772D}" type="datetimeFigureOut">
               <a:rPr lang="en-US" smtClean="0"/>
-              <a:t>7/3/25</a:t>
+              <a:t>12/19/25</a:t>
             </a:fld>
             <a:endParaRPr lang="en-US" dirty="0"/>
           </a:p>
@@ -2421,7 +2421,7 @@
           <a:p>
             <a:fld id="{D996798F-AFF2-4140-87AD-54D8021B772D}" type="datetimeFigureOut">
               <a:rPr lang="en-US" smtClean="0"/>
-              <a:t>7/3/25</a:t>
+              <a:t>12/19/25</a:t>
             </a:fld>
             <a:endParaRPr lang="en-US" dirty="0"/>
           </a:p>
@@ -2562,7 +2562,7 @@
           <a:p>
             <a:fld id="{D996798F-AFF2-4140-87AD-54D8021B772D}" type="datetimeFigureOut">
               <a:rPr lang="en-US" smtClean="0"/>
-              <a:t>7/3/25</a:t>
+              <a:t>12/19/25</a:t>
             </a:fld>
             <a:endParaRPr lang="en-US" dirty="0"/>
           </a:p>
@@ -2675,7 +2675,7 @@
           <a:p>
             <a:fld id="{D996798F-AFF2-4140-87AD-54D8021B772D}" type="datetimeFigureOut">
               <a:rPr lang="en-US" smtClean="0"/>
-              <a:t>7/3/25</a:t>
+              <a:t>12/19/25</a:t>
             </a:fld>
             <a:endParaRPr lang="en-US" dirty="0"/>
           </a:p>
@@ -2986,7 +2986,7 @@
           <a:p>
             <a:fld id="{D996798F-AFF2-4140-87AD-54D8021B772D}" type="datetimeFigureOut">
               <a:rPr lang="en-US" smtClean="0"/>
-              <a:t>7/3/25</a:t>
+              <a:t>12/19/25</a:t>
             </a:fld>
             <a:endParaRPr lang="en-US" dirty="0"/>
           </a:p>
@@ -3274,7 +3274,7 @@
           <a:p>
             <a:fld id="{D996798F-AFF2-4140-87AD-54D8021B772D}" type="datetimeFigureOut">
               <a:rPr lang="en-US" smtClean="0"/>
-              <a:t>7/3/25</a:t>
+              <a:t>12/19/25</a:t>
             </a:fld>
             <a:endParaRPr lang="en-US" dirty="0"/>
           </a:p>
@@ -3515,7 +3515,7 @@
           <a:p>
             <a:fld id="{D996798F-AFF2-4140-87AD-54D8021B772D}" type="datetimeFigureOut">
               <a:rPr lang="en-US" smtClean="0"/>
-              <a:t>7/3/25</a:t>
+              <a:t>12/19/25</a:t>
             </a:fld>
             <a:endParaRPr lang="en-US" dirty="0"/>
           </a:p>
